--- a/리눅스 프로그래밍 수업/7강/35_임현덕_20220411.pptx
+++ b/리눅스 프로그래밍 수업/7강/35_임현덕_20220411.pptx
@@ -15,10 +15,24 @@
     <p:sldId id="269" r:id="rId9"/>
     <p:sldId id="267" r:id="rId10"/>
     <p:sldId id="268" r:id="rId11"/>
-    <p:sldId id="259" r:id="rId12"/>
-    <p:sldId id="260" r:id="rId13"/>
-    <p:sldId id="261" r:id="rId14"/>
-    <p:sldId id="262" r:id="rId15"/>
+    <p:sldId id="273" r:id="rId12"/>
+    <p:sldId id="271" r:id="rId13"/>
+    <p:sldId id="262" r:id="rId14"/>
+    <p:sldId id="274" r:id="rId15"/>
+    <p:sldId id="275" r:id="rId16"/>
+    <p:sldId id="276" r:id="rId17"/>
+    <p:sldId id="277" r:id="rId18"/>
+    <p:sldId id="278" r:id="rId19"/>
+    <p:sldId id="279" r:id="rId20"/>
+    <p:sldId id="280" r:id="rId21"/>
+    <p:sldId id="281" r:id="rId22"/>
+    <p:sldId id="282" r:id="rId23"/>
+    <p:sldId id="283" r:id="rId24"/>
+    <p:sldId id="272" r:id="rId25"/>
+    <p:sldId id="284" r:id="rId26"/>
+    <p:sldId id="285" r:id="rId27"/>
+    <p:sldId id="286" r:id="rId28"/>
+    <p:sldId id="287" r:id="rId29"/>
   </p:sldIdLst>
   <p:sldSz cx="12192000" cy="6858000"/>
   <p:notesSz cx="6858000" cy="9144000"/>
@@ -268,7 +282,7 @@
           <a:p>
             <a:fld id="{5309CC29-5E29-42B2-8F29-C97D830E3029}" type="datetimeFigureOut">
               <a:rPr lang="ko-KR" altLang="en-US" smtClean="0"/>
-              <a:t>2022-04-11</a:t>
+              <a:t>2022-04-12</a:t>
             </a:fld>
             <a:endParaRPr lang="ko-KR" altLang="en-US"/>
           </a:p>
@@ -438,7 +452,7 @@
           <a:p>
             <a:fld id="{5309CC29-5E29-42B2-8F29-C97D830E3029}" type="datetimeFigureOut">
               <a:rPr lang="ko-KR" altLang="en-US" smtClean="0"/>
-              <a:t>2022-04-11</a:t>
+              <a:t>2022-04-12</a:t>
             </a:fld>
             <a:endParaRPr lang="ko-KR" altLang="en-US"/>
           </a:p>
@@ -618,7 +632,7 @@
           <a:p>
             <a:fld id="{5309CC29-5E29-42B2-8F29-C97D830E3029}" type="datetimeFigureOut">
               <a:rPr lang="ko-KR" altLang="en-US" smtClean="0"/>
-              <a:t>2022-04-11</a:t>
+              <a:t>2022-04-12</a:t>
             </a:fld>
             <a:endParaRPr lang="ko-KR" altLang="en-US"/>
           </a:p>
@@ -711,36 +725,6 @@
 
 <file path=ppt/slideLayouts/slideLayout13.xml><?xml version="1.0" encoding="utf-8"?>
 <p:sldLayout xmlns:a="http://schemas.openxmlformats.org/drawingml/2006/main" xmlns:r="http://schemas.openxmlformats.org/officeDocument/2006/relationships" xmlns:p="http://schemas.openxmlformats.org/presentationml/2006/main" userDrawn="1">
-  <p:cSld name="2_제목 및 내용">
-    <p:spTree>
-      <p:nvGrpSpPr>
-        <p:cNvPr id="1" name=""/>
-        <p:cNvGrpSpPr/>
-        <p:nvPr/>
-      </p:nvGrpSpPr>
-      <p:grpSpPr>
-        <a:xfrm>
-          <a:off x="0" y="0"/>
-          <a:ext cx="0" cy="0"/>
-          <a:chOff x="0" y="0"/>
-          <a:chExt cx="0" cy="0"/>
-        </a:xfrm>
-      </p:grpSpPr>
-    </p:spTree>
-    <p:extLst>
-      <p:ext uri="{BB962C8B-B14F-4D97-AF65-F5344CB8AC3E}">
-        <p14:creationId xmlns:p14="http://schemas.microsoft.com/office/powerpoint/2010/main" val="526252311"/>
-      </p:ext>
-    </p:extLst>
-  </p:cSld>
-  <p:clrMapOvr>
-    <a:masterClrMapping/>
-  </p:clrMapOvr>
-</p:sldLayout>
-</file>
-
-<file path=ppt/slideLayouts/slideLayout14.xml><?xml version="1.0" encoding="utf-8"?>
-<p:sldLayout xmlns:a="http://schemas.openxmlformats.org/drawingml/2006/main" xmlns:r="http://schemas.openxmlformats.org/officeDocument/2006/relationships" xmlns:p="http://schemas.openxmlformats.org/presentationml/2006/main" userDrawn="1">
   <p:cSld name="3_제목 및 내용">
     <p:spTree>
       <p:nvGrpSpPr>
@@ -769,6 +753,66 @@
 </p:sldLayout>
 </file>
 
+<file path=ppt/slideLayouts/slideLayout14.xml><?xml version="1.0" encoding="utf-8"?>
+<p:sldLayout xmlns:a="http://schemas.openxmlformats.org/drawingml/2006/main" xmlns:r="http://schemas.openxmlformats.org/officeDocument/2006/relationships" xmlns:p="http://schemas.openxmlformats.org/presentationml/2006/main" userDrawn="1">
+  <p:cSld name="2_제목 및 내용">
+    <p:spTree>
+      <p:nvGrpSpPr>
+        <p:cNvPr id="1" name=""/>
+        <p:cNvGrpSpPr/>
+        <p:nvPr/>
+      </p:nvGrpSpPr>
+      <p:grpSpPr>
+        <a:xfrm>
+          <a:off x="0" y="0"/>
+          <a:ext cx="0" cy="0"/>
+          <a:chOff x="0" y="0"/>
+          <a:chExt cx="0" cy="0"/>
+        </a:xfrm>
+      </p:grpSpPr>
+    </p:spTree>
+    <p:extLst>
+      <p:ext uri="{BB962C8B-B14F-4D97-AF65-F5344CB8AC3E}">
+        <p14:creationId xmlns:p14="http://schemas.microsoft.com/office/powerpoint/2010/main" val="2716878228"/>
+      </p:ext>
+    </p:extLst>
+  </p:cSld>
+  <p:clrMapOvr>
+    <a:masterClrMapping/>
+  </p:clrMapOvr>
+</p:sldLayout>
+</file>
+
+<file path=ppt/slideLayouts/slideLayout15.xml><?xml version="1.0" encoding="utf-8"?>
+<p:sldLayout xmlns:a="http://schemas.openxmlformats.org/drawingml/2006/main" xmlns:r="http://schemas.openxmlformats.org/officeDocument/2006/relationships" xmlns:p="http://schemas.openxmlformats.org/presentationml/2006/main" userDrawn="1">
+  <p:cSld name="4_제목 및 내용">
+    <p:spTree>
+      <p:nvGrpSpPr>
+        <p:cNvPr id="1" name=""/>
+        <p:cNvGrpSpPr/>
+        <p:nvPr/>
+      </p:nvGrpSpPr>
+      <p:grpSpPr>
+        <a:xfrm>
+          <a:off x="0" y="0"/>
+          <a:ext cx="0" cy="0"/>
+          <a:chOff x="0" y="0"/>
+          <a:chExt cx="0" cy="0"/>
+        </a:xfrm>
+      </p:grpSpPr>
+    </p:spTree>
+    <p:extLst>
+      <p:ext uri="{BB962C8B-B14F-4D97-AF65-F5344CB8AC3E}">
+        <p14:creationId xmlns:p14="http://schemas.microsoft.com/office/powerpoint/2010/main" val="3746328701"/>
+      </p:ext>
+    </p:extLst>
+  </p:cSld>
+  <p:clrMapOvr>
+    <a:masterClrMapping/>
+  </p:clrMapOvr>
+</p:sldLayout>
+</file>
+
 <file path=ppt/slideLayouts/slideLayout2.xml><?xml version="1.0" encoding="utf-8"?>
 <p:sldLayout xmlns:a="http://schemas.openxmlformats.org/drawingml/2006/main" xmlns:r="http://schemas.openxmlformats.org/officeDocument/2006/relationships" xmlns:p="http://schemas.openxmlformats.org/presentationml/2006/main" type="obj" preserve="1">
   <p:cSld name="제목 및 내용">
@@ -878,7 +922,7 @@
           <a:p>
             <a:fld id="{5309CC29-5E29-42B2-8F29-C97D830E3029}" type="datetimeFigureOut">
               <a:rPr lang="ko-KR" altLang="en-US" smtClean="0"/>
-              <a:t>2022-04-11</a:t>
+              <a:t>2022-04-12</a:t>
             </a:fld>
             <a:endParaRPr lang="ko-KR" altLang="en-US"/>
           </a:p>
@@ -1124,7 +1168,7 @@
           <a:p>
             <a:fld id="{5309CC29-5E29-42B2-8F29-C97D830E3029}" type="datetimeFigureOut">
               <a:rPr lang="ko-KR" altLang="en-US" smtClean="0"/>
-              <a:t>2022-04-11</a:t>
+              <a:t>2022-04-12</a:t>
             </a:fld>
             <a:endParaRPr lang="ko-KR" altLang="en-US"/>
           </a:p>
@@ -1356,7 +1400,7 @@
           <a:p>
             <a:fld id="{5309CC29-5E29-42B2-8F29-C97D830E3029}" type="datetimeFigureOut">
               <a:rPr lang="ko-KR" altLang="en-US" smtClean="0"/>
-              <a:t>2022-04-11</a:t>
+              <a:t>2022-04-12</a:t>
             </a:fld>
             <a:endParaRPr lang="ko-KR" altLang="en-US"/>
           </a:p>
@@ -1723,7 +1767,7 @@
           <a:p>
             <a:fld id="{5309CC29-5E29-42B2-8F29-C97D830E3029}" type="datetimeFigureOut">
               <a:rPr lang="ko-KR" altLang="en-US" smtClean="0"/>
-              <a:t>2022-04-11</a:t>
+              <a:t>2022-04-12</a:t>
             </a:fld>
             <a:endParaRPr lang="ko-KR" altLang="en-US"/>
           </a:p>
@@ -1841,7 +1885,7 @@
           <a:p>
             <a:fld id="{5309CC29-5E29-42B2-8F29-C97D830E3029}" type="datetimeFigureOut">
               <a:rPr lang="ko-KR" altLang="en-US" smtClean="0"/>
-              <a:t>2022-04-11</a:t>
+              <a:t>2022-04-12</a:t>
             </a:fld>
             <a:endParaRPr lang="ko-KR" altLang="en-US"/>
           </a:p>
@@ -1936,7 +1980,7 @@
           <a:p>
             <a:fld id="{5309CC29-5E29-42B2-8F29-C97D830E3029}" type="datetimeFigureOut">
               <a:rPr lang="ko-KR" altLang="en-US" smtClean="0"/>
-              <a:t>2022-04-11</a:t>
+              <a:t>2022-04-12</a:t>
             </a:fld>
             <a:endParaRPr lang="ko-KR" altLang="en-US"/>
           </a:p>
@@ -2213,7 +2257,7 @@
           <a:p>
             <a:fld id="{5309CC29-5E29-42B2-8F29-C97D830E3029}" type="datetimeFigureOut">
               <a:rPr lang="ko-KR" altLang="en-US" smtClean="0"/>
-              <a:t>2022-04-11</a:t>
+              <a:t>2022-04-12</a:t>
             </a:fld>
             <a:endParaRPr lang="ko-KR" altLang="en-US"/>
           </a:p>
@@ -2466,7 +2510,7 @@
           <a:p>
             <a:fld id="{5309CC29-5E29-42B2-8F29-C97D830E3029}" type="datetimeFigureOut">
               <a:rPr lang="ko-KR" altLang="en-US" smtClean="0"/>
-              <a:t>2022-04-11</a:t>
+              <a:t>2022-04-12</a:t>
             </a:fld>
             <a:endParaRPr lang="ko-KR" altLang="en-US"/>
           </a:p>
@@ -2679,7 +2723,7 @@
           <a:p>
             <a:fld id="{5309CC29-5E29-42B2-8F29-C97D830E3029}" type="datetimeFigureOut">
               <a:rPr lang="ko-KR" altLang="en-US" smtClean="0"/>
-              <a:t>2022-04-11</a:t>
+              <a:t>2022-04-12</a:t>
             </a:fld>
             <a:endParaRPr lang="ko-KR" altLang="en-US"/>
           </a:p>
@@ -2784,8 +2828,9 @@
     <p:sldLayoutId id="2147483658" r:id="rId10"/>
     <p:sldLayoutId id="2147483659" r:id="rId11"/>
     <p:sldLayoutId id="2147483660" r:id="rId12"/>
-    <p:sldLayoutId id="2147483661" r:id="rId13"/>
-    <p:sldLayoutId id="2147483662" r:id="rId14"/>
+    <p:sldLayoutId id="2147483662" r:id="rId13"/>
+    <p:sldLayoutId id="2147483663" r:id="rId14"/>
+    <p:sldLayoutId id="2147483664" r:id="rId15"/>
   </p:sldLayoutIdLst>
   <p:txStyles>
     <p:titleStyle>
@@ -3317,12 +3362,409 @@
               </a:rPr>
               <a:t>주소 설정</a:t>
             </a:r>
-            <a:endParaRPr lang="ko-KR" altLang="en-US" b="1" dirty="0">
-              <a:solidFill>
-                <a:srgbClr val="221F1F"/>
-              </a:solidFill>
-              <a:latin typeface="맑은 고딕" pitchFamily="50" charset="-127"/>
-            </a:endParaRPr>
+          </a:p>
+        </p:txBody>
+      </p:sp>
+      <p:sp>
+        <p:nvSpPr>
+          <p:cNvPr id="3" name="TextBox 2"/>
+          <p:cNvSpPr txBox="1"/>
+          <p:nvPr/>
+        </p:nvSpPr>
+        <p:spPr>
+          <a:xfrm>
+            <a:off x="506572" y="934998"/>
+            <a:ext cx="3735318" cy="369332"/>
+          </a:xfrm>
+          <a:prstGeom prst="rect">
+            <a:avLst/>
+          </a:prstGeom>
+          <a:noFill/>
+        </p:spPr>
+        <p:txBody>
+          <a:bodyPr wrap="none" rtlCol="0">
+            <a:spAutoFit/>
+          </a:bodyPr>
+          <a:lstStyle/>
+          <a:p>
+            <a:r>
+              <a:rPr lang="en-US" altLang="ko-KR" dirty="0" smtClean="0"/>
+              <a:t>1. </a:t>
+            </a:r>
+            <a:r>
+              <a:rPr lang="ko-KR" altLang="en-US" dirty="0" smtClean="0"/>
+              <a:t>명령어를 통한 </a:t>
+            </a:r>
+            <a:r>
+              <a:rPr lang="en-US" altLang="ko-KR" dirty="0" err="1" smtClean="0"/>
+              <a:t>ip</a:t>
+            </a:r>
+            <a:r>
+              <a:rPr lang="ko-KR" altLang="en-US" dirty="0" smtClean="0"/>
+              <a:t>주소 설정 방법</a:t>
+            </a:r>
+            <a:endParaRPr lang="ko-KR" altLang="en-US" dirty="0"/>
+          </a:p>
+        </p:txBody>
+      </p:sp>
+      <p:pic>
+        <p:nvPicPr>
+          <p:cNvPr id="7" name="그림 6"/>
+          <p:cNvPicPr>
+            <a:picLocks noChangeAspect="1"/>
+          </p:cNvPicPr>
+          <p:nvPr/>
+        </p:nvPicPr>
+        <p:blipFill>
+          <a:blip r:embed="rId2"/>
+          <a:stretch>
+            <a:fillRect/>
+          </a:stretch>
+        </p:blipFill>
+        <p:spPr>
+          <a:xfrm>
+            <a:off x="445612" y="2385160"/>
+            <a:ext cx="5638800" cy="3067050"/>
+          </a:xfrm>
+          <a:prstGeom prst="rect">
+            <a:avLst/>
+          </a:prstGeom>
+        </p:spPr>
+      </p:pic>
+      <p:pic>
+        <p:nvPicPr>
+          <p:cNvPr id="8" name="그림 7"/>
+          <p:cNvPicPr>
+            <a:picLocks noChangeAspect="1"/>
+          </p:cNvPicPr>
+          <p:nvPr/>
+        </p:nvPicPr>
+        <p:blipFill>
+          <a:blip r:embed="rId3"/>
+          <a:stretch>
+            <a:fillRect/>
+          </a:stretch>
+        </p:blipFill>
+        <p:spPr>
+          <a:xfrm>
+            <a:off x="6239827" y="2385160"/>
+            <a:ext cx="5686425" cy="3409950"/>
+          </a:xfrm>
+          <a:prstGeom prst="rect">
+            <a:avLst/>
+          </a:prstGeom>
+        </p:spPr>
+      </p:pic>
+      <p:sp>
+        <p:nvSpPr>
+          <p:cNvPr id="9" name="직사각형 8"/>
+          <p:cNvSpPr/>
+          <p:nvPr/>
+        </p:nvSpPr>
+        <p:spPr>
+          <a:xfrm>
+            <a:off x="1904511" y="2354680"/>
+            <a:ext cx="1143000" cy="167540"/>
+          </a:xfrm>
+          <a:prstGeom prst="rect">
+            <a:avLst/>
+          </a:prstGeom>
+          <a:noFill/>
+          <a:ln>
+            <a:solidFill>
+              <a:srgbClr val="FF0000"/>
+            </a:solidFill>
+          </a:ln>
+        </p:spPr>
+        <p:style>
+          <a:lnRef idx="2">
+            <a:schemeClr val="accent1">
+              <a:shade val="50000"/>
+            </a:schemeClr>
+          </a:lnRef>
+          <a:fillRef idx="1">
+            <a:schemeClr val="accent1"/>
+          </a:fillRef>
+          <a:effectRef idx="0">
+            <a:schemeClr val="accent1"/>
+          </a:effectRef>
+          <a:fontRef idx="minor">
+            <a:schemeClr val="lt1"/>
+          </a:fontRef>
+        </p:style>
+        <p:txBody>
+          <a:bodyPr rtlCol="0" anchor="ctr"/>
+          <a:lstStyle/>
+          <a:p>
+            <a:pPr algn="ctr"/>
+            <a:endParaRPr lang="ko-KR" altLang="en-US" b="1" dirty="0"/>
+          </a:p>
+        </p:txBody>
+      </p:sp>
+      <p:sp>
+        <p:nvSpPr>
+          <p:cNvPr id="10" name="직사각형 9"/>
+          <p:cNvSpPr/>
+          <p:nvPr/>
+        </p:nvSpPr>
+        <p:spPr>
+          <a:xfrm>
+            <a:off x="8000510" y="2383355"/>
+            <a:ext cx="2278869" cy="169345"/>
+          </a:xfrm>
+          <a:prstGeom prst="rect">
+            <a:avLst/>
+          </a:prstGeom>
+          <a:noFill/>
+          <a:ln>
+            <a:solidFill>
+              <a:srgbClr val="FF0000"/>
+            </a:solidFill>
+          </a:ln>
+        </p:spPr>
+        <p:style>
+          <a:lnRef idx="2">
+            <a:schemeClr val="accent1">
+              <a:shade val="50000"/>
+            </a:schemeClr>
+          </a:lnRef>
+          <a:fillRef idx="1">
+            <a:schemeClr val="accent1"/>
+          </a:fillRef>
+          <a:effectRef idx="0">
+            <a:schemeClr val="accent1"/>
+          </a:effectRef>
+          <a:fontRef idx="minor">
+            <a:schemeClr val="lt1"/>
+          </a:fontRef>
+        </p:style>
+        <p:txBody>
+          <a:bodyPr rtlCol="0" anchor="ctr"/>
+          <a:lstStyle/>
+          <a:p>
+            <a:pPr algn="ctr"/>
+            <a:endParaRPr lang="ko-KR" altLang="en-US" b="1" dirty="0"/>
+          </a:p>
+        </p:txBody>
+      </p:sp>
+      <p:sp>
+        <p:nvSpPr>
+          <p:cNvPr id="11" name="직사각형 10"/>
+          <p:cNvSpPr/>
+          <p:nvPr/>
+        </p:nvSpPr>
+        <p:spPr>
+          <a:xfrm>
+            <a:off x="929151" y="2686131"/>
+            <a:ext cx="1143000" cy="167540"/>
+          </a:xfrm>
+          <a:prstGeom prst="rect">
+            <a:avLst/>
+          </a:prstGeom>
+          <a:noFill/>
+          <a:ln>
+            <a:solidFill>
+              <a:srgbClr val="FF0000"/>
+            </a:solidFill>
+          </a:ln>
+        </p:spPr>
+        <p:style>
+          <a:lnRef idx="2">
+            <a:schemeClr val="accent1">
+              <a:shade val="50000"/>
+            </a:schemeClr>
+          </a:lnRef>
+          <a:fillRef idx="1">
+            <a:schemeClr val="accent1"/>
+          </a:fillRef>
+          <a:effectRef idx="0">
+            <a:schemeClr val="accent1"/>
+          </a:effectRef>
+          <a:fontRef idx="minor">
+            <a:schemeClr val="lt1"/>
+          </a:fontRef>
+        </p:style>
+        <p:txBody>
+          <a:bodyPr rtlCol="0" anchor="ctr"/>
+          <a:lstStyle/>
+          <a:p>
+            <a:pPr algn="ctr"/>
+            <a:endParaRPr lang="ko-KR" altLang="en-US" b="1" dirty="0"/>
+          </a:p>
+        </p:txBody>
+      </p:sp>
+      <p:sp>
+        <p:nvSpPr>
+          <p:cNvPr id="12" name="직사각형 11"/>
+          <p:cNvSpPr/>
+          <p:nvPr/>
+        </p:nvSpPr>
+        <p:spPr>
+          <a:xfrm>
+            <a:off x="7556190" y="2686131"/>
+            <a:ext cx="1143000" cy="167540"/>
+          </a:xfrm>
+          <a:prstGeom prst="rect">
+            <a:avLst/>
+          </a:prstGeom>
+          <a:noFill/>
+          <a:ln>
+            <a:solidFill>
+              <a:srgbClr val="FF0000"/>
+            </a:solidFill>
+          </a:ln>
+        </p:spPr>
+        <p:style>
+          <a:lnRef idx="2">
+            <a:schemeClr val="accent1">
+              <a:shade val="50000"/>
+            </a:schemeClr>
+          </a:lnRef>
+          <a:fillRef idx="1">
+            <a:schemeClr val="accent1"/>
+          </a:fillRef>
+          <a:effectRef idx="0">
+            <a:schemeClr val="accent1"/>
+          </a:effectRef>
+          <a:fontRef idx="minor">
+            <a:schemeClr val="lt1"/>
+          </a:fontRef>
+        </p:style>
+        <p:txBody>
+          <a:bodyPr rtlCol="0" anchor="ctr"/>
+          <a:lstStyle/>
+          <a:p>
+            <a:pPr algn="ctr"/>
+            <a:endParaRPr lang="ko-KR" altLang="en-US" b="1" dirty="0"/>
+          </a:p>
+        </p:txBody>
+      </p:sp>
+      <p:sp>
+        <p:nvSpPr>
+          <p:cNvPr id="13" name="직사각형 12"/>
+          <p:cNvSpPr/>
+          <p:nvPr/>
+        </p:nvSpPr>
+        <p:spPr>
+          <a:xfrm>
+            <a:off x="6818921" y="2993512"/>
+            <a:ext cx="1143000" cy="167540"/>
+          </a:xfrm>
+          <a:prstGeom prst="rect">
+            <a:avLst/>
+          </a:prstGeom>
+          <a:noFill/>
+          <a:ln>
+            <a:solidFill>
+              <a:srgbClr val="FF0000"/>
+            </a:solidFill>
+          </a:ln>
+        </p:spPr>
+        <p:style>
+          <a:lnRef idx="2">
+            <a:schemeClr val="accent1">
+              <a:shade val="50000"/>
+            </a:schemeClr>
+          </a:lnRef>
+          <a:fillRef idx="1">
+            <a:schemeClr val="accent1"/>
+          </a:fillRef>
+          <a:effectRef idx="0">
+            <a:schemeClr val="accent1"/>
+          </a:effectRef>
+          <a:fontRef idx="minor">
+            <a:schemeClr val="lt1"/>
+          </a:fontRef>
+        </p:style>
+        <p:txBody>
+          <a:bodyPr rtlCol="0" anchor="ctr"/>
+          <a:lstStyle/>
+          <a:p>
+            <a:pPr algn="ctr"/>
+            <a:endParaRPr lang="ko-KR" altLang="en-US" b="1" dirty="0"/>
+          </a:p>
+        </p:txBody>
+      </p:sp>
+      <p:sp>
+        <p:nvSpPr>
+          <p:cNvPr id="14" name="TextBox 13"/>
+          <p:cNvSpPr txBox="1"/>
+          <p:nvPr/>
+        </p:nvSpPr>
+        <p:spPr>
+          <a:xfrm>
+            <a:off x="1106126" y="1525181"/>
+            <a:ext cx="10007868" cy="646331"/>
+          </a:xfrm>
+          <a:prstGeom prst="rect">
+            <a:avLst/>
+          </a:prstGeom>
+          <a:noFill/>
+        </p:spPr>
+        <p:txBody>
+          <a:bodyPr wrap="none" rtlCol="0">
+            <a:spAutoFit/>
+          </a:bodyPr>
+          <a:lstStyle/>
+          <a:p>
+            <a:r>
+              <a:rPr lang="en-US" altLang="ko-KR" dirty="0" err="1" smtClean="0"/>
+              <a:t>Ifconfig</a:t>
+            </a:r>
+            <a:r>
+              <a:rPr lang="ko-KR" altLang="en-US" dirty="0" smtClean="0"/>
+              <a:t>명령어를 통해 변경하고자 하는 네트워크 이름과 </a:t>
+            </a:r>
+            <a:r>
+              <a:rPr lang="en-US" altLang="ko-KR" dirty="0" err="1" smtClean="0"/>
+              <a:t>ip</a:t>
+            </a:r>
+            <a:r>
+              <a:rPr lang="ko-KR" altLang="en-US" dirty="0"/>
+              <a:t> </a:t>
+            </a:r>
+            <a:r>
+              <a:rPr lang="ko-KR" altLang="en-US" dirty="0" smtClean="0"/>
+              <a:t>입력을 통해서 </a:t>
+            </a:r>
+            <a:r>
+              <a:rPr lang="en-US" altLang="ko-KR" dirty="0" err="1" smtClean="0"/>
+              <a:t>ip</a:t>
+            </a:r>
+            <a:r>
+              <a:rPr lang="ko-KR" altLang="en-US" dirty="0" smtClean="0"/>
+              <a:t>를 변경할 수 있다</a:t>
+            </a:r>
+            <a:r>
+              <a:rPr lang="en-US" altLang="ko-KR" dirty="0" smtClean="0"/>
+              <a:t>.</a:t>
+            </a:r>
+          </a:p>
+          <a:p>
+            <a:r>
+              <a:rPr lang="ko-KR" altLang="en-US" dirty="0" smtClean="0"/>
+              <a:t>단</a:t>
+            </a:r>
+            <a:r>
+              <a:rPr lang="en-US" altLang="ko-KR" dirty="0" smtClean="0"/>
+              <a:t>, </a:t>
+            </a:r>
+            <a:r>
+              <a:rPr lang="ko-KR" altLang="en-US" dirty="0" smtClean="0"/>
+              <a:t>변경이 네트워크 설정파일에 저장되는 것이 아니므로 </a:t>
+            </a:r>
+            <a:r>
+              <a:rPr lang="ko-KR" altLang="en-US" dirty="0" err="1" smtClean="0"/>
+              <a:t>재부팅하면</a:t>
+            </a:r>
+            <a:r>
+              <a:rPr lang="ko-KR" altLang="en-US" dirty="0" smtClean="0"/>
+              <a:t> 원래대로 돌아간다</a:t>
+            </a:r>
+            <a:r>
+              <a:rPr lang="en-US" altLang="ko-KR" dirty="0" smtClean="0"/>
+              <a:t>.</a:t>
+            </a:r>
           </a:p>
         </p:txBody>
       </p:sp>
@@ -3358,44 +3800,22 @@
       </p:grpSpPr>
       <p:sp>
         <p:nvSpPr>
-          <p:cNvPr id="7" name="직사각형 6"/>
+          <p:cNvPr id="4" name="직사각형 3"/>
           <p:cNvSpPr/>
           <p:nvPr/>
         </p:nvSpPr>
-        <p:spPr bwMode="auto">
-          <a:xfrm>
-            <a:off x="1696632" y="1077059"/>
-            <a:ext cx="9061444" cy="5076944"/>
-          </a:xfrm>
-          <a:prstGeom prst="rect">
-            <a:avLst/>
-          </a:prstGeom>
-          <a:solidFill>
-            <a:schemeClr val="bg1"/>
-          </a:solidFill>
-          <a:ln w="12700" cap="flat" cmpd="sng" algn="ctr">
-            <a:solidFill>
-              <a:schemeClr val="tx1"/>
-            </a:solidFill>
-            <a:prstDash val="solid"/>
-            <a:round/>
-            <a:headEnd type="none" w="med" len="med"/>
-            <a:tailEnd type="none" w="med" len="med"/>
-          </a:ln>
-          <a:effectLst>
-            <a:outerShdw blurRad="50800" dist="38100" algn="l" rotWithShape="0">
-              <a:prstClr val="black">
-                <a:alpha val="40000"/>
-              </a:prstClr>
-            </a:outerShdw>
-          </a:effectLst>
-        </p:spPr>
-        <p:txBody>
-          <a:bodyPr vert="horz" wrap="square" lIns="90000" tIns="46800" rIns="90000" bIns="46800" numCol="1" rtlCol="0" anchor="t" anchorCtr="0" compatLnSpc="1">
-            <a:prstTxWarp prst="textNoShape">
-              <a:avLst/>
-            </a:prstTxWarp>
-            <a:noAutofit/>
+        <p:spPr>
+          <a:xfrm>
+            <a:off x="197193" y="196334"/>
+            <a:ext cx="4354077" cy="369332"/>
+          </a:xfrm>
+          <a:prstGeom prst="rect">
+            <a:avLst/>
+          </a:prstGeom>
+        </p:spPr>
+        <p:txBody>
+          <a:bodyPr wrap="none">
+            <a:spAutoFit/>
           </a:bodyPr>
           <a:lstStyle/>
           <a:p>
@@ -3411,14 +3831,56 @@
               </a:buClr>
               <a:defRPr/>
             </a:pPr>
-            <a:endParaRPr lang="en-US" altLang="ko-KR" sz="1600" b="1" dirty="0">
-              <a:solidFill>
-                <a:srgbClr val="221F1F"/>
-              </a:solidFill>
-              <a:latin typeface="맑은 고딕" pitchFamily="50" charset="-127"/>
-              <a:ea typeface="맑은 고딕" pitchFamily="50" charset="-127"/>
-            </a:endParaRPr>
-          </a:p>
+            <a:r>
+              <a:rPr lang="en-US" altLang="ko-KR" b="1" dirty="0">
+                <a:solidFill>
+                  <a:srgbClr val="221F1F"/>
+                </a:solidFill>
+                <a:latin typeface="맑은 고딕" pitchFamily="50" charset="-127"/>
+              </a:rPr>
+              <a:t>2) </a:t>
+            </a:r>
+            <a:r>
+              <a:rPr lang="ko-KR" altLang="en-US" b="1" dirty="0" err="1">
+                <a:solidFill>
+                  <a:srgbClr val="221F1F"/>
+                </a:solidFill>
+                <a:latin typeface="맑은 고딕" pitchFamily="50" charset="-127"/>
+              </a:rPr>
+              <a:t>리눅스</a:t>
+            </a:r>
+            <a:r>
+              <a:rPr lang="ko-KR" altLang="en-US" b="1" dirty="0">
+                <a:solidFill>
+                  <a:srgbClr val="221F1F"/>
+                </a:solidFill>
+                <a:latin typeface="맑은 고딕" pitchFamily="50" charset="-127"/>
+              </a:rPr>
+              <a:t> 서버에서 네트워크 설정 실습 </a:t>
+            </a:r>
+          </a:p>
+        </p:txBody>
+      </p:sp>
+      <p:sp>
+        <p:nvSpPr>
+          <p:cNvPr id="2" name="직사각형 1"/>
+          <p:cNvSpPr/>
+          <p:nvPr/>
+        </p:nvSpPr>
+        <p:spPr>
+          <a:xfrm>
+            <a:off x="197193" y="565666"/>
+            <a:ext cx="5037854" cy="369332"/>
+          </a:xfrm>
+          <a:prstGeom prst="rect">
+            <a:avLst/>
+          </a:prstGeom>
+        </p:spPr>
+        <p:txBody>
+          <a:bodyPr wrap="none">
+            <a:spAutoFit/>
+          </a:bodyPr>
+          <a:lstStyle/>
           <a:p>
             <a:pPr eaLnBrk="0" fontAlgn="base" hangingPunct="0">
               <a:spcBef>
@@ -3433,856 +3895,506 @@
               <a:defRPr/>
             </a:pPr>
             <a:r>
-              <a:rPr lang="en-US" altLang="ko-KR" sz="1600" b="1" dirty="0">
-                <a:solidFill>
-                  <a:srgbClr val="221F1F"/>
-                </a:solidFill>
-                <a:latin typeface="맑은 고딕" pitchFamily="50" charset="-127"/>
-                <a:ea typeface="맑은 고딕" pitchFamily="50" charset="-127"/>
-              </a:rPr>
-              <a:t>1) Windows PC</a:t>
-            </a:r>
-            <a:r>
-              <a:rPr lang="ko-KR" altLang="en-US" sz="1600" b="1" dirty="0">
-                <a:solidFill>
-                  <a:srgbClr val="221F1F"/>
-                </a:solidFill>
-                <a:latin typeface="맑은 고딕" pitchFamily="50" charset="-127"/>
-                <a:ea typeface="맑은 고딕" pitchFamily="50" charset="-127"/>
-              </a:rPr>
-              <a:t>에서 네트워크 설정 실습</a:t>
-            </a:r>
-          </a:p>
-          <a:p>
-            <a:pPr eaLnBrk="0" fontAlgn="base" hangingPunct="0">
-              <a:spcBef>
-                <a:spcPct val="20000"/>
-              </a:spcBef>
-              <a:spcAft>
-                <a:spcPct val="0"/>
-              </a:spcAft>
-              <a:buClr>
-                <a:srgbClr val="5F5F5F"/>
-              </a:buClr>
-              <a:defRPr/>
-            </a:pPr>
-            <a:r>
-              <a:rPr lang="ko-KR" altLang="en-US" sz="1600" b="1" dirty="0">
-                <a:solidFill>
-                  <a:srgbClr val="221F1F"/>
-                </a:solidFill>
-                <a:latin typeface="맑은 고딕" pitchFamily="50" charset="-127"/>
-                <a:ea typeface="맑은 고딕" pitchFamily="50" charset="-127"/>
-              </a:rPr>
-              <a:t>①네트워크 </a:t>
-            </a:r>
-            <a:r>
-              <a:rPr lang="en-US" altLang="ko-KR" sz="1600" b="1" dirty="0">
-                <a:solidFill>
-                  <a:srgbClr val="221F1F"/>
-                </a:solidFill>
-                <a:latin typeface="맑은 고딕" pitchFamily="50" charset="-127"/>
-                <a:ea typeface="맑은 고딕" pitchFamily="50" charset="-127"/>
+              <a:rPr lang="ko-KR" altLang="en-US" b="1" dirty="0">
+                <a:solidFill>
+                  <a:srgbClr val="221F1F"/>
+                </a:solidFill>
+                <a:latin typeface="맑은 고딕" pitchFamily="50" charset="-127"/>
+              </a:rPr>
+              <a:t>③ </a:t>
+            </a:r>
+            <a:r>
+              <a:rPr lang="en-US" altLang="ko-KR" b="1" dirty="0">
+                <a:solidFill>
+                  <a:srgbClr val="221F1F"/>
+                </a:solidFill>
+                <a:latin typeface="맑은 고딕" pitchFamily="50" charset="-127"/>
+              </a:rPr>
+              <a:t>Virtual Box</a:t>
+            </a:r>
+            <a:r>
+              <a:rPr lang="ko-KR" altLang="en-US" b="1" dirty="0">
+                <a:solidFill>
+                  <a:srgbClr val="221F1F"/>
+                </a:solidFill>
+                <a:latin typeface="맑은 고딕" pitchFamily="50" charset="-127"/>
+              </a:rPr>
+              <a:t>등 </a:t>
+            </a:r>
+            <a:r>
+              <a:rPr lang="ko-KR" altLang="en-US" b="1" dirty="0" err="1">
+                <a:solidFill>
+                  <a:srgbClr val="221F1F"/>
+                </a:solidFill>
+                <a:latin typeface="맑은 고딕" pitchFamily="50" charset="-127"/>
+              </a:rPr>
+              <a:t>버추얼</a:t>
+            </a:r>
+            <a:r>
+              <a:rPr lang="ko-KR" altLang="en-US" b="1" dirty="0">
+                <a:solidFill>
+                  <a:srgbClr val="221F1F"/>
+                </a:solidFill>
+                <a:latin typeface="맑은 고딕" pitchFamily="50" charset="-127"/>
+              </a:rPr>
+              <a:t> </a:t>
+            </a:r>
+            <a:r>
+              <a:rPr lang="ko-KR" altLang="en-US" b="1" dirty="0" err="1">
+                <a:solidFill>
+                  <a:srgbClr val="221F1F"/>
+                </a:solidFill>
+                <a:latin typeface="맑은 고딕" pitchFamily="50" charset="-127"/>
+              </a:rPr>
+              <a:t>머신에서</a:t>
+            </a:r>
+            <a:r>
+              <a:rPr lang="ko-KR" altLang="en-US" b="1" dirty="0">
+                <a:solidFill>
+                  <a:srgbClr val="221F1F"/>
+                </a:solidFill>
+                <a:latin typeface="맑은 고딕" pitchFamily="50" charset="-127"/>
+              </a:rPr>
+              <a:t> </a:t>
+            </a:r>
+            <a:r>
+              <a:rPr lang="en-US" altLang="ko-KR" b="1" dirty="0">
+                <a:solidFill>
+                  <a:srgbClr val="221F1F"/>
+                </a:solidFill>
+                <a:latin typeface="맑은 고딕" pitchFamily="50" charset="-127"/>
               </a:rPr>
               <a:t>IP</a:t>
             </a:r>
             <a:r>
-              <a:rPr lang="ko-KR" altLang="en-US" sz="1600" b="1" dirty="0">
-                <a:solidFill>
-                  <a:srgbClr val="221F1F"/>
-                </a:solidFill>
-                <a:latin typeface="맑은 고딕" pitchFamily="50" charset="-127"/>
-                <a:ea typeface="맑은 고딕" pitchFamily="50" charset="-127"/>
-              </a:rPr>
-              <a:t>설정부분 </a:t>
-            </a:r>
-            <a:r>
-              <a:rPr lang="en-US" altLang="ko-KR" sz="1600" b="1" dirty="0">
-                <a:solidFill>
-                  <a:srgbClr val="221F1F"/>
-                </a:solidFill>
-                <a:latin typeface="맑은 고딕" pitchFamily="50" charset="-127"/>
-                <a:ea typeface="맑은 고딕" pitchFamily="50" charset="-127"/>
-              </a:rPr>
-              <a:t>(IP</a:t>
-            </a:r>
-            <a:r>
-              <a:rPr lang="ko-KR" altLang="en-US" sz="1600" b="1" dirty="0">
-                <a:solidFill>
-                  <a:srgbClr val="221F1F"/>
-                </a:solidFill>
-                <a:latin typeface="맑은 고딕" pitchFamily="50" charset="-127"/>
-                <a:ea typeface="맑은 고딕" pitchFamily="50" charset="-127"/>
-              </a:rPr>
-              <a:t>주소</a:t>
-            </a:r>
-            <a:r>
-              <a:rPr lang="en-US" altLang="ko-KR" sz="1600" b="1" dirty="0">
-                <a:solidFill>
-                  <a:srgbClr val="221F1F"/>
-                </a:solidFill>
-                <a:latin typeface="맑은 고딕" pitchFamily="50" charset="-127"/>
-                <a:ea typeface="맑은 고딕" pitchFamily="50" charset="-127"/>
-              </a:rPr>
-              <a:t>, </a:t>
-            </a:r>
-            <a:r>
-              <a:rPr lang="ko-KR" altLang="en-US" sz="1600" b="1" dirty="0" err="1">
-                <a:solidFill>
-                  <a:srgbClr val="221F1F"/>
-                </a:solidFill>
-                <a:latin typeface="맑은 고딕" pitchFamily="50" charset="-127"/>
-                <a:ea typeface="맑은 고딕" pitchFamily="50" charset="-127"/>
-              </a:rPr>
-              <a:t>넷마스크</a:t>
-            </a:r>
-            <a:r>
-              <a:rPr lang="en-US" altLang="ko-KR" sz="1600" b="1" dirty="0">
-                <a:solidFill>
-                  <a:srgbClr val="221F1F"/>
-                </a:solidFill>
-                <a:latin typeface="맑은 고딕" pitchFamily="50" charset="-127"/>
-                <a:ea typeface="맑은 고딕" pitchFamily="50" charset="-127"/>
-              </a:rPr>
-              <a:t>, </a:t>
-            </a:r>
-            <a:r>
-              <a:rPr lang="ko-KR" altLang="en-US" sz="1600" b="1" dirty="0">
-                <a:solidFill>
-                  <a:srgbClr val="221F1F"/>
-                </a:solidFill>
-                <a:latin typeface="맑은 고딕" pitchFamily="50" charset="-127"/>
-                <a:ea typeface="맑은 고딕" pitchFamily="50" charset="-127"/>
-              </a:rPr>
-              <a:t>디폴트 </a:t>
-            </a:r>
-            <a:r>
-              <a:rPr lang="ko-KR" altLang="en-US" sz="1600" b="1" dirty="0" err="1">
-                <a:solidFill>
-                  <a:srgbClr val="221F1F"/>
-                </a:solidFill>
-                <a:latin typeface="맑은 고딕" pitchFamily="50" charset="-127"/>
-                <a:ea typeface="맑은 고딕" pitchFamily="50" charset="-127"/>
-              </a:rPr>
-              <a:t>게이트</a:t>
-            </a:r>
-            <a:r>
-              <a:rPr lang="ko-KR" altLang="en-US" sz="1600" b="1" dirty="0">
-                <a:solidFill>
-                  <a:srgbClr val="221F1F"/>
-                </a:solidFill>
-                <a:latin typeface="맑은 고딕" pitchFamily="50" charset="-127"/>
-                <a:ea typeface="맑은 고딕" pitchFamily="50" charset="-127"/>
-              </a:rPr>
+              <a:rPr lang="ko-KR" altLang="en-US" b="1" dirty="0">
+                <a:solidFill>
+                  <a:srgbClr val="221F1F"/>
+                </a:solidFill>
+                <a:latin typeface="맑은 고딕" pitchFamily="50" charset="-127"/>
+              </a:rPr>
+              <a:t>주소 설정</a:t>
+            </a:r>
+          </a:p>
+        </p:txBody>
+      </p:sp>
+      <p:sp>
+        <p:nvSpPr>
+          <p:cNvPr id="3" name="TextBox 2"/>
+          <p:cNvSpPr txBox="1"/>
+          <p:nvPr/>
+        </p:nvSpPr>
+        <p:spPr>
+          <a:xfrm>
+            <a:off x="506572" y="934998"/>
+            <a:ext cx="9594614" cy="1477328"/>
+          </a:xfrm>
+          <a:prstGeom prst="rect">
+            <a:avLst/>
+          </a:prstGeom>
+          <a:noFill/>
+        </p:spPr>
+        <p:txBody>
+          <a:bodyPr wrap="none" rtlCol="0">
+            <a:spAutoFit/>
+          </a:bodyPr>
+          <a:lstStyle/>
+          <a:p>
+            <a:r>
+              <a:rPr lang="en-US" altLang="ko-KR" dirty="0"/>
+              <a:t>2</a:t>
+            </a:r>
+            <a:r>
+              <a:rPr lang="en-US" altLang="ko-KR" dirty="0" smtClean="0"/>
+              <a:t>. </a:t>
+            </a:r>
+            <a:r>
+              <a:rPr lang="ko-KR" altLang="en-US" dirty="0" smtClean="0"/>
+              <a:t>네트워크 설정 파일 수정을 통한 </a:t>
+            </a:r>
+            <a:r>
+              <a:rPr lang="en-US" altLang="ko-KR" dirty="0" err="1" smtClean="0"/>
+              <a:t>ip</a:t>
+            </a:r>
+            <a:r>
+              <a:rPr lang="ko-KR" altLang="en-US" dirty="0" smtClean="0"/>
+              <a:t>주소 변경</a:t>
+            </a:r>
+            <a:endParaRPr lang="en-US" altLang="ko-KR" dirty="0" smtClean="0"/>
+          </a:p>
+          <a:p>
+            <a:r>
+              <a:rPr lang="en-US" altLang="ko-KR" dirty="0" smtClean="0"/>
+              <a:t>Ubuntu </a:t>
+            </a:r>
+            <a:r>
+              <a:rPr lang="en-US" altLang="ko-KR" dirty="0"/>
+              <a:t>17.10 Server</a:t>
+            </a:r>
+            <a:r>
+              <a:rPr lang="ko-KR" altLang="en-US" dirty="0"/>
+              <a:t>에서 부터는 </a:t>
+            </a:r>
+            <a:r>
+              <a:rPr lang="en-US" altLang="ko-KR" dirty="0" err="1" smtClean="0"/>
+              <a:t>ifupdown</a:t>
+            </a:r>
+            <a:r>
+              <a:rPr lang="en-US" altLang="ko-KR" dirty="0" smtClean="0"/>
               <a:t> </a:t>
             </a:r>
             <a:r>
-              <a:rPr lang="ko-KR" altLang="en-US" sz="1600" b="1" dirty="0" err="1">
-                <a:solidFill>
-                  <a:srgbClr val="221F1F"/>
-                </a:solidFill>
-                <a:latin typeface="맑은 고딕" pitchFamily="50" charset="-127"/>
-                <a:ea typeface="맑은 고딕" pitchFamily="50" charset="-127"/>
-              </a:rPr>
-              <a:t>웨이</a:t>
-            </a:r>
-            <a:r>
-              <a:rPr lang="en-US" altLang="ko-KR" sz="1600" b="1" dirty="0">
-                <a:solidFill>
-                  <a:srgbClr val="221F1F"/>
-                </a:solidFill>
-                <a:latin typeface="맑은 고딕" pitchFamily="50" charset="-127"/>
-                <a:ea typeface="맑은 고딕" pitchFamily="50" charset="-127"/>
-              </a:rPr>
-              <a:t>, DNS</a:t>
-            </a:r>
-            <a:r>
-              <a:rPr lang="ko-KR" altLang="en-US" sz="1600" b="1" dirty="0">
-                <a:solidFill>
-                  <a:srgbClr val="221F1F"/>
-                </a:solidFill>
-                <a:latin typeface="맑은 고딕" pitchFamily="50" charset="-127"/>
-                <a:ea typeface="맑은 고딕" pitchFamily="50" charset="-127"/>
-              </a:rPr>
-              <a:t>설정</a:t>
-            </a:r>
-            <a:r>
-              <a:rPr lang="en-US" altLang="ko-KR" sz="1600" b="1" dirty="0">
-                <a:solidFill>
-                  <a:srgbClr val="221F1F"/>
-                </a:solidFill>
-                <a:latin typeface="맑은 고딕" pitchFamily="50" charset="-127"/>
-                <a:ea typeface="맑은 고딕" pitchFamily="50" charset="-127"/>
-              </a:rPr>
-              <a:t>)</a:t>
-            </a:r>
-            <a:r>
-              <a:rPr lang="ko-KR" altLang="en-US" sz="1600" b="1" dirty="0">
-                <a:solidFill>
-                  <a:srgbClr val="221F1F"/>
-                </a:solidFill>
-                <a:latin typeface="맑은 고딕" pitchFamily="50" charset="-127"/>
-                <a:ea typeface="맑은 고딕" pitchFamily="50" charset="-127"/>
-              </a:rPr>
-              <a:t>이 </a:t>
-            </a:r>
-          </a:p>
-          <a:p>
-            <a:pPr eaLnBrk="0" fontAlgn="base" hangingPunct="0">
-              <a:spcBef>
-                <a:spcPct val="20000"/>
-              </a:spcBef>
-              <a:spcAft>
-                <a:spcPct val="0"/>
-              </a:spcAft>
-              <a:buClr>
-                <a:srgbClr val="5F5F5F"/>
-              </a:buClr>
-              <a:defRPr/>
-            </a:pPr>
-            <a:r>
-              <a:rPr lang="ko-KR" altLang="en-US" sz="1600" b="1" dirty="0">
-                <a:solidFill>
-                  <a:srgbClr val="221F1F"/>
-                </a:solidFill>
-                <a:latin typeface="맑은 고딕" pitchFamily="50" charset="-127"/>
-                <a:ea typeface="맑은 고딕" pitchFamily="50" charset="-127"/>
-              </a:rPr>
-              <a:t>어떤 역할을 하는지 파악 </a:t>
-            </a:r>
-          </a:p>
-          <a:p>
-            <a:pPr eaLnBrk="0" fontAlgn="base" hangingPunct="0">
-              <a:spcBef>
-                <a:spcPct val="20000"/>
-              </a:spcBef>
-              <a:spcAft>
-                <a:spcPct val="0"/>
-              </a:spcAft>
-              <a:buClr>
-                <a:srgbClr val="5F5F5F"/>
-              </a:buClr>
-              <a:defRPr/>
-            </a:pPr>
-            <a:r>
-              <a:rPr lang="ko-KR" altLang="en-US" sz="1600" b="1" dirty="0">
-                <a:solidFill>
-                  <a:srgbClr val="221F1F"/>
-                </a:solidFill>
-                <a:latin typeface="맑은 고딕" pitchFamily="50" charset="-127"/>
-                <a:ea typeface="맑은 고딕" pitchFamily="50" charset="-127"/>
-              </a:rPr>
-              <a:t>② </a:t>
-            </a:r>
-            <a:r>
-              <a:rPr lang="en-US" altLang="ko-KR" sz="1600" b="1" dirty="0">
-                <a:solidFill>
-                  <a:srgbClr val="221F1F"/>
-                </a:solidFill>
-                <a:latin typeface="맑은 고딕" pitchFamily="50" charset="-127"/>
-                <a:ea typeface="맑은 고딕" pitchFamily="50" charset="-127"/>
-              </a:rPr>
-              <a:t>Static</a:t>
-            </a:r>
-            <a:r>
-              <a:rPr lang="ko-KR" altLang="en-US" sz="1600" b="1" dirty="0">
-                <a:solidFill>
-                  <a:srgbClr val="221F1F"/>
-                </a:solidFill>
-                <a:latin typeface="맑은 고딕" pitchFamily="50" charset="-127"/>
-                <a:ea typeface="맑은 고딕" pitchFamily="50" charset="-127"/>
-              </a:rPr>
-              <a:t>방식과 </a:t>
-            </a:r>
-            <a:r>
-              <a:rPr lang="en-US" altLang="ko-KR" sz="1600" b="1" dirty="0">
-                <a:solidFill>
-                  <a:srgbClr val="221F1F"/>
-                </a:solidFill>
-                <a:latin typeface="맑은 고딕" pitchFamily="50" charset="-127"/>
-                <a:ea typeface="맑은 고딕" pitchFamily="50" charset="-127"/>
-              </a:rPr>
-              <a:t>DHCP</a:t>
-            </a:r>
-            <a:r>
-              <a:rPr lang="ko-KR" altLang="en-US" sz="1600" b="1" dirty="0">
-                <a:solidFill>
-                  <a:srgbClr val="221F1F"/>
-                </a:solidFill>
-                <a:latin typeface="맑은 고딕" pitchFamily="50" charset="-127"/>
-                <a:ea typeface="맑은 고딕" pitchFamily="50" charset="-127"/>
-              </a:rPr>
-              <a:t>방식을 설정</a:t>
-            </a:r>
-            <a:r>
-              <a:rPr lang="en-US" altLang="ko-KR" sz="1600" b="1" dirty="0">
-                <a:solidFill>
-                  <a:srgbClr val="221F1F"/>
-                </a:solidFill>
-                <a:latin typeface="맑은 고딕" pitchFamily="50" charset="-127"/>
-                <a:ea typeface="맑은 고딕" pitchFamily="50" charset="-127"/>
-              </a:rPr>
+              <a:rPr lang="ko-KR" altLang="en-US" dirty="0"/>
+              <a:t>패키지를 </a:t>
+            </a:r>
+            <a:r>
+              <a:rPr lang="ko-KR" altLang="en-US" dirty="0" smtClean="0"/>
+              <a:t>더 이상 </a:t>
+            </a:r>
+            <a:r>
+              <a:rPr lang="ko-KR" altLang="en-US" dirty="0"/>
+              <a:t>사용하지 않고</a:t>
+            </a:r>
+            <a:r>
+              <a:rPr lang="en-US" altLang="ko-KR" dirty="0" smtClean="0"/>
+              <a:t>,</a:t>
+            </a:r>
+          </a:p>
+          <a:p>
+            <a:r>
+              <a:rPr lang="en-US" altLang="ko-KR" dirty="0" err="1" smtClean="0"/>
+              <a:t>netplan</a:t>
+            </a:r>
+            <a:r>
+              <a:rPr lang="ko-KR" altLang="en-US" dirty="0"/>
+              <a:t>이라는 것을 사용하여 </a:t>
+            </a:r>
+            <a:r>
+              <a:rPr lang="en-US" altLang="ko-KR" dirty="0" err="1"/>
+              <a:t>systemd-networkd</a:t>
+            </a:r>
+            <a:r>
+              <a:rPr lang="ko-KR" altLang="en-US" dirty="0" smtClean="0"/>
+              <a:t>를 제어한다</a:t>
+            </a:r>
+            <a:r>
+              <a:rPr lang="en-US" altLang="ko-KR" dirty="0" smtClean="0"/>
               <a:t>.</a:t>
             </a:r>
-            <a:endParaRPr lang="ko-KR" altLang="en-US" sz="1600" b="1" dirty="0">
-              <a:solidFill>
-                <a:srgbClr val="221F1F"/>
-              </a:solidFill>
-              <a:latin typeface="맑은 고딕" pitchFamily="50" charset="-127"/>
-              <a:ea typeface="맑은 고딕" pitchFamily="50" charset="-127"/>
-            </a:endParaRPr>
-          </a:p>
-          <a:p>
-            <a:pPr eaLnBrk="0" fontAlgn="base" hangingPunct="0">
-              <a:spcBef>
-                <a:spcPct val="20000"/>
-              </a:spcBef>
-              <a:spcAft>
-                <a:spcPct val="0"/>
-              </a:spcAft>
-              <a:buClr>
-                <a:srgbClr val="5F5F5F"/>
-              </a:buClr>
-              <a:defRPr/>
-            </a:pPr>
-            <a:r>
-              <a:rPr lang="ko-KR" altLang="en-US" sz="1600" b="1" dirty="0">
-                <a:solidFill>
-                  <a:srgbClr val="221F1F"/>
-                </a:solidFill>
-                <a:latin typeface="맑은 고딕" pitchFamily="50" charset="-127"/>
-                <a:ea typeface="맑은 고딕" pitchFamily="50" charset="-127"/>
-              </a:rPr>
-              <a:t>③ </a:t>
-            </a:r>
-            <a:r>
-              <a:rPr lang="en-US" altLang="ko-KR" sz="1600" b="1" dirty="0" err="1">
-                <a:solidFill>
-                  <a:srgbClr val="221F1F"/>
-                </a:solidFill>
-                <a:latin typeface="맑은 고딕" pitchFamily="50" charset="-127"/>
-                <a:ea typeface="맑은 고딕" pitchFamily="50" charset="-127"/>
-              </a:rPr>
-              <a:t>cmd</a:t>
-            </a:r>
-            <a:r>
-              <a:rPr lang="ko-KR" altLang="en-US" sz="1600" b="1" dirty="0">
-                <a:solidFill>
-                  <a:srgbClr val="221F1F"/>
-                </a:solidFill>
-                <a:latin typeface="맑은 고딕" pitchFamily="50" charset="-127"/>
-                <a:ea typeface="맑은 고딕" pitchFamily="50" charset="-127"/>
-              </a:rPr>
-              <a:t>창에서 </a:t>
-            </a:r>
-            <a:r>
-              <a:rPr lang="en-US" altLang="ko-KR" sz="1600" b="1" dirty="0">
-                <a:solidFill>
-                  <a:srgbClr val="221F1F"/>
-                </a:solidFill>
-                <a:latin typeface="맑은 고딕" pitchFamily="50" charset="-127"/>
-                <a:ea typeface="맑은 고딕" pitchFamily="50" charset="-127"/>
-              </a:rPr>
-              <a:t>ping </a:t>
-            </a:r>
-            <a:r>
-              <a:rPr lang="en-US" altLang="ko-KR" sz="1600" b="1" u="sng" dirty="0">
-                <a:solidFill>
-                  <a:srgbClr val="221F1F"/>
-                </a:solidFill>
-                <a:latin typeface="맑은 고딕" pitchFamily="50" charset="-127"/>
-                <a:ea typeface="맑은 고딕" pitchFamily="50" charset="-127"/>
-                <a:hlinkClick r:id="rId2"/>
-              </a:rPr>
-              <a:t>www</a:t>
-            </a:r>
-            <a:r>
-              <a:rPr lang="en-US" altLang="ko-KR" sz="1600" b="1" dirty="0">
-                <a:solidFill>
-                  <a:srgbClr val="221F1F"/>
-                </a:solidFill>
-                <a:latin typeface="맑은 고딕" pitchFamily="50" charset="-127"/>
-                <a:ea typeface="맑은 고딕" pitchFamily="50" charset="-127"/>
-                <a:hlinkClick r:id="rId2"/>
-              </a:rPr>
-              <a:t>.kopo.ac.kr</a:t>
-            </a:r>
-            <a:r>
-              <a:rPr lang="ko-KR" altLang="en-US" sz="1600" b="1" dirty="0">
-                <a:solidFill>
-                  <a:srgbClr val="221F1F"/>
-                </a:solidFill>
-                <a:latin typeface="맑은 고딕" pitchFamily="50" charset="-127"/>
-                <a:ea typeface="맑은 고딕" pitchFamily="50" charset="-127"/>
-              </a:rPr>
-              <a:t>명령</a:t>
-            </a:r>
-            <a:endParaRPr lang="en-US" altLang="ko-KR" sz="1600" b="1" dirty="0">
-              <a:solidFill>
-                <a:srgbClr val="221F1F"/>
-              </a:solidFill>
-              <a:latin typeface="맑은 고딕" pitchFamily="50" charset="-127"/>
-              <a:ea typeface="맑은 고딕" pitchFamily="50" charset="-127"/>
-            </a:endParaRPr>
-          </a:p>
-          <a:p>
-            <a:pPr eaLnBrk="0" fontAlgn="base" hangingPunct="0">
-              <a:spcBef>
-                <a:spcPct val="20000"/>
-              </a:spcBef>
-              <a:spcAft>
-                <a:spcPct val="0"/>
-              </a:spcAft>
-              <a:buClr>
-                <a:srgbClr val="5F5F5F"/>
-              </a:buClr>
-              <a:defRPr/>
-            </a:pPr>
-            <a:endParaRPr lang="ko-KR" altLang="en-US" sz="1600" b="1" dirty="0">
-              <a:solidFill>
-                <a:srgbClr val="221F1F"/>
-              </a:solidFill>
-              <a:latin typeface="맑은 고딕" pitchFamily="50" charset="-127"/>
-              <a:ea typeface="맑은 고딕" pitchFamily="50" charset="-127"/>
-            </a:endParaRPr>
-          </a:p>
-          <a:p>
-            <a:pPr eaLnBrk="0" fontAlgn="base" hangingPunct="0">
-              <a:spcBef>
-                <a:spcPct val="20000"/>
-              </a:spcBef>
-              <a:spcAft>
-                <a:spcPct val="0"/>
-              </a:spcAft>
-              <a:buClr>
-                <a:srgbClr val="5F5F5F"/>
-              </a:buClr>
-              <a:defRPr/>
-            </a:pPr>
-            <a:r>
-              <a:rPr lang="en-US" altLang="ko-KR" sz="1600" b="1" dirty="0">
-                <a:solidFill>
-                  <a:srgbClr val="221F1F"/>
-                </a:solidFill>
-                <a:latin typeface="맑은 고딕" pitchFamily="50" charset="-127"/>
-                <a:ea typeface="맑은 고딕" pitchFamily="50" charset="-127"/>
-              </a:rPr>
-              <a:t>2) </a:t>
-            </a:r>
-            <a:r>
-              <a:rPr lang="ko-KR" altLang="en-US" sz="1600" b="1" dirty="0" err="1">
-                <a:solidFill>
-                  <a:srgbClr val="221F1F"/>
-                </a:solidFill>
-                <a:latin typeface="맑은 고딕" pitchFamily="50" charset="-127"/>
-                <a:ea typeface="맑은 고딕" pitchFamily="50" charset="-127"/>
-              </a:rPr>
-              <a:t>리눅스</a:t>
-            </a:r>
-            <a:r>
-              <a:rPr lang="ko-KR" altLang="en-US" sz="1600" b="1" dirty="0">
-                <a:solidFill>
-                  <a:srgbClr val="221F1F"/>
-                </a:solidFill>
-                <a:latin typeface="맑은 고딕" pitchFamily="50" charset="-127"/>
-                <a:ea typeface="맑은 고딕" pitchFamily="50" charset="-127"/>
-              </a:rPr>
-              <a:t> 서버에서 네트워크 설정 실습 </a:t>
-            </a:r>
-          </a:p>
-          <a:p>
-            <a:pPr eaLnBrk="0" fontAlgn="base" hangingPunct="0">
-              <a:spcBef>
-                <a:spcPct val="20000"/>
-              </a:spcBef>
-              <a:spcAft>
-                <a:spcPct val="0"/>
-              </a:spcAft>
-              <a:buClr>
-                <a:srgbClr val="5F5F5F"/>
-              </a:buClr>
-              <a:defRPr/>
-            </a:pPr>
-            <a:r>
-              <a:rPr lang="ko-KR" altLang="en-US" sz="1600" b="1" dirty="0">
-                <a:solidFill>
-                  <a:srgbClr val="221F1F"/>
-                </a:solidFill>
-                <a:latin typeface="맑은 고딕" pitchFamily="50" charset="-127"/>
-                <a:ea typeface="맑은 고딕" pitchFamily="50" charset="-127"/>
-              </a:rPr>
-              <a:t>① </a:t>
-            </a:r>
-            <a:r>
-              <a:rPr lang="en-US" altLang="ko-KR" sz="1600" b="1" dirty="0">
-                <a:solidFill>
-                  <a:srgbClr val="221F1F"/>
-                </a:solidFill>
-                <a:latin typeface="맑은 고딕" pitchFamily="50" charset="-127"/>
-                <a:ea typeface="맑은 고딕" pitchFamily="50" charset="-127"/>
-              </a:rPr>
-              <a:t>Static</a:t>
-            </a:r>
-            <a:r>
-              <a:rPr lang="ko-KR" altLang="en-US" sz="1600" b="1" dirty="0">
-                <a:solidFill>
-                  <a:srgbClr val="221F1F"/>
-                </a:solidFill>
-                <a:latin typeface="맑은 고딕" pitchFamily="50" charset="-127"/>
-                <a:ea typeface="맑은 고딕" pitchFamily="50" charset="-127"/>
-              </a:rPr>
-              <a:t>방식 </a:t>
-            </a:r>
-            <a:r>
-              <a:rPr lang="en-US" altLang="ko-KR" sz="1600" b="1" dirty="0">
-                <a:solidFill>
-                  <a:srgbClr val="221F1F"/>
-                </a:solidFill>
-                <a:latin typeface="맑은 고딕" pitchFamily="50" charset="-127"/>
-                <a:ea typeface="맑은 고딕" pitchFamily="50" charset="-127"/>
-              </a:rPr>
-              <a:t>IP</a:t>
-            </a:r>
-            <a:r>
-              <a:rPr lang="ko-KR" altLang="en-US" sz="1600" b="1" dirty="0">
-                <a:solidFill>
-                  <a:srgbClr val="221F1F"/>
-                </a:solidFill>
-                <a:latin typeface="맑은 고딕" pitchFamily="50" charset="-127"/>
-                <a:ea typeface="맑은 고딕" pitchFamily="50" charset="-127"/>
-              </a:rPr>
-              <a:t>주소 설정</a:t>
-            </a:r>
-          </a:p>
-          <a:p>
-            <a:pPr eaLnBrk="0" fontAlgn="base" hangingPunct="0">
-              <a:spcBef>
-                <a:spcPct val="20000"/>
-              </a:spcBef>
-              <a:spcAft>
-                <a:spcPct val="0"/>
-              </a:spcAft>
-              <a:buClr>
-                <a:srgbClr val="5F5F5F"/>
-              </a:buClr>
-              <a:defRPr/>
-            </a:pPr>
-            <a:r>
-              <a:rPr lang="ko-KR" altLang="en-US" sz="1600" b="1" dirty="0">
-                <a:solidFill>
-                  <a:srgbClr val="221F1F"/>
-                </a:solidFill>
-                <a:latin typeface="맑은 고딕" pitchFamily="50" charset="-127"/>
-                <a:ea typeface="맑은 고딕" pitchFamily="50" charset="-127"/>
-              </a:rPr>
-              <a:t>② </a:t>
-            </a:r>
-            <a:r>
-              <a:rPr lang="en-US" altLang="ko-KR" sz="1600" b="1" dirty="0">
-                <a:solidFill>
-                  <a:srgbClr val="221F1F"/>
-                </a:solidFill>
-                <a:latin typeface="맑은 고딕" pitchFamily="50" charset="-127"/>
-                <a:ea typeface="맑은 고딕" pitchFamily="50" charset="-127"/>
-              </a:rPr>
-              <a:t>DHCP</a:t>
-            </a:r>
-            <a:r>
-              <a:rPr lang="ko-KR" altLang="en-US" sz="1600" b="1" dirty="0">
-                <a:solidFill>
-                  <a:srgbClr val="221F1F"/>
-                </a:solidFill>
-                <a:latin typeface="맑은 고딕" pitchFamily="50" charset="-127"/>
-                <a:ea typeface="맑은 고딕" pitchFamily="50" charset="-127"/>
-              </a:rPr>
-              <a:t>방식 </a:t>
-            </a:r>
-            <a:r>
-              <a:rPr lang="en-US" altLang="ko-KR" sz="1600" b="1" dirty="0">
-                <a:solidFill>
-                  <a:srgbClr val="221F1F"/>
-                </a:solidFill>
-                <a:latin typeface="맑은 고딕" pitchFamily="50" charset="-127"/>
-                <a:ea typeface="맑은 고딕" pitchFamily="50" charset="-127"/>
-              </a:rPr>
-              <a:t>IP</a:t>
-            </a:r>
-            <a:r>
-              <a:rPr lang="ko-KR" altLang="en-US" sz="1600" b="1" dirty="0">
-                <a:solidFill>
-                  <a:srgbClr val="221F1F"/>
-                </a:solidFill>
-                <a:latin typeface="맑은 고딕" pitchFamily="50" charset="-127"/>
-                <a:ea typeface="맑은 고딕" pitchFamily="50" charset="-127"/>
-              </a:rPr>
-              <a:t>주소 설정</a:t>
-            </a:r>
-          </a:p>
-          <a:p>
-            <a:pPr eaLnBrk="0" fontAlgn="base" hangingPunct="0">
-              <a:spcBef>
-                <a:spcPct val="20000"/>
-              </a:spcBef>
-              <a:spcAft>
-                <a:spcPct val="0"/>
-              </a:spcAft>
-              <a:buClr>
-                <a:srgbClr val="5F5F5F"/>
-              </a:buClr>
-              <a:defRPr/>
-            </a:pPr>
-            <a:r>
-              <a:rPr lang="ko-KR" altLang="en-US" sz="1600" b="1" dirty="0">
-                <a:solidFill>
-                  <a:srgbClr val="221F1F"/>
-                </a:solidFill>
-                <a:latin typeface="맑은 고딕" pitchFamily="50" charset="-127"/>
-                <a:ea typeface="맑은 고딕" pitchFamily="50" charset="-127"/>
-              </a:rPr>
-              <a:t>③ </a:t>
-            </a:r>
-            <a:r>
-              <a:rPr lang="en-US" altLang="ko-KR" sz="1600" b="1" dirty="0">
-                <a:solidFill>
-                  <a:srgbClr val="221F1F"/>
-                </a:solidFill>
-                <a:latin typeface="맑은 고딕" pitchFamily="50" charset="-127"/>
-                <a:ea typeface="맑은 고딕" pitchFamily="50" charset="-127"/>
-              </a:rPr>
-              <a:t>Virtual Box</a:t>
-            </a:r>
-            <a:r>
-              <a:rPr lang="ko-KR" altLang="en-US" sz="1600" b="1" dirty="0">
-                <a:solidFill>
-                  <a:srgbClr val="221F1F"/>
-                </a:solidFill>
-                <a:latin typeface="맑은 고딕" pitchFamily="50" charset="-127"/>
-                <a:ea typeface="맑은 고딕" pitchFamily="50" charset="-127"/>
-              </a:rPr>
-              <a:t>등 </a:t>
-            </a:r>
-            <a:r>
-              <a:rPr lang="ko-KR" altLang="en-US" sz="1600" b="1" dirty="0" err="1">
-                <a:solidFill>
-                  <a:srgbClr val="221F1F"/>
-                </a:solidFill>
-                <a:latin typeface="맑은 고딕" pitchFamily="50" charset="-127"/>
-                <a:ea typeface="맑은 고딕" pitchFamily="50" charset="-127"/>
-              </a:rPr>
-              <a:t>버추얼</a:t>
-            </a:r>
-            <a:r>
-              <a:rPr lang="ko-KR" altLang="en-US" sz="1600" b="1" dirty="0">
-                <a:solidFill>
-                  <a:srgbClr val="221F1F"/>
-                </a:solidFill>
-                <a:latin typeface="맑은 고딕" pitchFamily="50" charset="-127"/>
-                <a:ea typeface="맑은 고딕" pitchFamily="50" charset="-127"/>
-              </a:rPr>
-              <a:t> </a:t>
-            </a:r>
-            <a:r>
-              <a:rPr lang="ko-KR" altLang="en-US" sz="1600" b="1" dirty="0" err="1">
-                <a:solidFill>
-                  <a:srgbClr val="221F1F"/>
-                </a:solidFill>
-                <a:latin typeface="맑은 고딕" pitchFamily="50" charset="-127"/>
-                <a:ea typeface="맑은 고딕" pitchFamily="50" charset="-127"/>
-              </a:rPr>
-              <a:t>머신에서</a:t>
-            </a:r>
-            <a:r>
-              <a:rPr lang="ko-KR" altLang="en-US" sz="1600" b="1" dirty="0">
-                <a:solidFill>
-                  <a:srgbClr val="221F1F"/>
-                </a:solidFill>
-                <a:latin typeface="맑은 고딕" pitchFamily="50" charset="-127"/>
-                <a:ea typeface="맑은 고딕" pitchFamily="50" charset="-127"/>
-              </a:rPr>
-              <a:t> </a:t>
-            </a:r>
-            <a:r>
-              <a:rPr lang="en-US" altLang="ko-KR" sz="1600" b="1" dirty="0">
-                <a:solidFill>
-                  <a:srgbClr val="221F1F"/>
-                </a:solidFill>
-                <a:latin typeface="맑은 고딕" pitchFamily="50" charset="-127"/>
-                <a:ea typeface="맑은 고딕" pitchFamily="50" charset="-127"/>
-              </a:rPr>
-              <a:t>IP</a:t>
-            </a:r>
-            <a:r>
-              <a:rPr lang="ko-KR" altLang="en-US" sz="1600" b="1" dirty="0">
-                <a:solidFill>
-                  <a:srgbClr val="221F1F"/>
-                </a:solidFill>
-                <a:latin typeface="맑은 고딕" pitchFamily="50" charset="-127"/>
-                <a:ea typeface="맑은 고딕" pitchFamily="50" charset="-127"/>
-              </a:rPr>
-              <a:t>주소 설정</a:t>
-            </a:r>
-          </a:p>
-        </p:txBody>
-      </p:sp>
-      <p:sp>
-        <p:nvSpPr>
-          <p:cNvPr id="6179" name="슬라이드 번호 개체 틀 13"/>
-          <p:cNvSpPr txBox="1">
-            <a:spLocks noGrp="1"/>
-          </p:cNvSpPr>
-          <p:nvPr/>
-        </p:nvSpPr>
-        <p:spPr bwMode="auto">
-          <a:xfrm>
-            <a:off x="5808663" y="6538913"/>
-            <a:ext cx="557212" cy="304800"/>
+          </a:p>
+          <a:p>
+            <a:r>
+              <a:rPr lang="ko-KR" altLang="en-US" dirty="0" smtClean="0"/>
+              <a:t>따라서 버전에 따라 </a:t>
+            </a:r>
+            <a:r>
+              <a:rPr lang="en-US" altLang="ko-KR" dirty="0" smtClean="0"/>
+              <a:t>/</a:t>
+            </a:r>
+            <a:r>
+              <a:rPr lang="en-US" altLang="ko-KR" dirty="0" err="1" smtClean="0"/>
+              <a:t>etc</a:t>
+            </a:r>
+            <a:r>
+              <a:rPr lang="en-US" altLang="ko-KR" dirty="0" smtClean="0"/>
+              <a:t>/network/interfaces </a:t>
+            </a:r>
+            <a:r>
+              <a:rPr lang="ko-KR" altLang="en-US" dirty="0" smtClean="0"/>
+              <a:t>파일을 수정하거나</a:t>
+            </a:r>
+            <a:endParaRPr lang="en-US" altLang="ko-KR" dirty="0" smtClean="0"/>
+          </a:p>
+          <a:p>
+            <a:r>
+              <a:rPr lang="en-US" altLang="ko-KR" dirty="0" smtClean="0"/>
+              <a:t>/</a:t>
+            </a:r>
+            <a:r>
+              <a:rPr lang="en-US" altLang="ko-KR" dirty="0" err="1" smtClean="0"/>
+              <a:t>etc</a:t>
+            </a:r>
+            <a:r>
+              <a:rPr lang="en-US" altLang="ko-KR" dirty="0" smtClean="0"/>
+              <a:t>/</a:t>
+            </a:r>
+            <a:r>
+              <a:rPr lang="en-US" altLang="ko-KR" dirty="0" err="1" smtClean="0"/>
+              <a:t>netplan</a:t>
+            </a:r>
+            <a:r>
+              <a:rPr lang="en-US" altLang="ko-KR" dirty="0" smtClean="0"/>
+              <a:t>/ </a:t>
+            </a:r>
+            <a:r>
+              <a:rPr lang="ko-KR" altLang="en-US" dirty="0" smtClean="0"/>
+              <a:t>하위의 </a:t>
+            </a:r>
+            <a:r>
+              <a:rPr lang="en-US" altLang="ko-KR" dirty="0" smtClean="0"/>
+              <a:t>installer-</a:t>
+            </a:r>
+            <a:r>
+              <a:rPr lang="en-US" altLang="ko-KR" dirty="0" err="1" smtClean="0"/>
+              <a:t>config.yaml</a:t>
+            </a:r>
+            <a:r>
+              <a:rPr lang="ko-KR" altLang="en-US" dirty="0" smtClean="0"/>
+              <a:t>파일을 수정하여 네트워크 설정을 변경할 수 있다</a:t>
+            </a:r>
+            <a:r>
+              <a:rPr lang="en-US" altLang="ko-KR" dirty="0" smtClean="0"/>
+              <a:t>.</a:t>
+            </a:r>
+            <a:endParaRPr lang="ko-KR" altLang="en-US" dirty="0"/>
+          </a:p>
+        </p:txBody>
+      </p:sp>
+      <p:pic>
+        <p:nvPicPr>
+          <p:cNvPr id="15" name="그림 14"/>
+          <p:cNvPicPr>
+            <a:picLocks noChangeAspect="1"/>
+          </p:cNvPicPr>
+          <p:nvPr/>
+        </p:nvPicPr>
+        <p:blipFill>
+          <a:blip r:embed="rId2"/>
+          <a:stretch>
+            <a:fillRect/>
+          </a:stretch>
+        </p:blipFill>
+        <p:spPr>
+          <a:xfrm>
+            <a:off x="617342" y="2412326"/>
+            <a:ext cx="4086225" cy="4019550"/>
+          </a:xfrm>
+          <a:prstGeom prst="rect">
+            <a:avLst/>
+          </a:prstGeom>
+        </p:spPr>
+      </p:pic>
+      <p:sp>
+        <p:nvSpPr>
+          <p:cNvPr id="16" name="직사각형 15"/>
+          <p:cNvSpPr/>
+          <p:nvPr/>
+        </p:nvSpPr>
+        <p:spPr>
+          <a:xfrm>
+            <a:off x="617343" y="3176667"/>
+            <a:ext cx="3108976" cy="2201116"/>
           </a:xfrm>
           <a:prstGeom prst="rect">
             <a:avLst/>
           </a:prstGeom>
           <a:noFill/>
           <a:ln>
-            <a:miter lim="800000"/>
-            <a:headEnd/>
-            <a:tailEnd/>
+            <a:solidFill>
+              <a:srgbClr val="FF0000"/>
+            </a:solidFill>
           </a:ln>
         </p:spPr>
-        <p:txBody>
-          <a:bodyPr anchor="ctr"/>
-          <a:lstStyle/>
-          <a:p>
-            <a:pPr algn="ctr" fontAlgn="base" latinLnBrk="0">
-              <a:spcBef>
-                <a:spcPct val="0"/>
-              </a:spcBef>
-              <a:spcAft>
-                <a:spcPct val="0"/>
-              </a:spcAft>
-              <a:defRPr/>
-            </a:pPr>
-            <a:fld id="{69188C54-76CB-4412-96DE-3B5465248ED9}" type="slidenum">
-              <a:rPr lang="en-US" altLang="ko-KR" sz="1100">
-                <a:solidFill>
-                  <a:srgbClr val="221F1F"/>
-                </a:solidFill>
-                <a:latin typeface="맑은 고딕" pitchFamily="50" charset="-127"/>
-                <a:ea typeface="맑은 고딕" pitchFamily="50" charset="-127"/>
-              </a:rPr>
-              <a:pPr algn="ctr" fontAlgn="base" latinLnBrk="0">
-                <a:spcBef>
-                  <a:spcPct val="0"/>
-                </a:spcBef>
-                <a:spcAft>
-                  <a:spcPct val="0"/>
-                </a:spcAft>
-                <a:defRPr/>
-              </a:pPr>
-              <a:t>11</a:t>
-            </a:fld>
-            <a:endParaRPr lang="en-US" altLang="ko-KR" sz="1100">
-              <a:solidFill>
-                <a:srgbClr val="221F1F"/>
-              </a:solidFill>
-              <a:latin typeface="맑은 고딕" pitchFamily="50" charset="-127"/>
-              <a:ea typeface="맑은 고딕" pitchFamily="50" charset="-127"/>
-            </a:endParaRPr>
-          </a:p>
-        </p:txBody>
-      </p:sp>
-      <p:sp>
-        <p:nvSpPr>
-          <p:cNvPr id="8" name="Rectangle 3"/>
-          <p:cNvSpPr txBox="1">
-            <a:spLocks noChangeArrowheads="1"/>
-          </p:cNvSpPr>
-          <p:nvPr/>
-        </p:nvSpPr>
-        <p:spPr bwMode="auto">
-          <a:xfrm>
-            <a:off x="1811433" y="126768"/>
-            <a:ext cx="5078162" cy="438615"/>
+        <p:style>
+          <a:lnRef idx="2">
+            <a:schemeClr val="accent1">
+              <a:shade val="50000"/>
+            </a:schemeClr>
+          </a:lnRef>
+          <a:fillRef idx="1">
+            <a:schemeClr val="accent1"/>
+          </a:fillRef>
+          <a:effectRef idx="0">
+            <a:schemeClr val="accent1"/>
+          </a:effectRef>
+          <a:fontRef idx="minor">
+            <a:schemeClr val="lt1"/>
+          </a:fontRef>
+        </p:style>
+        <p:txBody>
+          <a:bodyPr rtlCol="0" anchor="ctr"/>
+          <a:lstStyle/>
+          <a:p>
+            <a:pPr algn="ctr"/>
+            <a:endParaRPr lang="ko-KR" altLang="en-US"/>
+          </a:p>
+        </p:txBody>
+      </p:sp>
+      <p:pic>
+        <p:nvPicPr>
+          <p:cNvPr id="5" name="그림 4"/>
+          <p:cNvPicPr>
+            <a:picLocks noChangeAspect="1"/>
+          </p:cNvPicPr>
+          <p:nvPr/>
+        </p:nvPicPr>
+        <p:blipFill>
+          <a:blip r:embed="rId3"/>
+          <a:stretch>
+            <a:fillRect/>
+          </a:stretch>
+        </p:blipFill>
+        <p:spPr>
+          <a:xfrm>
+            <a:off x="5859544" y="2664405"/>
+            <a:ext cx="4808375" cy="3613785"/>
+          </a:xfrm>
+          <a:prstGeom prst="rect">
+            <a:avLst/>
+          </a:prstGeom>
+        </p:spPr>
+      </p:pic>
+      <p:sp>
+        <p:nvSpPr>
+          <p:cNvPr id="6" name="직사각형 5"/>
+          <p:cNvSpPr/>
+          <p:nvPr/>
+        </p:nvSpPr>
+        <p:spPr>
+          <a:xfrm>
+            <a:off x="506572" y="6528521"/>
+            <a:ext cx="3157083" cy="369332"/>
+          </a:xfrm>
+          <a:prstGeom prst="rect">
+            <a:avLst/>
+          </a:prstGeom>
+        </p:spPr>
+        <p:txBody>
+          <a:bodyPr wrap="none">
+            <a:spAutoFit/>
+          </a:bodyPr>
+          <a:lstStyle/>
+          <a:p>
+            <a:r>
+              <a:rPr lang="en-US" altLang="ko-KR" dirty="0"/>
+              <a:t>/</a:t>
+            </a:r>
+            <a:r>
+              <a:rPr lang="en-US" altLang="ko-KR" dirty="0" err="1"/>
+              <a:t>etc</a:t>
+            </a:r>
+            <a:r>
+              <a:rPr lang="en-US" altLang="ko-KR" dirty="0"/>
+              <a:t>/network/interfaces </a:t>
+            </a:r>
+            <a:r>
+              <a:rPr lang="ko-KR" altLang="en-US" dirty="0" smtClean="0"/>
+              <a:t>파일</a:t>
+            </a:r>
+            <a:endParaRPr lang="ko-KR" altLang="en-US" dirty="0"/>
+          </a:p>
+        </p:txBody>
+      </p:sp>
+      <p:sp>
+        <p:nvSpPr>
+          <p:cNvPr id="18" name="직사각형 17"/>
+          <p:cNvSpPr/>
+          <p:nvPr/>
+        </p:nvSpPr>
+        <p:spPr>
+          <a:xfrm>
+            <a:off x="5789175" y="6431876"/>
+            <a:ext cx="4949112" cy="369332"/>
+          </a:xfrm>
+          <a:prstGeom prst="rect">
+            <a:avLst/>
+          </a:prstGeom>
+        </p:spPr>
+        <p:txBody>
+          <a:bodyPr wrap="none">
+            <a:spAutoFit/>
+          </a:bodyPr>
+          <a:lstStyle/>
+          <a:p>
+            <a:r>
+              <a:rPr lang="en-US" altLang="ko-KR" dirty="0"/>
+              <a:t>/</a:t>
+            </a:r>
+            <a:r>
+              <a:rPr lang="en-US" altLang="ko-KR" dirty="0" err="1"/>
+              <a:t>etc</a:t>
+            </a:r>
+            <a:r>
+              <a:rPr lang="en-US" altLang="ko-KR" dirty="0"/>
+              <a:t>/</a:t>
+            </a:r>
+            <a:r>
+              <a:rPr lang="en-US" altLang="ko-KR" dirty="0" err="1"/>
+              <a:t>netplan</a:t>
+            </a:r>
+            <a:r>
+              <a:rPr lang="en-US" altLang="ko-KR" dirty="0"/>
+              <a:t>/ </a:t>
+            </a:r>
+            <a:r>
+              <a:rPr lang="ko-KR" altLang="en-US" dirty="0"/>
+              <a:t>하위의 </a:t>
+            </a:r>
+            <a:r>
+              <a:rPr lang="en-US" altLang="ko-KR" dirty="0"/>
+              <a:t>installer-</a:t>
+            </a:r>
+            <a:r>
+              <a:rPr lang="en-US" altLang="ko-KR" dirty="0" err="1"/>
+              <a:t>config.yaml</a:t>
+            </a:r>
+            <a:r>
+              <a:rPr lang="ko-KR" altLang="en-US" dirty="0"/>
+              <a:t>파일</a:t>
+            </a:r>
+          </a:p>
+        </p:txBody>
+      </p:sp>
+      <p:sp>
+        <p:nvSpPr>
+          <p:cNvPr id="20" name="직사각형 19"/>
+          <p:cNvSpPr/>
+          <p:nvPr/>
+        </p:nvSpPr>
+        <p:spPr>
+          <a:xfrm>
+            <a:off x="5847888" y="2664405"/>
+            <a:ext cx="2473152" cy="650295"/>
           </a:xfrm>
           <a:prstGeom prst="rect">
             <a:avLst/>
           </a:prstGeom>
           <a:noFill/>
-          <a:ln w="9525">
-            <a:noFill/>
-            <a:miter lim="800000"/>
-            <a:headEnd/>
-            <a:tailEnd/>
+          <a:ln>
+            <a:solidFill>
+              <a:srgbClr val="FF0000"/>
+            </a:solidFill>
           </a:ln>
         </p:spPr>
-        <p:txBody>
-          <a:bodyPr/>
-          <a:lstStyle/>
-          <a:p>
-            <a:pPr eaLnBrk="0" fontAlgn="base" latinLnBrk="0" hangingPunct="0">
-              <a:spcBef>
-                <a:spcPct val="0"/>
-              </a:spcBef>
-              <a:spcAft>
-                <a:spcPct val="0"/>
-              </a:spcAft>
-              <a:buClr>
-                <a:srgbClr val="5F5F5F"/>
-              </a:buClr>
-              <a:defRPr/>
-            </a:pPr>
-            <a:r>
-              <a:rPr lang="en-US" altLang="ko-KR" b="1" dirty="0">
-                <a:solidFill>
-                  <a:srgbClr val="221F1F"/>
-                </a:solidFill>
-                <a:latin typeface="맑은 고딕" pitchFamily="50" charset="-127"/>
-                <a:ea typeface="맑은 고딕" pitchFamily="50" charset="-127"/>
-              </a:rPr>
-              <a:t>4. </a:t>
-            </a:r>
-            <a:r>
-              <a:rPr lang="ko-KR" altLang="en-US" b="1" dirty="0">
-                <a:solidFill>
-                  <a:srgbClr val="221F1F"/>
-                </a:solidFill>
-                <a:latin typeface="맑은 고딕" pitchFamily="50" charset="-127"/>
-                <a:ea typeface="맑은 고딕" pitchFamily="50" charset="-127"/>
-              </a:rPr>
-              <a:t>실습하기</a:t>
-            </a:r>
-            <a:r>
-              <a:rPr lang="en-US" altLang="ko-KR" b="1" dirty="0">
-                <a:solidFill>
-                  <a:srgbClr val="221F1F"/>
-                </a:solidFill>
-                <a:latin typeface="맑은 고딕" pitchFamily="50" charset="-127"/>
-                <a:ea typeface="맑은 고딕" pitchFamily="50" charset="-127"/>
-              </a:rPr>
-              <a:t>(1)</a:t>
-            </a:r>
-            <a:r>
-              <a:rPr lang="ko-KR" altLang="en-US" b="1" dirty="0">
-                <a:solidFill>
-                  <a:srgbClr val="221F1F"/>
-                </a:solidFill>
-                <a:latin typeface="맑은 고딕" pitchFamily="50" charset="-127"/>
-                <a:ea typeface="맑은 고딕" pitchFamily="50" charset="-127"/>
-              </a:rPr>
-              <a:t> </a:t>
-            </a:r>
-            <a:endParaRPr lang="en-US" altLang="ko-KR" sz="1600" b="1" dirty="0">
-              <a:solidFill>
-                <a:srgbClr val="221F1F"/>
-              </a:solidFill>
-              <a:latin typeface="맑은 고딕" pitchFamily="50" charset="-127"/>
-              <a:ea typeface="맑은 고딕" pitchFamily="50" charset="-127"/>
-            </a:endParaRPr>
+        <p:style>
+          <a:lnRef idx="2">
+            <a:schemeClr val="accent1">
+              <a:shade val="50000"/>
+            </a:schemeClr>
+          </a:lnRef>
+          <a:fillRef idx="1">
+            <a:schemeClr val="accent1"/>
+          </a:fillRef>
+          <a:effectRef idx="0">
+            <a:schemeClr val="accent1"/>
+          </a:effectRef>
+          <a:fontRef idx="minor">
+            <a:schemeClr val="lt1"/>
+          </a:fontRef>
+        </p:style>
+        <p:txBody>
+          <a:bodyPr rtlCol="0" anchor="ctr"/>
+          <a:lstStyle/>
+          <a:p>
+            <a:pPr algn="ctr"/>
+            <a:endParaRPr lang="ko-KR" altLang="en-US"/>
           </a:p>
         </p:txBody>
       </p:sp>
     </p:spTree>
     <p:extLst>
       <p:ext uri="{BB962C8B-B14F-4D97-AF65-F5344CB8AC3E}">
-        <p14:creationId xmlns:p14="http://schemas.microsoft.com/office/powerpoint/2010/main" val="2118173836"/>
+        <p14:creationId xmlns:p14="http://schemas.microsoft.com/office/powerpoint/2010/main" val="3428404787"/>
       </p:ext>
     </p:extLst>
   </p:cSld>
@@ -4309,10 +4421,319 @@
           <a:chExt cx="0" cy="0"/>
         </a:xfrm>
       </p:grpSpPr>
+      <p:sp>
+        <p:nvSpPr>
+          <p:cNvPr id="7" name="직사각형 6"/>
+          <p:cNvSpPr/>
+          <p:nvPr/>
+        </p:nvSpPr>
+        <p:spPr bwMode="auto">
+          <a:xfrm>
+            <a:off x="1696632" y="1077059"/>
+            <a:ext cx="9061444" cy="5076944"/>
+          </a:xfrm>
+          <a:prstGeom prst="rect">
+            <a:avLst/>
+          </a:prstGeom>
+          <a:solidFill>
+            <a:schemeClr val="bg1"/>
+          </a:solidFill>
+          <a:ln w="12700" cap="flat" cmpd="sng" algn="ctr">
+            <a:solidFill>
+              <a:schemeClr val="tx1"/>
+            </a:solidFill>
+            <a:prstDash val="solid"/>
+            <a:round/>
+            <a:headEnd type="none" w="med" len="med"/>
+            <a:tailEnd type="none" w="med" len="med"/>
+          </a:ln>
+          <a:effectLst>
+            <a:outerShdw blurRad="50800" dist="38100" algn="l" rotWithShape="0">
+              <a:prstClr val="black">
+                <a:alpha val="40000"/>
+              </a:prstClr>
+            </a:outerShdw>
+          </a:effectLst>
+        </p:spPr>
+        <p:txBody>
+          <a:bodyPr vert="horz" wrap="square" lIns="90000" tIns="46800" rIns="90000" bIns="46800" numCol="1" rtlCol="0" anchor="t" anchorCtr="0" compatLnSpc="1">
+            <a:prstTxWarp prst="textNoShape">
+              <a:avLst/>
+            </a:prstTxWarp>
+            <a:noAutofit/>
+          </a:bodyPr>
+          <a:lstStyle/>
+          <a:p>
+            <a:pPr latinLnBrk="1"/>
+            <a:r>
+              <a:rPr lang="en-US" altLang="ko-KR" dirty="0"/>
+              <a:t>3)</a:t>
+            </a:r>
+            <a:r>
+              <a:rPr lang="en-US" altLang="ko-KR" dirty="0" err="1"/>
+              <a:t>ifconfig</a:t>
+            </a:r>
+            <a:r>
+              <a:rPr lang="en-US" altLang="ko-KR" dirty="0"/>
+              <a:t> </a:t>
+            </a:r>
+            <a:r>
+              <a:rPr lang="ko-KR" altLang="en-US" dirty="0"/>
+              <a:t>명령어 실습</a:t>
+            </a:r>
+          </a:p>
+          <a:p>
+            <a:pPr latinLnBrk="1"/>
+            <a:r>
+              <a:rPr lang="ko-KR" altLang="en-US" dirty="0"/>
+              <a:t>① </a:t>
+            </a:r>
+            <a:r>
+              <a:rPr lang="en-US" altLang="ko-KR" dirty="0" err="1"/>
+              <a:t>ifconfig</a:t>
+            </a:r>
+            <a:r>
+              <a:rPr lang="en-US" altLang="ko-KR" dirty="0"/>
+              <a:t> –a </a:t>
+            </a:r>
+            <a:endParaRPr lang="ko-KR" altLang="en-US" dirty="0"/>
+          </a:p>
+          <a:p>
+            <a:pPr latinLnBrk="1"/>
+            <a:r>
+              <a:rPr lang="ko-KR" altLang="en-US" dirty="0"/>
+              <a:t>② </a:t>
+            </a:r>
+            <a:r>
+              <a:rPr lang="en-US" altLang="ko-KR" dirty="0" err="1"/>
+              <a:t>ifconfig</a:t>
+            </a:r>
+            <a:r>
+              <a:rPr lang="en-US" altLang="ko-KR" dirty="0"/>
+              <a:t> eth0</a:t>
+            </a:r>
+            <a:endParaRPr lang="ko-KR" altLang="en-US" dirty="0"/>
+          </a:p>
+          <a:p>
+            <a:pPr latinLnBrk="1"/>
+            <a:r>
+              <a:rPr lang="ko-KR" altLang="en-US" dirty="0"/>
+              <a:t>③ </a:t>
+            </a:r>
+            <a:r>
+              <a:rPr lang="en-US" altLang="ko-KR" dirty="0" err="1"/>
+              <a:t>ifconfig</a:t>
+            </a:r>
+            <a:r>
+              <a:rPr lang="en-US" altLang="ko-KR" dirty="0"/>
+              <a:t> eth0 192.168.1.10 netmask 255.255.255.0 up</a:t>
+            </a:r>
+            <a:endParaRPr lang="ko-KR" altLang="en-US" dirty="0"/>
+          </a:p>
+          <a:p>
+            <a:pPr latinLnBrk="1"/>
+            <a:r>
+              <a:rPr lang="ko-KR" altLang="en-US" dirty="0"/>
+              <a:t>④ </a:t>
+            </a:r>
+            <a:r>
+              <a:rPr lang="en-US" altLang="ko-KR" dirty="0"/>
+              <a:t>route add –net 192.168.1.0 network 255.255.255.0 eth0</a:t>
+            </a:r>
+            <a:endParaRPr lang="ko-KR" altLang="en-US" dirty="0"/>
+          </a:p>
+          <a:p>
+            <a:pPr latinLnBrk="1"/>
+            <a:r>
+              <a:rPr lang="ko-KR" altLang="en-US" dirty="0"/>
+              <a:t>⑤ </a:t>
+            </a:r>
+            <a:r>
+              <a:rPr lang="en-US" altLang="ko-KR" dirty="0"/>
+              <a:t>route add default </a:t>
+            </a:r>
+            <a:r>
+              <a:rPr lang="en-US" altLang="ko-KR" dirty="0" err="1"/>
+              <a:t>gw</a:t>
+            </a:r>
+            <a:r>
+              <a:rPr lang="en-US" altLang="ko-KR" dirty="0"/>
+              <a:t> 192.168.1.1 eth0</a:t>
+            </a:r>
+          </a:p>
+          <a:p>
+            <a:pPr latinLnBrk="1"/>
+            <a:endParaRPr lang="en-US" altLang="ko-KR" dirty="0"/>
+          </a:p>
+          <a:p>
+            <a:pPr latinLnBrk="1"/>
+            <a:r>
+              <a:rPr lang="en-US" altLang="ko-KR" dirty="0"/>
+              <a:t>4) ping </a:t>
+            </a:r>
+            <a:r>
+              <a:rPr lang="ko-KR" altLang="en-US" dirty="0"/>
+              <a:t>명령어 실습</a:t>
+            </a:r>
+          </a:p>
+          <a:p>
+            <a:pPr latinLnBrk="1"/>
+            <a:r>
+              <a:rPr lang="ko-KR" altLang="en-US" dirty="0"/>
+              <a:t>① </a:t>
+            </a:r>
+            <a:r>
+              <a:rPr lang="en-US" altLang="ko-KR" dirty="0"/>
+              <a:t>ping -t 172.17.245.1</a:t>
+            </a:r>
+          </a:p>
+          <a:p>
+            <a:pPr latinLnBrk="1"/>
+            <a:r>
+              <a:rPr lang="en-US" altLang="ko-KR" dirty="0"/>
+              <a:t>② ping –a www.kopo.ac.kr</a:t>
+            </a:r>
+          </a:p>
+          <a:p>
+            <a:pPr latinLnBrk="1"/>
+            <a:r>
+              <a:rPr lang="en-US" altLang="ko-KR" dirty="0"/>
+              <a:t>③ ping -n 8 172.17.245.1</a:t>
+            </a:r>
+          </a:p>
+          <a:p>
+            <a:pPr latinLnBrk="1"/>
+            <a:r>
+              <a:rPr lang="en-US" altLang="ko-KR" dirty="0"/>
+              <a:t>④ ping -l 64000 172.17.245.1</a:t>
+            </a:r>
+          </a:p>
+          <a:p>
+            <a:pPr latinLnBrk="1"/>
+            <a:r>
+              <a:rPr lang="en-US" altLang="ko-KR" dirty="0"/>
+              <a:t>⑤ ping -r 10 www.naver.com</a:t>
+            </a:r>
+          </a:p>
+          <a:p>
+            <a:pPr latinLnBrk="1"/>
+            <a:r>
+              <a:rPr lang="en-US" altLang="ko-KR" dirty="0"/>
+              <a:t>⑥ ping –s 10 www.naver.com</a:t>
+            </a:r>
+          </a:p>
+          <a:p>
+            <a:pPr latinLnBrk="1"/>
+            <a:endParaRPr lang="ko-KR" altLang="en-US" dirty="0"/>
+          </a:p>
+        </p:txBody>
+      </p:sp>
+      <p:sp>
+        <p:nvSpPr>
+          <p:cNvPr id="6179" name="슬라이드 번호 개체 틀 13"/>
+          <p:cNvSpPr txBox="1">
+            <a:spLocks noGrp="1"/>
+          </p:cNvSpPr>
+          <p:nvPr/>
+        </p:nvSpPr>
+        <p:spPr bwMode="auto">
+          <a:xfrm>
+            <a:off x="5808663" y="6538913"/>
+            <a:ext cx="557212" cy="304800"/>
+          </a:xfrm>
+          <a:prstGeom prst="rect">
+            <a:avLst/>
+          </a:prstGeom>
+          <a:noFill/>
+          <a:ln>
+            <a:miter lim="800000"/>
+            <a:headEnd/>
+            <a:tailEnd/>
+          </a:ln>
+        </p:spPr>
+        <p:txBody>
+          <a:bodyPr anchor="ctr"/>
+          <a:lstStyle/>
+          <a:p>
+            <a:pPr algn="ctr" eaLnBrk="1" hangingPunct="1">
+              <a:spcBef>
+                <a:spcPct val="0"/>
+              </a:spcBef>
+              <a:buClrTx/>
+              <a:defRPr/>
+            </a:pPr>
+            <a:fld id="{69188C54-76CB-4412-96DE-3B5465248ED9}" type="slidenum">
+              <a:rPr lang="en-US" altLang="ko-KR" sz="1100"/>
+              <a:pPr algn="ctr" eaLnBrk="1" hangingPunct="1">
+                <a:spcBef>
+                  <a:spcPct val="0"/>
+                </a:spcBef>
+                <a:buClrTx/>
+                <a:defRPr/>
+              </a:pPr>
+              <a:t>12</a:t>
+            </a:fld>
+            <a:endParaRPr lang="en-US" altLang="ko-KR" sz="1100"/>
+          </a:p>
+        </p:txBody>
+      </p:sp>
+      <p:sp>
+        <p:nvSpPr>
+          <p:cNvPr id="8" name="Rectangle 3"/>
+          <p:cNvSpPr txBox="1">
+            <a:spLocks noChangeArrowheads="1"/>
+          </p:cNvSpPr>
+          <p:nvPr/>
+        </p:nvSpPr>
+        <p:spPr bwMode="auto">
+          <a:xfrm>
+            <a:off x="1811433" y="126768"/>
+            <a:ext cx="5078162" cy="438615"/>
+          </a:xfrm>
+          <a:prstGeom prst="rect">
+            <a:avLst/>
+          </a:prstGeom>
+          <a:noFill/>
+          <a:ln w="9525">
+            <a:noFill/>
+            <a:miter lim="800000"/>
+            <a:headEnd/>
+            <a:tailEnd/>
+          </a:ln>
+        </p:spPr>
+        <p:txBody>
+          <a:bodyPr/>
+          <a:lstStyle/>
+          <a:p>
+            <a:pPr>
+              <a:spcBef>
+                <a:spcPct val="0"/>
+              </a:spcBef>
+            </a:pPr>
+            <a:r>
+              <a:rPr lang="en-US" altLang="ko-KR" dirty="0"/>
+              <a:t>4. </a:t>
+            </a:r>
+            <a:r>
+              <a:rPr lang="ko-KR" altLang="en-US" dirty="0"/>
+              <a:t>실습하기</a:t>
+            </a:r>
+            <a:r>
+              <a:rPr lang="en-US" altLang="ko-KR" dirty="0"/>
+              <a:t>(2)</a:t>
+            </a:r>
+            <a:r>
+              <a:rPr lang="ko-KR" altLang="en-US" dirty="0"/>
+              <a:t> </a:t>
+            </a:r>
+            <a:endParaRPr lang="en-US" altLang="ko-KR" dirty="0"/>
+          </a:p>
+        </p:txBody>
+      </p:sp>
     </p:spTree>
     <p:extLst>
       <p:ext uri="{BB962C8B-B14F-4D97-AF65-F5344CB8AC3E}">
-        <p14:creationId xmlns:p14="http://schemas.microsoft.com/office/powerpoint/2010/main" val="2171356129"/>
+        <p14:creationId xmlns:p14="http://schemas.microsoft.com/office/powerpoint/2010/main" val="1246202932"/>
       </p:ext>
     </p:extLst>
   </p:cSld>
@@ -4339,933 +4760,269 @@
           <a:chExt cx="0" cy="0"/>
         </a:xfrm>
       </p:grpSpPr>
-      <p:sp>
-        <p:nvSpPr>
-          <p:cNvPr id="7" name="직사각형 6"/>
+      <p:pic>
+        <p:nvPicPr>
+          <p:cNvPr id="2" name="그림 1"/>
+          <p:cNvPicPr>
+            <a:picLocks noChangeAspect="1"/>
+          </p:cNvPicPr>
+          <p:nvPr/>
+        </p:nvPicPr>
+        <p:blipFill>
+          <a:blip r:embed="rId2"/>
+          <a:stretch>
+            <a:fillRect/>
+          </a:stretch>
+        </p:blipFill>
+        <p:spPr>
+          <a:xfrm>
+            <a:off x="2244090" y="2002155"/>
+            <a:ext cx="6134100" cy="3067050"/>
+          </a:xfrm>
+          <a:prstGeom prst="rect">
+            <a:avLst/>
+          </a:prstGeom>
+        </p:spPr>
+      </p:pic>
+      <p:sp>
+        <p:nvSpPr>
+          <p:cNvPr id="3" name="직사각형 2"/>
           <p:cNvSpPr/>
           <p:nvPr/>
         </p:nvSpPr>
-        <p:spPr bwMode="auto">
-          <a:xfrm>
-            <a:off x="1696632" y="1077059"/>
-            <a:ext cx="9061444" cy="5076944"/>
-          </a:xfrm>
-          <a:prstGeom prst="rect">
-            <a:avLst/>
-          </a:prstGeom>
-          <a:solidFill>
-            <a:schemeClr val="bg1"/>
-          </a:solidFill>
-          <a:ln w="12700" cap="flat" cmpd="sng" algn="ctr">
-            <a:solidFill>
-              <a:schemeClr val="tx1"/>
-            </a:solidFill>
-            <a:prstDash val="solid"/>
-            <a:round/>
-            <a:headEnd type="none" w="med" len="med"/>
-            <a:tailEnd type="none" w="med" len="med"/>
-          </a:ln>
-          <a:effectLst>
-            <a:outerShdw blurRad="50800" dist="38100" algn="l" rotWithShape="0">
-              <a:prstClr val="black">
-                <a:alpha val="40000"/>
-              </a:prstClr>
-            </a:outerShdw>
-          </a:effectLst>
-        </p:spPr>
-        <p:txBody>
-          <a:bodyPr vert="horz" wrap="square" lIns="90000" tIns="46800" rIns="90000" bIns="46800" numCol="1" rtlCol="0" anchor="t" anchorCtr="0" compatLnSpc="1">
-            <a:prstTxWarp prst="textNoShape">
-              <a:avLst/>
-            </a:prstTxWarp>
-            <a:noAutofit/>
+        <p:spPr>
+          <a:xfrm>
+            <a:off x="586740" y="278815"/>
+            <a:ext cx="6096000" cy="646331"/>
+          </a:xfrm>
+          <a:prstGeom prst="rect">
+            <a:avLst/>
+          </a:prstGeom>
+        </p:spPr>
+        <p:txBody>
+          <a:bodyPr>
+            <a:spAutoFit/>
           </a:bodyPr>
           <a:lstStyle/>
           <a:p>
-            <a:pPr eaLnBrk="0" fontAlgn="base" hangingPunct="0">
-              <a:spcBef>
-                <a:spcPct val="20000"/>
-              </a:spcBef>
-              <a:spcAft>
-                <a:spcPct val="0"/>
-              </a:spcAft>
-              <a:buClr>
-                <a:srgbClr val="5F5F5F"/>
-              </a:buClr>
-              <a:defRPr/>
-            </a:pPr>
-            <a:endParaRPr lang="en-US" altLang="ko-KR" sz="1600" b="1" dirty="0">
-              <a:solidFill>
-                <a:srgbClr val="221F1F"/>
-              </a:solidFill>
-              <a:latin typeface="맑은 고딕" pitchFamily="50" charset="-127"/>
-              <a:ea typeface="맑은 고딕" pitchFamily="50" charset="-127"/>
-            </a:endParaRPr>
-          </a:p>
-          <a:p>
-            <a:pPr eaLnBrk="0" fontAlgn="base" hangingPunct="0">
-              <a:spcBef>
-                <a:spcPct val="20000"/>
-              </a:spcBef>
-              <a:spcAft>
-                <a:spcPct val="0"/>
-              </a:spcAft>
-              <a:buClr>
-                <a:srgbClr val="5F5F5F"/>
-              </a:buClr>
-              <a:defRPr/>
-            </a:pPr>
-            <a:r>
-              <a:rPr lang="en-US" altLang="ko-KR" sz="1600" b="1" dirty="0">
-                <a:solidFill>
-                  <a:srgbClr val="221F1F"/>
-                </a:solidFill>
-                <a:latin typeface="맑은 고딕" pitchFamily="50" charset="-127"/>
-                <a:ea typeface="맑은 고딕" pitchFamily="50" charset="-127"/>
-              </a:rPr>
-              <a:t>1) Windows PC</a:t>
-            </a:r>
-            <a:r>
-              <a:rPr lang="ko-KR" altLang="en-US" sz="1600" b="1" dirty="0">
-                <a:solidFill>
-                  <a:srgbClr val="221F1F"/>
-                </a:solidFill>
-                <a:latin typeface="맑은 고딕" pitchFamily="50" charset="-127"/>
-                <a:ea typeface="맑은 고딕" pitchFamily="50" charset="-127"/>
-              </a:rPr>
-              <a:t>에서 네트워크 설정 실습</a:t>
-            </a:r>
-          </a:p>
-          <a:p>
-            <a:pPr eaLnBrk="0" fontAlgn="base" hangingPunct="0">
-              <a:spcBef>
-                <a:spcPct val="20000"/>
-              </a:spcBef>
-              <a:spcAft>
-                <a:spcPct val="0"/>
-              </a:spcAft>
-              <a:buClr>
-                <a:srgbClr val="5F5F5F"/>
-              </a:buClr>
-              <a:defRPr/>
-            </a:pPr>
-            <a:r>
-              <a:rPr lang="ko-KR" altLang="en-US" sz="1600" b="1" dirty="0">
-                <a:solidFill>
-                  <a:srgbClr val="221F1F"/>
-                </a:solidFill>
-                <a:latin typeface="맑은 고딕" pitchFamily="50" charset="-127"/>
-                <a:ea typeface="맑은 고딕" pitchFamily="50" charset="-127"/>
-              </a:rPr>
-              <a:t>①네트워크 </a:t>
-            </a:r>
-            <a:r>
-              <a:rPr lang="en-US" altLang="ko-KR" sz="1600" b="1" dirty="0">
-                <a:solidFill>
-                  <a:srgbClr val="221F1F"/>
-                </a:solidFill>
-                <a:latin typeface="맑은 고딕" pitchFamily="50" charset="-127"/>
-                <a:ea typeface="맑은 고딕" pitchFamily="50" charset="-127"/>
-              </a:rPr>
-              <a:t>IP</a:t>
-            </a:r>
-            <a:r>
-              <a:rPr lang="ko-KR" altLang="en-US" sz="1600" b="1" dirty="0">
-                <a:solidFill>
-                  <a:srgbClr val="221F1F"/>
-                </a:solidFill>
-                <a:latin typeface="맑은 고딕" pitchFamily="50" charset="-127"/>
-                <a:ea typeface="맑은 고딕" pitchFamily="50" charset="-127"/>
-              </a:rPr>
-              <a:t>설정부분 </a:t>
-            </a:r>
-            <a:r>
-              <a:rPr lang="en-US" altLang="ko-KR" sz="1600" b="1" dirty="0">
-                <a:solidFill>
-                  <a:srgbClr val="221F1F"/>
-                </a:solidFill>
-                <a:latin typeface="맑은 고딕" pitchFamily="50" charset="-127"/>
-                <a:ea typeface="맑은 고딕" pitchFamily="50" charset="-127"/>
-              </a:rPr>
-              <a:t>(IP</a:t>
-            </a:r>
-            <a:r>
-              <a:rPr lang="ko-KR" altLang="en-US" sz="1600" b="1" dirty="0">
-                <a:solidFill>
-                  <a:srgbClr val="221F1F"/>
-                </a:solidFill>
-                <a:latin typeface="맑은 고딕" pitchFamily="50" charset="-127"/>
-                <a:ea typeface="맑은 고딕" pitchFamily="50" charset="-127"/>
-              </a:rPr>
-              <a:t>주소</a:t>
-            </a:r>
-            <a:r>
-              <a:rPr lang="en-US" altLang="ko-KR" sz="1600" b="1" dirty="0">
-                <a:solidFill>
-                  <a:srgbClr val="221F1F"/>
-                </a:solidFill>
-                <a:latin typeface="맑은 고딕" pitchFamily="50" charset="-127"/>
-                <a:ea typeface="맑은 고딕" pitchFamily="50" charset="-127"/>
-              </a:rPr>
-              <a:t>, </a:t>
-            </a:r>
-            <a:r>
-              <a:rPr lang="ko-KR" altLang="en-US" sz="1600" b="1" dirty="0" err="1">
-                <a:solidFill>
-                  <a:srgbClr val="221F1F"/>
-                </a:solidFill>
-                <a:latin typeface="맑은 고딕" pitchFamily="50" charset="-127"/>
-                <a:ea typeface="맑은 고딕" pitchFamily="50" charset="-127"/>
-              </a:rPr>
-              <a:t>넷마스크</a:t>
-            </a:r>
-            <a:r>
-              <a:rPr lang="en-US" altLang="ko-KR" sz="1600" b="1" dirty="0">
-                <a:solidFill>
-                  <a:srgbClr val="221F1F"/>
-                </a:solidFill>
-                <a:latin typeface="맑은 고딕" pitchFamily="50" charset="-127"/>
-                <a:ea typeface="맑은 고딕" pitchFamily="50" charset="-127"/>
-              </a:rPr>
-              <a:t>, </a:t>
-            </a:r>
-            <a:r>
-              <a:rPr lang="ko-KR" altLang="en-US" sz="1600" b="1" dirty="0">
-                <a:solidFill>
-                  <a:srgbClr val="221F1F"/>
-                </a:solidFill>
-                <a:latin typeface="맑은 고딕" pitchFamily="50" charset="-127"/>
-                <a:ea typeface="맑은 고딕" pitchFamily="50" charset="-127"/>
-              </a:rPr>
-              <a:t>디폴트 </a:t>
-            </a:r>
-            <a:r>
-              <a:rPr lang="ko-KR" altLang="en-US" sz="1600" b="1" dirty="0" err="1">
-                <a:solidFill>
-                  <a:srgbClr val="221F1F"/>
-                </a:solidFill>
-                <a:latin typeface="맑은 고딕" pitchFamily="50" charset="-127"/>
-                <a:ea typeface="맑은 고딕" pitchFamily="50" charset="-127"/>
-              </a:rPr>
-              <a:t>게이트</a:t>
-            </a:r>
-            <a:r>
-              <a:rPr lang="ko-KR" altLang="en-US" sz="1600" b="1" dirty="0">
-                <a:solidFill>
-                  <a:srgbClr val="221F1F"/>
-                </a:solidFill>
-                <a:latin typeface="맑은 고딕" pitchFamily="50" charset="-127"/>
-                <a:ea typeface="맑은 고딕" pitchFamily="50" charset="-127"/>
-              </a:rPr>
+            <a:r>
+              <a:rPr lang="en-US" altLang="ko-KR" dirty="0"/>
+              <a:t>3)</a:t>
+            </a:r>
+            <a:r>
+              <a:rPr lang="en-US" altLang="ko-KR" dirty="0" err="1"/>
+              <a:t>ifconfig</a:t>
+            </a:r>
+            <a:r>
+              <a:rPr lang="en-US" altLang="ko-KR" dirty="0"/>
               <a:t> </a:t>
             </a:r>
             <a:r>
-              <a:rPr lang="ko-KR" altLang="en-US" sz="1600" b="1" dirty="0" err="1">
-                <a:solidFill>
-                  <a:srgbClr val="221F1F"/>
-                </a:solidFill>
-                <a:latin typeface="맑은 고딕" pitchFamily="50" charset="-127"/>
-                <a:ea typeface="맑은 고딕" pitchFamily="50" charset="-127"/>
-              </a:rPr>
-              <a:t>웨이</a:t>
-            </a:r>
-            <a:r>
-              <a:rPr lang="en-US" altLang="ko-KR" sz="1600" b="1" dirty="0">
-                <a:solidFill>
-                  <a:srgbClr val="221F1F"/>
-                </a:solidFill>
-                <a:latin typeface="맑은 고딕" pitchFamily="50" charset="-127"/>
-                <a:ea typeface="맑은 고딕" pitchFamily="50" charset="-127"/>
-              </a:rPr>
-              <a:t>, DNS</a:t>
-            </a:r>
-            <a:r>
-              <a:rPr lang="ko-KR" altLang="en-US" sz="1600" b="1" dirty="0">
-                <a:solidFill>
-                  <a:srgbClr val="221F1F"/>
-                </a:solidFill>
-                <a:latin typeface="맑은 고딕" pitchFamily="50" charset="-127"/>
-                <a:ea typeface="맑은 고딕" pitchFamily="50" charset="-127"/>
-              </a:rPr>
-              <a:t>설정</a:t>
-            </a:r>
-            <a:r>
-              <a:rPr lang="en-US" altLang="ko-KR" sz="1600" b="1" dirty="0">
-                <a:solidFill>
-                  <a:srgbClr val="221F1F"/>
-                </a:solidFill>
-                <a:latin typeface="맑은 고딕" pitchFamily="50" charset="-127"/>
-                <a:ea typeface="맑은 고딕" pitchFamily="50" charset="-127"/>
-              </a:rPr>
-              <a:t>)</a:t>
-            </a:r>
-            <a:r>
-              <a:rPr lang="ko-KR" altLang="en-US" sz="1600" b="1" dirty="0">
-                <a:solidFill>
-                  <a:srgbClr val="221F1F"/>
-                </a:solidFill>
-                <a:latin typeface="맑은 고딕" pitchFamily="50" charset="-127"/>
-                <a:ea typeface="맑은 고딕" pitchFamily="50" charset="-127"/>
-              </a:rPr>
-              <a:t>이 </a:t>
-            </a:r>
-          </a:p>
-          <a:p>
-            <a:pPr eaLnBrk="0" fontAlgn="base" hangingPunct="0">
-              <a:spcBef>
-                <a:spcPct val="20000"/>
-              </a:spcBef>
-              <a:spcAft>
-                <a:spcPct val="0"/>
-              </a:spcAft>
-              <a:buClr>
-                <a:srgbClr val="5F5F5F"/>
-              </a:buClr>
-              <a:defRPr/>
-            </a:pPr>
-            <a:r>
-              <a:rPr lang="ko-KR" altLang="en-US" sz="1600" b="1" dirty="0">
-                <a:solidFill>
-                  <a:srgbClr val="221F1F"/>
-                </a:solidFill>
-                <a:latin typeface="맑은 고딕" pitchFamily="50" charset="-127"/>
-                <a:ea typeface="맑은 고딕" pitchFamily="50" charset="-127"/>
-              </a:rPr>
-              <a:t>어떤 역할을 하는지 파악 </a:t>
-            </a:r>
-          </a:p>
-          <a:p>
-            <a:pPr eaLnBrk="0" fontAlgn="base" hangingPunct="0">
-              <a:spcBef>
-                <a:spcPct val="20000"/>
-              </a:spcBef>
-              <a:spcAft>
-                <a:spcPct val="0"/>
-              </a:spcAft>
-              <a:buClr>
-                <a:srgbClr val="5F5F5F"/>
-              </a:buClr>
-              <a:defRPr/>
-            </a:pPr>
-            <a:r>
-              <a:rPr lang="ko-KR" altLang="en-US" sz="1600" b="1" dirty="0">
-                <a:solidFill>
-                  <a:srgbClr val="221F1F"/>
-                </a:solidFill>
-                <a:latin typeface="맑은 고딕" pitchFamily="50" charset="-127"/>
-                <a:ea typeface="맑은 고딕" pitchFamily="50" charset="-127"/>
-              </a:rPr>
-              <a:t>② </a:t>
-            </a:r>
-            <a:r>
-              <a:rPr lang="en-US" altLang="ko-KR" sz="1600" b="1" dirty="0">
-                <a:solidFill>
-                  <a:srgbClr val="221F1F"/>
-                </a:solidFill>
-                <a:latin typeface="맑은 고딕" pitchFamily="50" charset="-127"/>
-                <a:ea typeface="맑은 고딕" pitchFamily="50" charset="-127"/>
-              </a:rPr>
-              <a:t>Static</a:t>
-            </a:r>
-            <a:r>
-              <a:rPr lang="ko-KR" altLang="en-US" sz="1600" b="1" dirty="0">
-                <a:solidFill>
-                  <a:srgbClr val="221F1F"/>
-                </a:solidFill>
-                <a:latin typeface="맑은 고딕" pitchFamily="50" charset="-127"/>
-                <a:ea typeface="맑은 고딕" pitchFamily="50" charset="-127"/>
-              </a:rPr>
-              <a:t>방식과 </a:t>
-            </a:r>
-            <a:r>
-              <a:rPr lang="en-US" altLang="ko-KR" sz="1600" b="1" dirty="0">
-                <a:solidFill>
-                  <a:srgbClr val="221F1F"/>
-                </a:solidFill>
-                <a:latin typeface="맑은 고딕" pitchFamily="50" charset="-127"/>
-                <a:ea typeface="맑은 고딕" pitchFamily="50" charset="-127"/>
-              </a:rPr>
-              <a:t>DHCP</a:t>
-            </a:r>
-            <a:r>
-              <a:rPr lang="ko-KR" altLang="en-US" sz="1600" b="1" dirty="0">
-                <a:solidFill>
-                  <a:srgbClr val="221F1F"/>
-                </a:solidFill>
-                <a:latin typeface="맑은 고딕" pitchFamily="50" charset="-127"/>
-                <a:ea typeface="맑은 고딕" pitchFamily="50" charset="-127"/>
-              </a:rPr>
-              <a:t>방식을 설정</a:t>
-            </a:r>
-            <a:r>
-              <a:rPr lang="en-US" altLang="ko-KR" sz="1600" b="1" dirty="0">
-                <a:solidFill>
-                  <a:srgbClr val="221F1F"/>
-                </a:solidFill>
-                <a:latin typeface="맑은 고딕" pitchFamily="50" charset="-127"/>
-                <a:ea typeface="맑은 고딕" pitchFamily="50" charset="-127"/>
-              </a:rPr>
-              <a:t>.</a:t>
-            </a:r>
-            <a:endParaRPr lang="ko-KR" altLang="en-US" sz="1600" b="1" dirty="0">
-              <a:solidFill>
-                <a:srgbClr val="221F1F"/>
-              </a:solidFill>
-              <a:latin typeface="맑은 고딕" pitchFamily="50" charset="-127"/>
-              <a:ea typeface="맑은 고딕" pitchFamily="50" charset="-127"/>
-            </a:endParaRPr>
-          </a:p>
-          <a:p>
-            <a:pPr eaLnBrk="0" fontAlgn="base" hangingPunct="0">
-              <a:spcBef>
-                <a:spcPct val="20000"/>
-              </a:spcBef>
-              <a:spcAft>
-                <a:spcPct val="0"/>
-              </a:spcAft>
-              <a:buClr>
-                <a:srgbClr val="5F5F5F"/>
-              </a:buClr>
-              <a:defRPr/>
-            </a:pPr>
-            <a:r>
-              <a:rPr lang="ko-KR" altLang="en-US" sz="1600" b="1" dirty="0">
-                <a:solidFill>
-                  <a:srgbClr val="221F1F"/>
-                </a:solidFill>
-                <a:latin typeface="맑은 고딕" pitchFamily="50" charset="-127"/>
-                <a:ea typeface="맑은 고딕" pitchFamily="50" charset="-127"/>
-              </a:rPr>
-              <a:t>③ </a:t>
-            </a:r>
-            <a:r>
-              <a:rPr lang="en-US" altLang="ko-KR" sz="1600" b="1" dirty="0" err="1">
-                <a:solidFill>
-                  <a:srgbClr val="221F1F"/>
-                </a:solidFill>
-                <a:latin typeface="맑은 고딕" pitchFamily="50" charset="-127"/>
-                <a:ea typeface="맑은 고딕" pitchFamily="50" charset="-127"/>
-              </a:rPr>
-              <a:t>cmd</a:t>
-            </a:r>
-            <a:r>
-              <a:rPr lang="ko-KR" altLang="en-US" sz="1600" b="1" dirty="0">
-                <a:solidFill>
-                  <a:srgbClr val="221F1F"/>
-                </a:solidFill>
-                <a:latin typeface="맑은 고딕" pitchFamily="50" charset="-127"/>
-                <a:ea typeface="맑은 고딕" pitchFamily="50" charset="-127"/>
-              </a:rPr>
-              <a:t>창에서 </a:t>
-            </a:r>
-            <a:r>
-              <a:rPr lang="en-US" altLang="ko-KR" sz="1600" b="1" dirty="0">
-                <a:solidFill>
-                  <a:srgbClr val="221F1F"/>
-                </a:solidFill>
-                <a:latin typeface="맑은 고딕" pitchFamily="50" charset="-127"/>
-                <a:ea typeface="맑은 고딕" pitchFamily="50" charset="-127"/>
-              </a:rPr>
-              <a:t>ping </a:t>
-            </a:r>
-            <a:r>
-              <a:rPr lang="en-US" altLang="ko-KR" sz="1600" b="1" u="sng" dirty="0">
-                <a:solidFill>
-                  <a:srgbClr val="221F1F"/>
-                </a:solidFill>
-                <a:latin typeface="맑은 고딕" pitchFamily="50" charset="-127"/>
-                <a:ea typeface="맑은 고딕" pitchFamily="50" charset="-127"/>
-                <a:hlinkClick r:id="rId2"/>
-              </a:rPr>
-              <a:t>www</a:t>
-            </a:r>
-            <a:r>
-              <a:rPr lang="en-US" altLang="ko-KR" sz="1600" b="1" dirty="0">
-                <a:solidFill>
-                  <a:srgbClr val="221F1F"/>
-                </a:solidFill>
-                <a:latin typeface="맑은 고딕" pitchFamily="50" charset="-127"/>
-                <a:ea typeface="맑은 고딕" pitchFamily="50" charset="-127"/>
-                <a:hlinkClick r:id="rId2"/>
-              </a:rPr>
-              <a:t>.kopo.ac.kr</a:t>
-            </a:r>
-            <a:r>
-              <a:rPr lang="ko-KR" altLang="en-US" sz="1600" b="1" dirty="0">
-                <a:solidFill>
-                  <a:srgbClr val="221F1F"/>
-                </a:solidFill>
-                <a:latin typeface="맑은 고딕" pitchFamily="50" charset="-127"/>
-                <a:ea typeface="맑은 고딕" pitchFamily="50" charset="-127"/>
-              </a:rPr>
-              <a:t>명령</a:t>
-            </a:r>
-            <a:endParaRPr lang="en-US" altLang="ko-KR" sz="1600" b="1" dirty="0">
-              <a:solidFill>
-                <a:srgbClr val="221F1F"/>
-              </a:solidFill>
-              <a:latin typeface="맑은 고딕" pitchFamily="50" charset="-127"/>
-              <a:ea typeface="맑은 고딕" pitchFamily="50" charset="-127"/>
-            </a:endParaRPr>
-          </a:p>
-          <a:p>
-            <a:pPr eaLnBrk="0" fontAlgn="base" hangingPunct="0">
-              <a:spcBef>
-                <a:spcPct val="20000"/>
-              </a:spcBef>
-              <a:spcAft>
-                <a:spcPct val="0"/>
-              </a:spcAft>
-              <a:buClr>
-                <a:srgbClr val="5F5F5F"/>
-              </a:buClr>
-              <a:defRPr/>
-            </a:pPr>
-            <a:endParaRPr lang="ko-KR" altLang="en-US" sz="1600" b="1" dirty="0">
-              <a:solidFill>
-                <a:srgbClr val="221F1F"/>
-              </a:solidFill>
-              <a:latin typeface="맑은 고딕" pitchFamily="50" charset="-127"/>
-              <a:ea typeface="맑은 고딕" pitchFamily="50" charset="-127"/>
-            </a:endParaRPr>
-          </a:p>
-          <a:p>
-            <a:pPr eaLnBrk="0" fontAlgn="base" hangingPunct="0">
-              <a:spcBef>
-                <a:spcPct val="20000"/>
-              </a:spcBef>
-              <a:spcAft>
-                <a:spcPct val="0"/>
-              </a:spcAft>
-              <a:buClr>
-                <a:srgbClr val="5F5F5F"/>
-              </a:buClr>
-              <a:defRPr/>
-            </a:pPr>
-            <a:r>
-              <a:rPr lang="en-US" altLang="ko-KR" sz="1600" b="1" dirty="0">
-                <a:solidFill>
-                  <a:srgbClr val="221F1F"/>
-                </a:solidFill>
-                <a:latin typeface="맑은 고딕" pitchFamily="50" charset="-127"/>
-                <a:ea typeface="맑은 고딕" pitchFamily="50" charset="-127"/>
-              </a:rPr>
-              <a:t>2) </a:t>
-            </a:r>
-            <a:r>
-              <a:rPr lang="ko-KR" altLang="en-US" sz="1600" b="1" dirty="0" err="1">
-                <a:solidFill>
-                  <a:srgbClr val="221F1F"/>
-                </a:solidFill>
-                <a:latin typeface="맑은 고딕" pitchFamily="50" charset="-127"/>
-                <a:ea typeface="맑은 고딕" pitchFamily="50" charset="-127"/>
-              </a:rPr>
-              <a:t>리눅스</a:t>
-            </a:r>
-            <a:r>
-              <a:rPr lang="ko-KR" altLang="en-US" sz="1600" b="1" dirty="0">
-                <a:solidFill>
-                  <a:srgbClr val="221F1F"/>
-                </a:solidFill>
-                <a:latin typeface="맑은 고딕" pitchFamily="50" charset="-127"/>
-                <a:ea typeface="맑은 고딕" pitchFamily="50" charset="-127"/>
-              </a:rPr>
-              <a:t> 서버에서 네트워크 설정 실습 </a:t>
-            </a:r>
-          </a:p>
-          <a:p>
-            <a:pPr eaLnBrk="0" fontAlgn="base" hangingPunct="0">
-              <a:spcBef>
-                <a:spcPct val="20000"/>
-              </a:spcBef>
-              <a:spcAft>
-                <a:spcPct val="0"/>
-              </a:spcAft>
-              <a:buClr>
-                <a:srgbClr val="5F5F5F"/>
-              </a:buClr>
-              <a:defRPr/>
-            </a:pPr>
-            <a:r>
-              <a:rPr lang="ko-KR" altLang="en-US" sz="1600" b="1" dirty="0">
-                <a:solidFill>
-                  <a:srgbClr val="221F1F"/>
-                </a:solidFill>
-                <a:latin typeface="맑은 고딕" pitchFamily="50" charset="-127"/>
-                <a:ea typeface="맑은 고딕" pitchFamily="50" charset="-127"/>
-              </a:rPr>
+              <a:rPr lang="ko-KR" altLang="en-US" dirty="0"/>
+              <a:t>명령어 실습</a:t>
+            </a:r>
+          </a:p>
+          <a:p>
+            <a:r>
+              <a:rPr lang="ko-KR" altLang="en-US" dirty="0"/>
               <a:t>① </a:t>
             </a:r>
             <a:r>
-              <a:rPr lang="en-US" altLang="ko-KR" sz="1600" b="1" dirty="0">
-                <a:solidFill>
-                  <a:srgbClr val="221F1F"/>
-                </a:solidFill>
-                <a:latin typeface="맑은 고딕" pitchFamily="50" charset="-127"/>
-                <a:ea typeface="맑은 고딕" pitchFamily="50" charset="-127"/>
-              </a:rPr>
-              <a:t>Static</a:t>
-            </a:r>
-            <a:r>
-              <a:rPr lang="ko-KR" altLang="en-US" sz="1600" b="1" dirty="0">
-                <a:solidFill>
-                  <a:srgbClr val="221F1F"/>
-                </a:solidFill>
-                <a:latin typeface="맑은 고딕" pitchFamily="50" charset="-127"/>
-                <a:ea typeface="맑은 고딕" pitchFamily="50" charset="-127"/>
-              </a:rPr>
-              <a:t>방식 </a:t>
-            </a:r>
-            <a:r>
-              <a:rPr lang="en-US" altLang="ko-KR" sz="1600" b="1" dirty="0">
-                <a:solidFill>
-                  <a:srgbClr val="221F1F"/>
-                </a:solidFill>
-                <a:latin typeface="맑은 고딕" pitchFamily="50" charset="-127"/>
-                <a:ea typeface="맑은 고딕" pitchFamily="50" charset="-127"/>
-              </a:rPr>
-              <a:t>IP</a:t>
-            </a:r>
-            <a:r>
-              <a:rPr lang="ko-KR" altLang="en-US" sz="1600" b="1" dirty="0">
-                <a:solidFill>
-                  <a:srgbClr val="221F1F"/>
-                </a:solidFill>
-                <a:latin typeface="맑은 고딕" pitchFamily="50" charset="-127"/>
-                <a:ea typeface="맑은 고딕" pitchFamily="50" charset="-127"/>
-              </a:rPr>
-              <a:t>주소 설정</a:t>
-            </a:r>
-          </a:p>
-          <a:p>
-            <a:pPr eaLnBrk="0" fontAlgn="base" hangingPunct="0">
-              <a:spcBef>
-                <a:spcPct val="20000"/>
-              </a:spcBef>
-              <a:spcAft>
-                <a:spcPct val="0"/>
-              </a:spcAft>
-              <a:buClr>
-                <a:srgbClr val="5F5F5F"/>
-              </a:buClr>
-              <a:defRPr/>
-            </a:pPr>
-            <a:r>
-              <a:rPr lang="ko-KR" altLang="en-US" sz="1600" b="1" dirty="0">
-                <a:solidFill>
-                  <a:srgbClr val="221F1F"/>
-                </a:solidFill>
-                <a:latin typeface="맑은 고딕" pitchFamily="50" charset="-127"/>
-                <a:ea typeface="맑은 고딕" pitchFamily="50" charset="-127"/>
-              </a:rPr>
-              <a:t>② </a:t>
-            </a:r>
-            <a:r>
-              <a:rPr lang="en-US" altLang="ko-KR" sz="1600" b="1" dirty="0">
-                <a:solidFill>
-                  <a:srgbClr val="221F1F"/>
-                </a:solidFill>
-                <a:latin typeface="맑은 고딕" pitchFamily="50" charset="-127"/>
-                <a:ea typeface="맑은 고딕" pitchFamily="50" charset="-127"/>
-              </a:rPr>
-              <a:t>DHCP</a:t>
-            </a:r>
-            <a:r>
-              <a:rPr lang="ko-KR" altLang="en-US" sz="1600" b="1" dirty="0">
-                <a:solidFill>
-                  <a:srgbClr val="221F1F"/>
-                </a:solidFill>
-                <a:latin typeface="맑은 고딕" pitchFamily="50" charset="-127"/>
-                <a:ea typeface="맑은 고딕" pitchFamily="50" charset="-127"/>
-              </a:rPr>
-              <a:t>방식 </a:t>
-            </a:r>
-            <a:r>
-              <a:rPr lang="en-US" altLang="ko-KR" sz="1600" b="1" dirty="0">
-                <a:solidFill>
-                  <a:srgbClr val="221F1F"/>
-                </a:solidFill>
-                <a:latin typeface="맑은 고딕" pitchFamily="50" charset="-127"/>
-                <a:ea typeface="맑은 고딕" pitchFamily="50" charset="-127"/>
-              </a:rPr>
-              <a:t>IP</a:t>
-            </a:r>
-            <a:r>
-              <a:rPr lang="ko-KR" altLang="en-US" sz="1600" b="1" dirty="0">
-                <a:solidFill>
-                  <a:srgbClr val="221F1F"/>
-                </a:solidFill>
-                <a:latin typeface="맑은 고딕" pitchFamily="50" charset="-127"/>
-                <a:ea typeface="맑은 고딕" pitchFamily="50" charset="-127"/>
-              </a:rPr>
-              <a:t>주소 설정</a:t>
-            </a:r>
-          </a:p>
-          <a:p>
-            <a:pPr eaLnBrk="0" fontAlgn="base" hangingPunct="0">
-              <a:spcBef>
-                <a:spcPct val="20000"/>
-              </a:spcBef>
-              <a:spcAft>
-                <a:spcPct val="0"/>
-              </a:spcAft>
-              <a:buClr>
-                <a:srgbClr val="5F5F5F"/>
-              </a:buClr>
-              <a:defRPr/>
-            </a:pPr>
-            <a:r>
-              <a:rPr lang="ko-KR" altLang="en-US" sz="1600" b="1" dirty="0">
-                <a:solidFill>
-                  <a:srgbClr val="221F1F"/>
-                </a:solidFill>
-                <a:latin typeface="맑은 고딕" pitchFamily="50" charset="-127"/>
-                <a:ea typeface="맑은 고딕" pitchFamily="50" charset="-127"/>
-              </a:rPr>
-              <a:t>③ </a:t>
-            </a:r>
-            <a:r>
-              <a:rPr lang="en-US" altLang="ko-KR" sz="1600" b="1" dirty="0">
-                <a:solidFill>
-                  <a:srgbClr val="221F1F"/>
-                </a:solidFill>
-                <a:latin typeface="맑은 고딕" pitchFamily="50" charset="-127"/>
-                <a:ea typeface="맑은 고딕" pitchFamily="50" charset="-127"/>
-              </a:rPr>
-              <a:t>Virtual Box</a:t>
-            </a:r>
-            <a:r>
-              <a:rPr lang="ko-KR" altLang="en-US" sz="1600" b="1" dirty="0">
-                <a:solidFill>
-                  <a:srgbClr val="221F1F"/>
-                </a:solidFill>
-                <a:latin typeface="맑은 고딕" pitchFamily="50" charset="-127"/>
-                <a:ea typeface="맑은 고딕" pitchFamily="50" charset="-127"/>
-              </a:rPr>
-              <a:t>등 </a:t>
-            </a:r>
-            <a:r>
-              <a:rPr lang="ko-KR" altLang="en-US" sz="1600" b="1" dirty="0" err="1">
-                <a:solidFill>
-                  <a:srgbClr val="221F1F"/>
-                </a:solidFill>
-                <a:latin typeface="맑은 고딕" pitchFamily="50" charset="-127"/>
-                <a:ea typeface="맑은 고딕" pitchFamily="50" charset="-127"/>
-              </a:rPr>
-              <a:t>버추얼</a:t>
-            </a:r>
-            <a:r>
-              <a:rPr lang="ko-KR" altLang="en-US" sz="1600" b="1" dirty="0">
-                <a:solidFill>
-                  <a:srgbClr val="221F1F"/>
-                </a:solidFill>
-                <a:latin typeface="맑은 고딕" pitchFamily="50" charset="-127"/>
-                <a:ea typeface="맑은 고딕" pitchFamily="50" charset="-127"/>
-              </a:rPr>
-              <a:t> </a:t>
-            </a:r>
-            <a:r>
-              <a:rPr lang="ko-KR" altLang="en-US" sz="1600" b="1" dirty="0" err="1">
-                <a:solidFill>
-                  <a:srgbClr val="221F1F"/>
-                </a:solidFill>
-                <a:latin typeface="맑은 고딕" pitchFamily="50" charset="-127"/>
-                <a:ea typeface="맑은 고딕" pitchFamily="50" charset="-127"/>
-              </a:rPr>
-              <a:t>머신에서</a:t>
-            </a:r>
-            <a:r>
-              <a:rPr lang="ko-KR" altLang="en-US" sz="1600" b="1" dirty="0">
-                <a:solidFill>
-                  <a:srgbClr val="221F1F"/>
-                </a:solidFill>
-                <a:latin typeface="맑은 고딕" pitchFamily="50" charset="-127"/>
-                <a:ea typeface="맑은 고딕" pitchFamily="50" charset="-127"/>
-              </a:rPr>
-              <a:t> </a:t>
-            </a:r>
-            <a:r>
-              <a:rPr lang="en-US" altLang="ko-KR" sz="1600" b="1" dirty="0">
-                <a:solidFill>
-                  <a:srgbClr val="221F1F"/>
-                </a:solidFill>
-                <a:latin typeface="맑은 고딕" pitchFamily="50" charset="-127"/>
-                <a:ea typeface="맑은 고딕" pitchFamily="50" charset="-127"/>
-              </a:rPr>
-              <a:t>IP</a:t>
-            </a:r>
-            <a:r>
-              <a:rPr lang="ko-KR" altLang="en-US" sz="1600" b="1" dirty="0">
-                <a:solidFill>
-                  <a:srgbClr val="221F1F"/>
-                </a:solidFill>
-                <a:latin typeface="맑은 고딕" pitchFamily="50" charset="-127"/>
-                <a:ea typeface="맑은 고딕" pitchFamily="50" charset="-127"/>
-              </a:rPr>
-              <a:t>주소 설정</a:t>
-            </a:r>
-          </a:p>
-        </p:txBody>
-      </p:sp>
-      <p:sp>
-        <p:nvSpPr>
-          <p:cNvPr id="6179" name="슬라이드 번호 개체 틀 13"/>
-          <p:cNvSpPr txBox="1">
-            <a:spLocks noGrp="1"/>
-          </p:cNvSpPr>
-          <p:nvPr/>
-        </p:nvSpPr>
-        <p:spPr bwMode="auto">
-          <a:xfrm>
-            <a:off x="5808663" y="6538913"/>
-            <a:ext cx="557212" cy="304800"/>
+              <a:rPr lang="en-US" altLang="ko-KR" dirty="0" err="1"/>
+              <a:t>ifconfig</a:t>
+            </a:r>
+            <a:r>
+              <a:rPr lang="en-US" altLang="ko-KR" dirty="0"/>
+              <a:t> –a </a:t>
+            </a:r>
+            <a:endParaRPr lang="ko-KR" altLang="en-US" dirty="0"/>
+          </a:p>
+        </p:txBody>
+      </p:sp>
+      <p:sp>
+        <p:nvSpPr>
+          <p:cNvPr id="4" name="직사각형 3"/>
+          <p:cNvSpPr/>
+          <p:nvPr/>
+        </p:nvSpPr>
+        <p:spPr>
+          <a:xfrm>
+            <a:off x="3938561" y="2002155"/>
+            <a:ext cx="1143000" cy="167540"/>
           </a:xfrm>
           <a:prstGeom prst="rect">
             <a:avLst/>
           </a:prstGeom>
           <a:noFill/>
           <a:ln>
-            <a:miter lim="800000"/>
-            <a:headEnd/>
-            <a:tailEnd/>
+            <a:solidFill>
+              <a:srgbClr val="FF0000"/>
+            </a:solidFill>
           </a:ln>
         </p:spPr>
-        <p:txBody>
-          <a:bodyPr anchor="ctr"/>
-          <a:lstStyle/>
-          <a:p>
-            <a:pPr algn="ctr" fontAlgn="base" latinLnBrk="0">
-              <a:spcBef>
-                <a:spcPct val="0"/>
-              </a:spcBef>
-              <a:spcAft>
-                <a:spcPct val="0"/>
-              </a:spcAft>
-              <a:defRPr/>
-            </a:pPr>
-            <a:fld id="{69188C54-76CB-4412-96DE-3B5465248ED9}" type="slidenum">
-              <a:rPr lang="en-US" altLang="ko-KR" sz="1100">
-                <a:solidFill>
-                  <a:srgbClr val="221F1F"/>
-                </a:solidFill>
-                <a:latin typeface="맑은 고딕" pitchFamily="50" charset="-127"/>
-                <a:ea typeface="맑은 고딕" pitchFamily="50" charset="-127"/>
-              </a:rPr>
-              <a:pPr algn="ctr" fontAlgn="base" latinLnBrk="0">
-                <a:spcBef>
-                  <a:spcPct val="0"/>
-                </a:spcBef>
-                <a:spcAft>
-                  <a:spcPct val="0"/>
-                </a:spcAft>
-                <a:defRPr/>
-              </a:pPr>
-              <a:t>13</a:t>
-            </a:fld>
-            <a:endParaRPr lang="en-US" altLang="ko-KR" sz="1100">
-              <a:solidFill>
-                <a:srgbClr val="221F1F"/>
-              </a:solidFill>
-              <a:latin typeface="맑은 고딕" pitchFamily="50" charset="-127"/>
-              <a:ea typeface="맑은 고딕" pitchFamily="50" charset="-127"/>
-            </a:endParaRPr>
-          </a:p>
-        </p:txBody>
-      </p:sp>
-      <p:sp>
-        <p:nvSpPr>
-          <p:cNvPr id="8" name="Rectangle 3"/>
-          <p:cNvSpPr txBox="1">
-            <a:spLocks noChangeArrowheads="1"/>
-          </p:cNvSpPr>
-          <p:nvPr/>
-        </p:nvSpPr>
-        <p:spPr bwMode="auto">
-          <a:xfrm>
-            <a:off x="1811433" y="126768"/>
-            <a:ext cx="5078162" cy="438615"/>
+        <p:style>
+          <a:lnRef idx="2">
+            <a:schemeClr val="accent1">
+              <a:shade val="50000"/>
+            </a:schemeClr>
+          </a:lnRef>
+          <a:fillRef idx="1">
+            <a:schemeClr val="accent1"/>
+          </a:fillRef>
+          <a:effectRef idx="0">
+            <a:schemeClr val="accent1"/>
+          </a:effectRef>
+          <a:fontRef idx="minor">
+            <a:schemeClr val="lt1"/>
+          </a:fontRef>
+        </p:style>
+        <p:txBody>
+          <a:bodyPr rtlCol="0" anchor="ctr"/>
+          <a:lstStyle/>
+          <a:p>
+            <a:pPr algn="ctr"/>
+            <a:endParaRPr lang="ko-KR" altLang="en-US" b="1" dirty="0"/>
+          </a:p>
+        </p:txBody>
+      </p:sp>
+      <p:sp>
+        <p:nvSpPr>
+          <p:cNvPr id="5" name="직사각형 4"/>
+          <p:cNvSpPr/>
+          <p:nvPr/>
+        </p:nvSpPr>
+        <p:spPr>
+          <a:xfrm>
+            <a:off x="2244090" y="2169694"/>
+            <a:ext cx="5528310" cy="1244065"/>
           </a:xfrm>
           <a:prstGeom prst="rect">
             <a:avLst/>
           </a:prstGeom>
           <a:noFill/>
-          <a:ln w="9525">
-            <a:noFill/>
-            <a:miter lim="800000"/>
-            <a:headEnd/>
-            <a:tailEnd/>
+          <a:ln>
+            <a:solidFill>
+              <a:srgbClr val="FF0000"/>
+            </a:solidFill>
           </a:ln>
         </p:spPr>
-        <p:txBody>
-          <a:bodyPr/>
-          <a:lstStyle/>
-          <a:p>
-            <a:pPr eaLnBrk="0" fontAlgn="base" latinLnBrk="0" hangingPunct="0">
-              <a:spcBef>
-                <a:spcPct val="0"/>
-              </a:spcBef>
-              <a:spcAft>
-                <a:spcPct val="0"/>
-              </a:spcAft>
-              <a:buClr>
-                <a:srgbClr val="5F5F5F"/>
-              </a:buClr>
-              <a:defRPr/>
-            </a:pPr>
-            <a:r>
-              <a:rPr lang="en-US" altLang="ko-KR" b="1" dirty="0">
-                <a:solidFill>
-                  <a:srgbClr val="221F1F"/>
-                </a:solidFill>
-                <a:latin typeface="맑은 고딕" pitchFamily="50" charset="-127"/>
-                <a:ea typeface="맑은 고딕" pitchFamily="50" charset="-127"/>
-              </a:rPr>
-              <a:t>4. </a:t>
-            </a:r>
-            <a:r>
-              <a:rPr lang="ko-KR" altLang="en-US" b="1" dirty="0">
-                <a:solidFill>
-                  <a:srgbClr val="221F1F"/>
-                </a:solidFill>
-                <a:latin typeface="맑은 고딕" pitchFamily="50" charset="-127"/>
-                <a:ea typeface="맑은 고딕" pitchFamily="50" charset="-127"/>
-              </a:rPr>
-              <a:t>실습하기</a:t>
-            </a:r>
-            <a:r>
-              <a:rPr lang="en-US" altLang="ko-KR" b="1" dirty="0">
-                <a:solidFill>
-                  <a:srgbClr val="221F1F"/>
-                </a:solidFill>
-                <a:latin typeface="맑은 고딕" pitchFamily="50" charset="-127"/>
-                <a:ea typeface="맑은 고딕" pitchFamily="50" charset="-127"/>
-              </a:rPr>
-              <a:t>(1)</a:t>
-            </a:r>
-            <a:r>
-              <a:rPr lang="ko-KR" altLang="en-US" b="1" dirty="0">
-                <a:solidFill>
-                  <a:srgbClr val="221F1F"/>
-                </a:solidFill>
-                <a:latin typeface="맑은 고딕" pitchFamily="50" charset="-127"/>
-                <a:ea typeface="맑은 고딕" pitchFamily="50" charset="-127"/>
-              </a:rPr>
+        <p:style>
+          <a:lnRef idx="2">
+            <a:schemeClr val="accent1">
+              <a:shade val="50000"/>
+            </a:schemeClr>
+          </a:lnRef>
+          <a:fillRef idx="1">
+            <a:schemeClr val="accent1"/>
+          </a:fillRef>
+          <a:effectRef idx="0">
+            <a:schemeClr val="accent1"/>
+          </a:effectRef>
+          <a:fontRef idx="minor">
+            <a:schemeClr val="lt1"/>
+          </a:fontRef>
+        </p:style>
+        <p:txBody>
+          <a:bodyPr rtlCol="0" anchor="ctr"/>
+          <a:lstStyle/>
+          <a:p>
+            <a:pPr algn="ctr"/>
+            <a:endParaRPr lang="ko-KR" altLang="en-US" b="1" dirty="0"/>
+          </a:p>
+        </p:txBody>
+      </p:sp>
+      <p:sp>
+        <p:nvSpPr>
+          <p:cNvPr id="6" name="직사각형 5"/>
+          <p:cNvSpPr/>
+          <p:nvPr/>
+        </p:nvSpPr>
+        <p:spPr>
+          <a:xfrm>
+            <a:off x="2244090" y="3535680"/>
+            <a:ext cx="5528310" cy="1244065"/>
+          </a:xfrm>
+          <a:prstGeom prst="rect">
+            <a:avLst/>
+          </a:prstGeom>
+          <a:noFill/>
+          <a:ln>
+            <a:solidFill>
+              <a:srgbClr val="FF0000"/>
+            </a:solidFill>
+          </a:ln>
+        </p:spPr>
+        <p:style>
+          <a:lnRef idx="2">
+            <a:schemeClr val="accent1">
+              <a:shade val="50000"/>
+            </a:schemeClr>
+          </a:lnRef>
+          <a:fillRef idx="1">
+            <a:schemeClr val="accent1"/>
+          </a:fillRef>
+          <a:effectRef idx="0">
+            <a:schemeClr val="accent1"/>
+          </a:effectRef>
+          <a:fontRef idx="minor">
+            <a:schemeClr val="lt1"/>
+          </a:fontRef>
+        </p:style>
+        <p:txBody>
+          <a:bodyPr rtlCol="0" anchor="ctr"/>
+          <a:lstStyle/>
+          <a:p>
+            <a:pPr algn="ctr"/>
+            <a:endParaRPr lang="ko-KR" altLang="en-US" b="1" dirty="0"/>
+          </a:p>
+        </p:txBody>
+      </p:sp>
+      <p:sp>
+        <p:nvSpPr>
+          <p:cNvPr id="7" name="TextBox 6"/>
+          <p:cNvSpPr txBox="1"/>
+          <p:nvPr/>
+        </p:nvSpPr>
+        <p:spPr>
+          <a:xfrm>
+            <a:off x="2244090" y="1638300"/>
+            <a:ext cx="6143028" cy="369332"/>
+          </a:xfrm>
+          <a:prstGeom prst="rect">
+            <a:avLst/>
+          </a:prstGeom>
+          <a:noFill/>
+        </p:spPr>
+        <p:txBody>
+          <a:bodyPr wrap="none" rtlCol="0">
+            <a:spAutoFit/>
+          </a:bodyPr>
+          <a:lstStyle/>
+          <a:p>
+            <a:r>
+              <a:rPr lang="en-US" altLang="ko-KR" dirty="0" err="1" smtClean="0"/>
+              <a:t>Ifconfig</a:t>
+            </a:r>
+            <a:r>
+              <a:rPr lang="ko-KR" altLang="en-US" dirty="0"/>
               <a:t> </a:t>
             </a:r>
-            <a:endParaRPr lang="en-US" altLang="ko-KR" sz="1600" b="1" dirty="0">
-              <a:solidFill>
-                <a:srgbClr val="221F1F"/>
-              </a:solidFill>
-              <a:latin typeface="맑은 고딕" pitchFamily="50" charset="-127"/>
-              <a:ea typeface="맑은 고딕" pitchFamily="50" charset="-127"/>
-            </a:endParaRPr>
+            <a:r>
+              <a:rPr lang="en-US" altLang="ko-KR" dirty="0" smtClean="0"/>
+              <a:t>-a</a:t>
+            </a:r>
+            <a:r>
+              <a:rPr lang="ko-KR" altLang="en-US" dirty="0" smtClean="0"/>
+              <a:t>명령을 통해 모든 네트워크 인터페이스를 출력</a:t>
+            </a:r>
+            <a:endParaRPr lang="ko-KR" altLang="en-US" dirty="0"/>
           </a:p>
         </p:txBody>
       </p:sp>
     </p:spTree>
     <p:extLst>
       <p:ext uri="{BB962C8B-B14F-4D97-AF65-F5344CB8AC3E}">
-        <p14:creationId xmlns:p14="http://schemas.microsoft.com/office/powerpoint/2010/main" val="8226579"/>
+        <p14:creationId xmlns:p14="http://schemas.microsoft.com/office/powerpoint/2010/main" val="2040698765"/>
       </p:ext>
     </p:extLst>
   </p:cSld>
@@ -5292,10 +5049,2198 @@
           <a:chExt cx="0" cy="0"/>
         </a:xfrm>
       </p:grpSpPr>
+      <p:pic>
+        <p:nvPicPr>
+          <p:cNvPr id="8" name="그림 7"/>
+          <p:cNvPicPr>
+            <a:picLocks noChangeAspect="1"/>
+          </p:cNvPicPr>
+          <p:nvPr/>
+        </p:nvPicPr>
+        <p:blipFill>
+          <a:blip r:embed="rId2"/>
+          <a:stretch>
+            <a:fillRect/>
+          </a:stretch>
+        </p:blipFill>
+        <p:spPr>
+          <a:xfrm>
+            <a:off x="2700337" y="2459355"/>
+            <a:ext cx="5667375" cy="1704975"/>
+          </a:xfrm>
+          <a:prstGeom prst="rect">
+            <a:avLst/>
+          </a:prstGeom>
+        </p:spPr>
+      </p:pic>
+      <p:sp>
+        <p:nvSpPr>
+          <p:cNvPr id="3" name="직사각형 2"/>
+          <p:cNvSpPr/>
+          <p:nvPr/>
+        </p:nvSpPr>
+        <p:spPr>
+          <a:xfrm>
+            <a:off x="586740" y="278815"/>
+            <a:ext cx="6096000" cy="646331"/>
+          </a:xfrm>
+          <a:prstGeom prst="rect">
+            <a:avLst/>
+          </a:prstGeom>
+        </p:spPr>
+        <p:txBody>
+          <a:bodyPr>
+            <a:spAutoFit/>
+          </a:bodyPr>
+          <a:lstStyle/>
+          <a:p>
+            <a:r>
+              <a:rPr lang="en-US" altLang="ko-KR" dirty="0"/>
+              <a:t>3)</a:t>
+            </a:r>
+            <a:r>
+              <a:rPr lang="en-US" altLang="ko-KR" dirty="0" err="1"/>
+              <a:t>ifconfig</a:t>
+            </a:r>
+            <a:r>
+              <a:rPr lang="en-US" altLang="ko-KR" dirty="0"/>
+              <a:t> </a:t>
+            </a:r>
+            <a:r>
+              <a:rPr lang="ko-KR" altLang="en-US" dirty="0"/>
+              <a:t>명령어 실습</a:t>
+            </a:r>
+          </a:p>
+          <a:p>
+            <a:r>
+              <a:rPr lang="ko-KR" altLang="en-US" dirty="0"/>
+              <a:t>② </a:t>
+            </a:r>
+            <a:r>
+              <a:rPr lang="en-US" altLang="ko-KR" dirty="0" err="1"/>
+              <a:t>ifconfig</a:t>
+            </a:r>
+            <a:r>
+              <a:rPr lang="en-US" altLang="ko-KR" dirty="0"/>
+              <a:t> eth0</a:t>
+            </a:r>
+            <a:endParaRPr lang="ko-KR" altLang="en-US" dirty="0"/>
+          </a:p>
+        </p:txBody>
+      </p:sp>
+      <p:sp>
+        <p:nvSpPr>
+          <p:cNvPr id="4" name="직사각형 3"/>
+          <p:cNvSpPr/>
+          <p:nvPr/>
+        </p:nvSpPr>
+        <p:spPr>
+          <a:xfrm>
+            <a:off x="4479580" y="2480071"/>
+            <a:ext cx="1189699" cy="162063"/>
+          </a:xfrm>
+          <a:prstGeom prst="rect">
+            <a:avLst/>
+          </a:prstGeom>
+          <a:noFill/>
+          <a:ln>
+            <a:solidFill>
+              <a:srgbClr val="FF0000"/>
+            </a:solidFill>
+          </a:ln>
+        </p:spPr>
+        <p:style>
+          <a:lnRef idx="2">
+            <a:schemeClr val="accent1">
+              <a:shade val="50000"/>
+            </a:schemeClr>
+          </a:lnRef>
+          <a:fillRef idx="1">
+            <a:schemeClr val="accent1"/>
+          </a:fillRef>
+          <a:effectRef idx="0">
+            <a:schemeClr val="accent1"/>
+          </a:effectRef>
+          <a:fontRef idx="minor">
+            <a:schemeClr val="lt1"/>
+          </a:fontRef>
+        </p:style>
+        <p:txBody>
+          <a:bodyPr rtlCol="0" anchor="ctr"/>
+          <a:lstStyle/>
+          <a:p>
+            <a:pPr algn="ctr"/>
+            <a:endParaRPr lang="ko-KR" altLang="en-US" b="1" dirty="0"/>
+          </a:p>
+        </p:txBody>
+      </p:sp>
+      <p:sp>
+        <p:nvSpPr>
+          <p:cNvPr id="5" name="직사각형 4"/>
+          <p:cNvSpPr/>
+          <p:nvPr/>
+        </p:nvSpPr>
+        <p:spPr>
+          <a:xfrm>
+            <a:off x="2700337" y="2642134"/>
+            <a:ext cx="5613083" cy="1244065"/>
+          </a:xfrm>
+          <a:prstGeom prst="rect">
+            <a:avLst/>
+          </a:prstGeom>
+          <a:noFill/>
+          <a:ln>
+            <a:solidFill>
+              <a:srgbClr val="FF0000"/>
+            </a:solidFill>
+          </a:ln>
+        </p:spPr>
+        <p:style>
+          <a:lnRef idx="2">
+            <a:schemeClr val="accent1">
+              <a:shade val="50000"/>
+            </a:schemeClr>
+          </a:lnRef>
+          <a:fillRef idx="1">
+            <a:schemeClr val="accent1"/>
+          </a:fillRef>
+          <a:effectRef idx="0">
+            <a:schemeClr val="accent1"/>
+          </a:effectRef>
+          <a:fontRef idx="minor">
+            <a:schemeClr val="lt1"/>
+          </a:fontRef>
+        </p:style>
+        <p:txBody>
+          <a:bodyPr rtlCol="0" anchor="ctr"/>
+          <a:lstStyle/>
+          <a:p>
+            <a:pPr algn="ctr"/>
+            <a:endParaRPr lang="ko-KR" altLang="en-US" b="1" dirty="0"/>
+          </a:p>
+        </p:txBody>
+      </p:sp>
+      <p:sp>
+        <p:nvSpPr>
+          <p:cNvPr id="7" name="TextBox 6"/>
+          <p:cNvSpPr txBox="1"/>
+          <p:nvPr/>
+        </p:nvSpPr>
+        <p:spPr>
+          <a:xfrm>
+            <a:off x="2343150" y="2039637"/>
+            <a:ext cx="7449475" cy="369332"/>
+          </a:xfrm>
+          <a:prstGeom prst="rect">
+            <a:avLst/>
+          </a:prstGeom>
+          <a:noFill/>
+        </p:spPr>
+        <p:txBody>
+          <a:bodyPr wrap="none" rtlCol="0">
+            <a:spAutoFit/>
+          </a:bodyPr>
+          <a:lstStyle/>
+          <a:p>
+            <a:r>
+              <a:rPr lang="en-US" altLang="ko-KR" dirty="0" err="1" smtClean="0"/>
+              <a:t>Ifconfig</a:t>
+            </a:r>
+            <a:r>
+              <a:rPr lang="ko-KR" altLang="en-US" dirty="0" smtClean="0"/>
+              <a:t> 명령을 통해 특정 네트워크 인터페이스 </a:t>
+            </a:r>
+            <a:r>
+              <a:rPr lang="en-US" altLang="ko-KR" dirty="0" smtClean="0"/>
+              <a:t>enp0s3</a:t>
+            </a:r>
+            <a:r>
+              <a:rPr lang="ko-KR" altLang="en-US" dirty="0" smtClean="0"/>
+              <a:t>의 정보를 출력</a:t>
+            </a:r>
+            <a:endParaRPr lang="ko-KR" altLang="en-US" dirty="0"/>
+          </a:p>
+        </p:txBody>
+      </p:sp>
     </p:spTree>
     <p:extLst>
       <p:ext uri="{BB962C8B-B14F-4D97-AF65-F5344CB8AC3E}">
-        <p14:creationId xmlns:p14="http://schemas.microsoft.com/office/powerpoint/2010/main" val="2040698765"/>
+        <p14:creationId xmlns:p14="http://schemas.microsoft.com/office/powerpoint/2010/main" val="3671962335"/>
+      </p:ext>
+    </p:extLst>
+  </p:cSld>
+  <p:clrMapOvr>
+    <a:masterClrMapping/>
+  </p:clrMapOvr>
+</p:sld>
+</file>
+
+<file path=ppt/slides/slide15.xml><?xml version="1.0" encoding="utf-8"?>
+<p:sld xmlns:a="http://schemas.openxmlformats.org/drawingml/2006/main" xmlns:r="http://schemas.openxmlformats.org/officeDocument/2006/relationships" xmlns:p="http://schemas.openxmlformats.org/presentationml/2006/main">
+  <p:cSld>
+    <p:spTree>
+      <p:nvGrpSpPr>
+        <p:cNvPr id="1" name=""/>
+        <p:cNvGrpSpPr/>
+        <p:nvPr/>
+      </p:nvGrpSpPr>
+      <p:grpSpPr>
+        <a:xfrm>
+          <a:off x="0" y="0"/>
+          <a:ext cx="0" cy="0"/>
+          <a:chOff x="0" y="0"/>
+          <a:chExt cx="0" cy="0"/>
+        </a:xfrm>
+      </p:grpSpPr>
+      <p:pic>
+        <p:nvPicPr>
+          <p:cNvPr id="6" name="그림 5"/>
+          <p:cNvPicPr>
+            <a:picLocks noChangeAspect="1"/>
+          </p:cNvPicPr>
+          <p:nvPr/>
+        </p:nvPicPr>
+        <p:blipFill rotWithShape="1">
+          <a:blip r:embed="rId2"/>
+          <a:srcRect t="34522"/>
+          <a:stretch/>
+        </p:blipFill>
+        <p:spPr>
+          <a:xfrm>
+            <a:off x="2537141" y="2582862"/>
+            <a:ext cx="5934075" cy="3411537"/>
+          </a:xfrm>
+          <a:prstGeom prst="rect">
+            <a:avLst/>
+          </a:prstGeom>
+        </p:spPr>
+      </p:pic>
+      <p:sp>
+        <p:nvSpPr>
+          <p:cNvPr id="3" name="직사각형 2"/>
+          <p:cNvSpPr/>
+          <p:nvPr/>
+        </p:nvSpPr>
+        <p:spPr>
+          <a:xfrm>
+            <a:off x="586740" y="278815"/>
+            <a:ext cx="6096000" cy="646331"/>
+          </a:xfrm>
+          <a:prstGeom prst="rect">
+            <a:avLst/>
+          </a:prstGeom>
+        </p:spPr>
+        <p:txBody>
+          <a:bodyPr>
+            <a:spAutoFit/>
+          </a:bodyPr>
+          <a:lstStyle/>
+          <a:p>
+            <a:r>
+              <a:rPr lang="en-US" altLang="ko-KR" dirty="0"/>
+              <a:t>3)</a:t>
+            </a:r>
+            <a:r>
+              <a:rPr lang="en-US" altLang="ko-KR" dirty="0" err="1"/>
+              <a:t>ifconfig</a:t>
+            </a:r>
+            <a:r>
+              <a:rPr lang="en-US" altLang="ko-KR" dirty="0"/>
+              <a:t> </a:t>
+            </a:r>
+            <a:r>
+              <a:rPr lang="ko-KR" altLang="en-US" dirty="0"/>
+              <a:t>명령어 실습</a:t>
+            </a:r>
+          </a:p>
+          <a:p>
+            <a:r>
+              <a:rPr lang="ko-KR" altLang="en-US" dirty="0"/>
+              <a:t>③ </a:t>
+            </a:r>
+            <a:r>
+              <a:rPr lang="en-US" altLang="ko-KR" dirty="0" err="1"/>
+              <a:t>ifconfig</a:t>
+            </a:r>
+            <a:r>
+              <a:rPr lang="en-US" altLang="ko-KR" dirty="0"/>
+              <a:t> eth0 192.168.1.10 netmask 255.255.255.0 up</a:t>
+            </a:r>
+            <a:endParaRPr lang="ko-KR" altLang="en-US" dirty="0"/>
+          </a:p>
+        </p:txBody>
+      </p:sp>
+      <p:sp>
+        <p:nvSpPr>
+          <p:cNvPr id="9" name="직사각형 8"/>
+          <p:cNvSpPr/>
+          <p:nvPr/>
+        </p:nvSpPr>
+        <p:spPr>
+          <a:xfrm>
+            <a:off x="4162080" y="2582862"/>
+            <a:ext cx="1189699" cy="162063"/>
+          </a:xfrm>
+          <a:prstGeom prst="rect">
+            <a:avLst/>
+          </a:prstGeom>
+          <a:noFill/>
+          <a:ln>
+            <a:solidFill>
+              <a:srgbClr val="FF0000"/>
+            </a:solidFill>
+          </a:ln>
+        </p:spPr>
+        <p:style>
+          <a:lnRef idx="2">
+            <a:schemeClr val="accent1">
+              <a:shade val="50000"/>
+            </a:schemeClr>
+          </a:lnRef>
+          <a:fillRef idx="1">
+            <a:schemeClr val="accent1"/>
+          </a:fillRef>
+          <a:effectRef idx="0">
+            <a:schemeClr val="accent1"/>
+          </a:effectRef>
+          <a:fontRef idx="minor">
+            <a:schemeClr val="lt1"/>
+          </a:fontRef>
+        </p:style>
+        <p:txBody>
+          <a:bodyPr rtlCol="0" anchor="ctr"/>
+          <a:lstStyle/>
+          <a:p>
+            <a:pPr algn="ctr"/>
+            <a:endParaRPr lang="ko-KR" altLang="en-US" b="1" dirty="0"/>
+          </a:p>
+        </p:txBody>
+      </p:sp>
+      <p:sp>
+        <p:nvSpPr>
+          <p:cNvPr id="10" name="직사각형 9"/>
+          <p:cNvSpPr/>
+          <p:nvPr/>
+        </p:nvSpPr>
+        <p:spPr>
+          <a:xfrm>
+            <a:off x="2468563" y="2757625"/>
+            <a:ext cx="592138" cy="176075"/>
+          </a:xfrm>
+          <a:prstGeom prst="rect">
+            <a:avLst/>
+          </a:prstGeom>
+          <a:noFill/>
+          <a:ln>
+            <a:solidFill>
+              <a:srgbClr val="FF0000"/>
+            </a:solidFill>
+          </a:ln>
+        </p:spPr>
+        <p:style>
+          <a:lnRef idx="2">
+            <a:schemeClr val="accent1">
+              <a:shade val="50000"/>
+            </a:schemeClr>
+          </a:lnRef>
+          <a:fillRef idx="1">
+            <a:schemeClr val="accent1"/>
+          </a:fillRef>
+          <a:effectRef idx="0">
+            <a:schemeClr val="accent1"/>
+          </a:effectRef>
+          <a:fontRef idx="minor">
+            <a:schemeClr val="lt1"/>
+          </a:fontRef>
+        </p:style>
+        <p:txBody>
+          <a:bodyPr rtlCol="0" anchor="ctr"/>
+          <a:lstStyle/>
+          <a:p>
+            <a:pPr algn="ctr"/>
+            <a:endParaRPr lang="ko-KR" altLang="en-US" b="1" dirty="0"/>
+          </a:p>
+        </p:txBody>
+      </p:sp>
+      <p:sp>
+        <p:nvSpPr>
+          <p:cNvPr id="11" name="직사각형 10"/>
+          <p:cNvSpPr/>
+          <p:nvPr/>
+        </p:nvSpPr>
+        <p:spPr>
+          <a:xfrm>
+            <a:off x="3124201" y="2924609"/>
+            <a:ext cx="1189699" cy="162063"/>
+          </a:xfrm>
+          <a:prstGeom prst="rect">
+            <a:avLst/>
+          </a:prstGeom>
+          <a:noFill/>
+          <a:ln>
+            <a:solidFill>
+              <a:srgbClr val="FF0000"/>
+            </a:solidFill>
+          </a:ln>
+        </p:spPr>
+        <p:style>
+          <a:lnRef idx="2">
+            <a:schemeClr val="accent1">
+              <a:shade val="50000"/>
+            </a:schemeClr>
+          </a:lnRef>
+          <a:fillRef idx="1">
+            <a:schemeClr val="accent1"/>
+          </a:fillRef>
+          <a:effectRef idx="0">
+            <a:schemeClr val="accent1"/>
+          </a:effectRef>
+          <a:fontRef idx="minor">
+            <a:schemeClr val="lt1"/>
+          </a:fontRef>
+        </p:style>
+        <p:txBody>
+          <a:bodyPr rtlCol="0" anchor="ctr"/>
+          <a:lstStyle/>
+          <a:p>
+            <a:pPr algn="ctr"/>
+            <a:endParaRPr lang="ko-KR" altLang="en-US" b="1" dirty="0"/>
+          </a:p>
+        </p:txBody>
+      </p:sp>
+      <p:sp>
+        <p:nvSpPr>
+          <p:cNvPr id="12" name="직사각형 11"/>
+          <p:cNvSpPr/>
+          <p:nvPr/>
+        </p:nvSpPr>
+        <p:spPr>
+          <a:xfrm>
+            <a:off x="4162080" y="4297441"/>
+            <a:ext cx="1189699" cy="162063"/>
+          </a:xfrm>
+          <a:prstGeom prst="rect">
+            <a:avLst/>
+          </a:prstGeom>
+          <a:noFill/>
+          <a:ln>
+            <a:solidFill>
+              <a:srgbClr val="FF0000"/>
+            </a:solidFill>
+          </a:ln>
+        </p:spPr>
+        <p:style>
+          <a:lnRef idx="2">
+            <a:schemeClr val="accent1">
+              <a:shade val="50000"/>
+            </a:schemeClr>
+          </a:lnRef>
+          <a:fillRef idx="1">
+            <a:schemeClr val="accent1"/>
+          </a:fillRef>
+          <a:effectRef idx="0">
+            <a:schemeClr val="accent1"/>
+          </a:effectRef>
+          <a:fontRef idx="minor">
+            <a:schemeClr val="lt1"/>
+          </a:fontRef>
+        </p:style>
+        <p:txBody>
+          <a:bodyPr rtlCol="0" anchor="ctr"/>
+          <a:lstStyle/>
+          <a:p>
+            <a:pPr algn="ctr"/>
+            <a:endParaRPr lang="ko-KR" altLang="en-US" b="1" dirty="0"/>
+          </a:p>
+        </p:txBody>
+      </p:sp>
+      <p:sp>
+        <p:nvSpPr>
+          <p:cNvPr id="13" name="직사각형 12"/>
+          <p:cNvSpPr/>
+          <p:nvPr/>
+        </p:nvSpPr>
+        <p:spPr>
+          <a:xfrm>
+            <a:off x="4162079" y="4088467"/>
+            <a:ext cx="4143721" cy="191433"/>
+          </a:xfrm>
+          <a:prstGeom prst="rect">
+            <a:avLst/>
+          </a:prstGeom>
+          <a:noFill/>
+          <a:ln>
+            <a:solidFill>
+              <a:srgbClr val="FF0000"/>
+            </a:solidFill>
+          </a:ln>
+        </p:spPr>
+        <p:style>
+          <a:lnRef idx="2">
+            <a:schemeClr val="accent1">
+              <a:shade val="50000"/>
+            </a:schemeClr>
+          </a:lnRef>
+          <a:fillRef idx="1">
+            <a:schemeClr val="accent1"/>
+          </a:fillRef>
+          <a:effectRef idx="0">
+            <a:schemeClr val="accent1"/>
+          </a:effectRef>
+          <a:fontRef idx="minor">
+            <a:schemeClr val="lt1"/>
+          </a:fontRef>
+        </p:style>
+        <p:txBody>
+          <a:bodyPr rtlCol="0" anchor="ctr"/>
+          <a:lstStyle/>
+          <a:p>
+            <a:pPr algn="ctr"/>
+            <a:endParaRPr lang="ko-KR" altLang="en-US" b="1" dirty="0"/>
+          </a:p>
+        </p:txBody>
+      </p:sp>
+      <p:sp>
+        <p:nvSpPr>
+          <p:cNvPr id="14" name="직사각형 13"/>
+          <p:cNvSpPr/>
+          <p:nvPr/>
+        </p:nvSpPr>
+        <p:spPr>
+          <a:xfrm>
+            <a:off x="2545741" y="4455645"/>
+            <a:ext cx="592138" cy="176075"/>
+          </a:xfrm>
+          <a:prstGeom prst="rect">
+            <a:avLst/>
+          </a:prstGeom>
+          <a:noFill/>
+          <a:ln>
+            <a:solidFill>
+              <a:srgbClr val="FF0000"/>
+            </a:solidFill>
+          </a:ln>
+        </p:spPr>
+        <p:style>
+          <a:lnRef idx="2">
+            <a:schemeClr val="accent1">
+              <a:shade val="50000"/>
+            </a:schemeClr>
+          </a:lnRef>
+          <a:fillRef idx="1">
+            <a:schemeClr val="accent1"/>
+          </a:fillRef>
+          <a:effectRef idx="0">
+            <a:schemeClr val="accent1"/>
+          </a:effectRef>
+          <a:fontRef idx="minor">
+            <a:schemeClr val="lt1"/>
+          </a:fontRef>
+        </p:style>
+        <p:txBody>
+          <a:bodyPr rtlCol="0" anchor="ctr"/>
+          <a:lstStyle/>
+          <a:p>
+            <a:pPr algn="ctr"/>
+            <a:endParaRPr lang="ko-KR" altLang="en-US" b="1" dirty="0"/>
+          </a:p>
+        </p:txBody>
+      </p:sp>
+      <p:sp>
+        <p:nvSpPr>
+          <p:cNvPr id="15" name="직사각형 14"/>
+          <p:cNvSpPr/>
+          <p:nvPr/>
+        </p:nvSpPr>
+        <p:spPr>
+          <a:xfrm>
+            <a:off x="3201379" y="4592277"/>
+            <a:ext cx="1332521" cy="192415"/>
+          </a:xfrm>
+          <a:prstGeom prst="rect">
+            <a:avLst/>
+          </a:prstGeom>
+          <a:noFill/>
+          <a:ln>
+            <a:solidFill>
+              <a:srgbClr val="FF0000"/>
+            </a:solidFill>
+          </a:ln>
+        </p:spPr>
+        <p:style>
+          <a:lnRef idx="2">
+            <a:schemeClr val="accent1">
+              <a:shade val="50000"/>
+            </a:schemeClr>
+          </a:lnRef>
+          <a:fillRef idx="1">
+            <a:schemeClr val="accent1"/>
+          </a:fillRef>
+          <a:effectRef idx="0">
+            <a:schemeClr val="accent1"/>
+          </a:effectRef>
+          <a:fontRef idx="minor">
+            <a:schemeClr val="lt1"/>
+          </a:fontRef>
+        </p:style>
+        <p:txBody>
+          <a:bodyPr rtlCol="0" anchor="ctr"/>
+          <a:lstStyle/>
+          <a:p>
+            <a:pPr algn="ctr"/>
+            <a:endParaRPr lang="ko-KR" altLang="en-US" b="1" dirty="0"/>
+          </a:p>
+        </p:txBody>
+      </p:sp>
+      <p:sp>
+        <p:nvSpPr>
+          <p:cNvPr id="16" name="TextBox 15"/>
+          <p:cNvSpPr txBox="1"/>
+          <p:nvPr/>
+        </p:nvSpPr>
+        <p:spPr>
+          <a:xfrm>
+            <a:off x="1752600" y="1631940"/>
+            <a:ext cx="7619394" cy="646331"/>
+          </a:xfrm>
+          <a:prstGeom prst="rect">
+            <a:avLst/>
+          </a:prstGeom>
+          <a:noFill/>
+        </p:spPr>
+        <p:txBody>
+          <a:bodyPr wrap="none" rtlCol="0">
+            <a:spAutoFit/>
+          </a:bodyPr>
+          <a:lstStyle/>
+          <a:p>
+            <a:r>
+              <a:rPr lang="en-US" altLang="ko-KR" dirty="0" err="1" smtClean="0"/>
+              <a:t>Ifconfig</a:t>
+            </a:r>
+            <a:r>
+              <a:rPr lang="ko-KR" altLang="en-US" dirty="0" smtClean="0"/>
+              <a:t>명령어를 통해 네트워크 인터페이스 </a:t>
+            </a:r>
+            <a:r>
+              <a:rPr lang="en-US" altLang="ko-KR" dirty="0" smtClean="0"/>
+              <a:t>enp0s3</a:t>
+            </a:r>
+            <a:r>
+              <a:rPr lang="ko-KR" altLang="en-US" dirty="0" smtClean="0"/>
+              <a:t>의 </a:t>
+            </a:r>
+            <a:r>
+              <a:rPr lang="en-US" altLang="ko-KR" dirty="0" err="1" smtClean="0"/>
+              <a:t>ip</a:t>
+            </a:r>
+            <a:r>
+              <a:rPr lang="ko-KR" altLang="en-US" dirty="0" smtClean="0"/>
+              <a:t>를 </a:t>
+            </a:r>
+            <a:r>
+              <a:rPr lang="en-US" altLang="ko-KR" dirty="0" smtClean="0"/>
+              <a:t>192.168.1.10</a:t>
+            </a:r>
+          </a:p>
+          <a:p>
+            <a:r>
+              <a:rPr lang="en-US" altLang="ko-KR" dirty="0" smtClean="0"/>
+              <a:t> / netmask</a:t>
+            </a:r>
+            <a:r>
+              <a:rPr lang="ko-KR" altLang="en-US" dirty="0" smtClean="0"/>
+              <a:t>를 </a:t>
+            </a:r>
+            <a:r>
+              <a:rPr lang="en-US" altLang="ko-KR" dirty="0" smtClean="0"/>
+              <a:t>255.255.255.0</a:t>
+            </a:r>
+            <a:r>
+              <a:rPr lang="ko-KR" altLang="en-US" dirty="0" smtClean="0"/>
+              <a:t>으로 변경</a:t>
+            </a:r>
+            <a:endParaRPr lang="ko-KR" altLang="en-US" dirty="0"/>
+          </a:p>
+        </p:txBody>
+      </p:sp>
+    </p:spTree>
+    <p:extLst>
+      <p:ext uri="{BB962C8B-B14F-4D97-AF65-F5344CB8AC3E}">
+        <p14:creationId xmlns:p14="http://schemas.microsoft.com/office/powerpoint/2010/main" val="1651191955"/>
+      </p:ext>
+    </p:extLst>
+  </p:cSld>
+  <p:clrMapOvr>
+    <a:masterClrMapping/>
+  </p:clrMapOvr>
+</p:sld>
+</file>
+
+<file path=ppt/slides/slide16.xml><?xml version="1.0" encoding="utf-8"?>
+<p:sld xmlns:a="http://schemas.openxmlformats.org/drawingml/2006/main" xmlns:r="http://schemas.openxmlformats.org/officeDocument/2006/relationships" xmlns:p="http://schemas.openxmlformats.org/presentationml/2006/main">
+  <p:cSld>
+    <p:spTree>
+      <p:nvGrpSpPr>
+        <p:cNvPr id="1" name=""/>
+        <p:cNvGrpSpPr/>
+        <p:nvPr/>
+      </p:nvGrpSpPr>
+      <p:grpSpPr>
+        <a:xfrm>
+          <a:off x="0" y="0"/>
+          <a:ext cx="0" cy="0"/>
+          <a:chOff x="0" y="0"/>
+          <a:chExt cx="0" cy="0"/>
+        </a:xfrm>
+      </p:grpSpPr>
+      <p:pic>
+        <p:nvPicPr>
+          <p:cNvPr id="2" name="그림 1"/>
+          <p:cNvPicPr>
+            <a:picLocks noChangeAspect="1"/>
+          </p:cNvPicPr>
+          <p:nvPr/>
+        </p:nvPicPr>
+        <p:blipFill>
+          <a:blip r:embed="rId2"/>
+          <a:stretch>
+            <a:fillRect/>
+          </a:stretch>
+        </p:blipFill>
+        <p:spPr>
+          <a:xfrm>
+            <a:off x="2519059" y="2967692"/>
+            <a:ext cx="6238875" cy="1809750"/>
+          </a:xfrm>
+          <a:prstGeom prst="rect">
+            <a:avLst/>
+          </a:prstGeom>
+        </p:spPr>
+      </p:pic>
+      <p:sp>
+        <p:nvSpPr>
+          <p:cNvPr id="3" name="직사각형 2"/>
+          <p:cNvSpPr/>
+          <p:nvPr/>
+        </p:nvSpPr>
+        <p:spPr>
+          <a:xfrm>
+            <a:off x="586740" y="278815"/>
+            <a:ext cx="8595360" cy="646331"/>
+          </a:xfrm>
+          <a:prstGeom prst="rect">
+            <a:avLst/>
+          </a:prstGeom>
+        </p:spPr>
+        <p:txBody>
+          <a:bodyPr wrap="square">
+            <a:spAutoFit/>
+          </a:bodyPr>
+          <a:lstStyle/>
+          <a:p>
+            <a:r>
+              <a:rPr lang="en-US" altLang="ko-KR" dirty="0"/>
+              <a:t>3)</a:t>
+            </a:r>
+            <a:r>
+              <a:rPr lang="en-US" altLang="ko-KR" dirty="0" err="1"/>
+              <a:t>ifconfig</a:t>
+            </a:r>
+            <a:r>
+              <a:rPr lang="en-US" altLang="ko-KR" dirty="0"/>
+              <a:t> </a:t>
+            </a:r>
+            <a:r>
+              <a:rPr lang="ko-KR" altLang="en-US" dirty="0"/>
+              <a:t>명령어 실습</a:t>
+            </a:r>
+          </a:p>
+          <a:p>
+            <a:r>
+              <a:rPr lang="ko-KR" altLang="en-US" dirty="0"/>
+              <a:t>④ </a:t>
+            </a:r>
+            <a:r>
+              <a:rPr lang="en-US" altLang="ko-KR" dirty="0"/>
+              <a:t>route add –net 192.168.1.0 network 255.255.255.0 eth0</a:t>
+            </a:r>
+            <a:endParaRPr lang="ko-KR" altLang="en-US" dirty="0"/>
+          </a:p>
+        </p:txBody>
+      </p:sp>
+      <p:sp>
+        <p:nvSpPr>
+          <p:cNvPr id="10" name="직사각형 9"/>
+          <p:cNvSpPr/>
+          <p:nvPr/>
+        </p:nvSpPr>
+        <p:spPr>
+          <a:xfrm>
+            <a:off x="4043363" y="3000145"/>
+            <a:ext cx="592138" cy="176075"/>
+          </a:xfrm>
+          <a:prstGeom prst="rect">
+            <a:avLst/>
+          </a:prstGeom>
+          <a:noFill/>
+          <a:ln>
+            <a:solidFill>
+              <a:srgbClr val="FF0000"/>
+            </a:solidFill>
+          </a:ln>
+        </p:spPr>
+        <p:style>
+          <a:lnRef idx="2">
+            <a:schemeClr val="accent1">
+              <a:shade val="50000"/>
+            </a:schemeClr>
+          </a:lnRef>
+          <a:fillRef idx="1">
+            <a:schemeClr val="accent1"/>
+          </a:fillRef>
+          <a:effectRef idx="0">
+            <a:schemeClr val="accent1"/>
+          </a:effectRef>
+          <a:fontRef idx="minor">
+            <a:schemeClr val="lt1"/>
+          </a:fontRef>
+        </p:style>
+        <p:txBody>
+          <a:bodyPr rtlCol="0" anchor="ctr"/>
+          <a:lstStyle/>
+          <a:p>
+            <a:pPr algn="ctr"/>
+            <a:endParaRPr lang="ko-KR" altLang="en-US" b="1" dirty="0"/>
+          </a:p>
+        </p:txBody>
+      </p:sp>
+      <p:sp>
+        <p:nvSpPr>
+          <p:cNvPr id="11" name="직사각형 10"/>
+          <p:cNvSpPr/>
+          <p:nvPr/>
+        </p:nvSpPr>
+        <p:spPr>
+          <a:xfrm>
+            <a:off x="2519059" y="3308993"/>
+            <a:ext cx="6053441" cy="354924"/>
+          </a:xfrm>
+          <a:prstGeom prst="rect">
+            <a:avLst/>
+          </a:prstGeom>
+          <a:noFill/>
+          <a:ln>
+            <a:solidFill>
+              <a:srgbClr val="FF0000"/>
+            </a:solidFill>
+          </a:ln>
+        </p:spPr>
+        <p:style>
+          <a:lnRef idx="2">
+            <a:schemeClr val="accent1">
+              <a:shade val="50000"/>
+            </a:schemeClr>
+          </a:lnRef>
+          <a:fillRef idx="1">
+            <a:schemeClr val="accent1"/>
+          </a:fillRef>
+          <a:effectRef idx="0">
+            <a:schemeClr val="accent1"/>
+          </a:effectRef>
+          <a:fontRef idx="minor">
+            <a:schemeClr val="lt1"/>
+          </a:fontRef>
+        </p:style>
+        <p:txBody>
+          <a:bodyPr rtlCol="0" anchor="ctr"/>
+          <a:lstStyle/>
+          <a:p>
+            <a:pPr algn="ctr"/>
+            <a:endParaRPr lang="ko-KR" altLang="en-US" b="1" dirty="0"/>
+          </a:p>
+        </p:txBody>
+      </p:sp>
+      <p:sp>
+        <p:nvSpPr>
+          <p:cNvPr id="12" name="직사각형 11"/>
+          <p:cNvSpPr/>
+          <p:nvPr/>
+        </p:nvSpPr>
+        <p:spPr>
+          <a:xfrm>
+            <a:off x="3887761" y="3771290"/>
+            <a:ext cx="722340" cy="147931"/>
+          </a:xfrm>
+          <a:prstGeom prst="rect">
+            <a:avLst/>
+          </a:prstGeom>
+          <a:noFill/>
+          <a:ln>
+            <a:solidFill>
+              <a:srgbClr val="FF0000"/>
+            </a:solidFill>
+          </a:ln>
+        </p:spPr>
+        <p:style>
+          <a:lnRef idx="2">
+            <a:schemeClr val="accent1">
+              <a:shade val="50000"/>
+            </a:schemeClr>
+          </a:lnRef>
+          <a:fillRef idx="1">
+            <a:schemeClr val="accent1"/>
+          </a:fillRef>
+          <a:effectRef idx="0">
+            <a:schemeClr val="accent1"/>
+          </a:effectRef>
+          <a:fontRef idx="minor">
+            <a:schemeClr val="lt1"/>
+          </a:fontRef>
+        </p:style>
+        <p:txBody>
+          <a:bodyPr rtlCol="0" anchor="ctr"/>
+          <a:lstStyle/>
+          <a:p>
+            <a:pPr algn="ctr"/>
+            <a:endParaRPr lang="ko-KR" altLang="en-US" b="1" dirty="0"/>
+          </a:p>
+        </p:txBody>
+      </p:sp>
+      <p:sp>
+        <p:nvSpPr>
+          <p:cNvPr id="14" name="직사각형 13"/>
+          <p:cNvSpPr/>
+          <p:nvPr/>
+        </p:nvSpPr>
+        <p:spPr>
+          <a:xfrm>
+            <a:off x="2519058" y="4044604"/>
+            <a:ext cx="6053441" cy="524634"/>
+          </a:xfrm>
+          <a:prstGeom prst="rect">
+            <a:avLst/>
+          </a:prstGeom>
+          <a:noFill/>
+          <a:ln>
+            <a:solidFill>
+              <a:srgbClr val="FF0000"/>
+            </a:solidFill>
+          </a:ln>
+        </p:spPr>
+        <p:style>
+          <a:lnRef idx="2">
+            <a:schemeClr val="accent1">
+              <a:shade val="50000"/>
+            </a:schemeClr>
+          </a:lnRef>
+          <a:fillRef idx="1">
+            <a:schemeClr val="accent1"/>
+          </a:fillRef>
+          <a:effectRef idx="0">
+            <a:schemeClr val="accent1"/>
+          </a:effectRef>
+          <a:fontRef idx="minor">
+            <a:schemeClr val="lt1"/>
+          </a:fontRef>
+        </p:style>
+        <p:txBody>
+          <a:bodyPr rtlCol="0" anchor="ctr"/>
+          <a:lstStyle/>
+          <a:p>
+            <a:pPr algn="ctr"/>
+            <a:endParaRPr lang="ko-KR" altLang="en-US" b="1" dirty="0"/>
+          </a:p>
+        </p:txBody>
+      </p:sp>
+      <p:sp>
+        <p:nvSpPr>
+          <p:cNvPr id="16" name="TextBox 15"/>
+          <p:cNvSpPr txBox="1"/>
+          <p:nvPr/>
+        </p:nvSpPr>
+        <p:spPr>
+          <a:xfrm>
+            <a:off x="2444269" y="2463834"/>
+            <a:ext cx="6672468" cy="369332"/>
+          </a:xfrm>
+          <a:prstGeom prst="rect">
+            <a:avLst/>
+          </a:prstGeom>
+          <a:noFill/>
+        </p:spPr>
+        <p:txBody>
+          <a:bodyPr wrap="none" rtlCol="0">
+            <a:spAutoFit/>
+          </a:bodyPr>
+          <a:lstStyle/>
+          <a:p>
+            <a:r>
+              <a:rPr lang="en-US" altLang="ko-KR" dirty="0" smtClean="0"/>
+              <a:t>Route</a:t>
+            </a:r>
+            <a:r>
+              <a:rPr lang="ko-KR" altLang="en-US" dirty="0" smtClean="0"/>
+              <a:t>명령어를 통해서 </a:t>
+            </a:r>
+            <a:r>
+              <a:rPr lang="ko-KR" altLang="en-US" dirty="0" err="1" smtClean="0"/>
+              <a:t>라우터</a:t>
+            </a:r>
+            <a:r>
+              <a:rPr lang="ko-KR" altLang="en-US" dirty="0" smtClean="0"/>
+              <a:t> 테이블에 네트워크 경로를 추가 </a:t>
+            </a:r>
+            <a:endParaRPr lang="ko-KR" altLang="en-US" dirty="0"/>
+          </a:p>
+        </p:txBody>
+      </p:sp>
+    </p:spTree>
+    <p:extLst>
+      <p:ext uri="{BB962C8B-B14F-4D97-AF65-F5344CB8AC3E}">
+        <p14:creationId xmlns:p14="http://schemas.microsoft.com/office/powerpoint/2010/main" val="286727669"/>
+      </p:ext>
+    </p:extLst>
+  </p:cSld>
+  <p:clrMapOvr>
+    <a:masterClrMapping/>
+  </p:clrMapOvr>
+</p:sld>
+</file>
+
+<file path=ppt/slides/slide17.xml><?xml version="1.0" encoding="utf-8"?>
+<p:sld xmlns:a="http://schemas.openxmlformats.org/drawingml/2006/main" xmlns:r="http://schemas.openxmlformats.org/officeDocument/2006/relationships" xmlns:p="http://schemas.openxmlformats.org/presentationml/2006/main">
+  <p:cSld>
+    <p:spTree>
+      <p:nvGrpSpPr>
+        <p:cNvPr id="1" name=""/>
+        <p:cNvGrpSpPr/>
+        <p:nvPr/>
+      </p:nvGrpSpPr>
+      <p:grpSpPr>
+        <a:xfrm>
+          <a:off x="0" y="0"/>
+          <a:ext cx="0" cy="0"/>
+          <a:chOff x="0" y="0"/>
+          <a:chExt cx="0" cy="0"/>
+        </a:xfrm>
+      </p:grpSpPr>
+      <p:pic>
+        <p:nvPicPr>
+          <p:cNvPr id="2" name="그림 1"/>
+          <p:cNvPicPr>
+            <a:picLocks noChangeAspect="1"/>
+          </p:cNvPicPr>
+          <p:nvPr/>
+        </p:nvPicPr>
+        <p:blipFill>
+          <a:blip r:embed="rId2"/>
+          <a:stretch>
+            <a:fillRect/>
+          </a:stretch>
+        </p:blipFill>
+        <p:spPr>
+          <a:xfrm>
+            <a:off x="2191066" y="2874776"/>
+            <a:ext cx="6143625" cy="2019300"/>
+          </a:xfrm>
+          <a:prstGeom prst="rect">
+            <a:avLst/>
+          </a:prstGeom>
+        </p:spPr>
+      </p:pic>
+      <p:sp>
+        <p:nvSpPr>
+          <p:cNvPr id="3" name="직사각형 2"/>
+          <p:cNvSpPr/>
+          <p:nvPr/>
+        </p:nvSpPr>
+        <p:spPr>
+          <a:xfrm>
+            <a:off x="586740" y="278815"/>
+            <a:ext cx="8595360" cy="923330"/>
+          </a:xfrm>
+          <a:prstGeom prst="rect">
+            <a:avLst/>
+          </a:prstGeom>
+        </p:spPr>
+        <p:txBody>
+          <a:bodyPr wrap="square">
+            <a:spAutoFit/>
+          </a:bodyPr>
+          <a:lstStyle/>
+          <a:p>
+            <a:r>
+              <a:rPr lang="en-US" altLang="ko-KR" dirty="0"/>
+              <a:t>3)</a:t>
+            </a:r>
+            <a:r>
+              <a:rPr lang="en-US" altLang="ko-KR" dirty="0" err="1"/>
+              <a:t>ifconfig</a:t>
+            </a:r>
+            <a:r>
+              <a:rPr lang="en-US" altLang="ko-KR" dirty="0"/>
+              <a:t> </a:t>
+            </a:r>
+            <a:r>
+              <a:rPr lang="ko-KR" altLang="en-US" dirty="0"/>
+              <a:t>명령어 </a:t>
+            </a:r>
+            <a:r>
+              <a:rPr lang="ko-KR" altLang="en-US" dirty="0" smtClean="0"/>
+              <a:t>실습</a:t>
+            </a:r>
+            <a:endParaRPr lang="en-US" altLang="ko-KR" dirty="0" smtClean="0"/>
+          </a:p>
+          <a:p>
+            <a:r>
+              <a:rPr lang="ko-KR" altLang="en-US" dirty="0" smtClean="0"/>
+              <a:t>⑤ </a:t>
+            </a:r>
+            <a:r>
+              <a:rPr lang="en-US" altLang="ko-KR" dirty="0"/>
+              <a:t>route add default </a:t>
+            </a:r>
+            <a:r>
+              <a:rPr lang="en-US" altLang="ko-KR" dirty="0" err="1"/>
+              <a:t>gw</a:t>
+            </a:r>
+            <a:r>
+              <a:rPr lang="en-US" altLang="ko-KR" dirty="0"/>
+              <a:t> 192.168.1.1 eth0</a:t>
+            </a:r>
+          </a:p>
+          <a:p>
+            <a:endParaRPr lang="ko-KR" altLang="en-US" dirty="0"/>
+          </a:p>
+        </p:txBody>
+      </p:sp>
+      <p:sp>
+        <p:nvSpPr>
+          <p:cNvPr id="10" name="직사각형 9"/>
+          <p:cNvSpPr/>
+          <p:nvPr/>
+        </p:nvSpPr>
+        <p:spPr>
+          <a:xfrm>
+            <a:off x="3632862" y="2823913"/>
+            <a:ext cx="592138" cy="176075"/>
+          </a:xfrm>
+          <a:prstGeom prst="rect">
+            <a:avLst/>
+          </a:prstGeom>
+          <a:noFill/>
+          <a:ln>
+            <a:solidFill>
+              <a:srgbClr val="FF0000"/>
+            </a:solidFill>
+          </a:ln>
+        </p:spPr>
+        <p:style>
+          <a:lnRef idx="2">
+            <a:schemeClr val="accent1">
+              <a:shade val="50000"/>
+            </a:schemeClr>
+          </a:lnRef>
+          <a:fillRef idx="1">
+            <a:schemeClr val="accent1"/>
+          </a:fillRef>
+          <a:effectRef idx="0">
+            <a:schemeClr val="accent1"/>
+          </a:effectRef>
+          <a:fontRef idx="minor">
+            <a:schemeClr val="lt1"/>
+          </a:fontRef>
+        </p:style>
+        <p:txBody>
+          <a:bodyPr rtlCol="0" anchor="ctr"/>
+          <a:lstStyle/>
+          <a:p>
+            <a:pPr algn="ctr"/>
+            <a:endParaRPr lang="ko-KR" altLang="en-US" b="1" dirty="0"/>
+          </a:p>
+        </p:txBody>
+      </p:sp>
+      <p:sp>
+        <p:nvSpPr>
+          <p:cNvPr id="11" name="직사각형 10"/>
+          <p:cNvSpPr/>
+          <p:nvPr/>
+        </p:nvSpPr>
+        <p:spPr>
+          <a:xfrm>
+            <a:off x="3605821" y="3581670"/>
+            <a:ext cx="3175979" cy="188573"/>
+          </a:xfrm>
+          <a:prstGeom prst="rect">
+            <a:avLst/>
+          </a:prstGeom>
+          <a:noFill/>
+          <a:ln>
+            <a:solidFill>
+              <a:srgbClr val="FF0000"/>
+            </a:solidFill>
+          </a:ln>
+        </p:spPr>
+        <p:style>
+          <a:lnRef idx="2">
+            <a:schemeClr val="accent1">
+              <a:shade val="50000"/>
+            </a:schemeClr>
+          </a:lnRef>
+          <a:fillRef idx="1">
+            <a:schemeClr val="accent1"/>
+          </a:fillRef>
+          <a:effectRef idx="0">
+            <a:schemeClr val="accent1"/>
+          </a:effectRef>
+          <a:fontRef idx="minor">
+            <a:schemeClr val="lt1"/>
+          </a:fontRef>
+        </p:style>
+        <p:txBody>
+          <a:bodyPr rtlCol="0" anchor="ctr"/>
+          <a:lstStyle/>
+          <a:p>
+            <a:pPr algn="ctr"/>
+            <a:endParaRPr lang="ko-KR" altLang="en-US" b="1" dirty="0"/>
+          </a:p>
+        </p:txBody>
+      </p:sp>
+      <p:sp>
+        <p:nvSpPr>
+          <p:cNvPr id="12" name="직사각형 11"/>
+          <p:cNvSpPr/>
+          <p:nvPr/>
+        </p:nvSpPr>
+        <p:spPr>
+          <a:xfrm>
+            <a:off x="3619341" y="3744984"/>
+            <a:ext cx="619179" cy="223574"/>
+          </a:xfrm>
+          <a:prstGeom prst="rect">
+            <a:avLst/>
+          </a:prstGeom>
+          <a:noFill/>
+          <a:ln>
+            <a:solidFill>
+              <a:srgbClr val="FF0000"/>
+            </a:solidFill>
+          </a:ln>
+        </p:spPr>
+        <p:style>
+          <a:lnRef idx="2">
+            <a:schemeClr val="accent1">
+              <a:shade val="50000"/>
+            </a:schemeClr>
+          </a:lnRef>
+          <a:fillRef idx="1">
+            <a:schemeClr val="accent1"/>
+          </a:fillRef>
+          <a:effectRef idx="0">
+            <a:schemeClr val="accent1"/>
+          </a:effectRef>
+          <a:fontRef idx="minor">
+            <a:schemeClr val="lt1"/>
+          </a:fontRef>
+        </p:style>
+        <p:txBody>
+          <a:bodyPr rtlCol="0" anchor="ctr"/>
+          <a:lstStyle/>
+          <a:p>
+            <a:pPr algn="ctr"/>
+            <a:endParaRPr lang="ko-KR" altLang="en-US" b="1" dirty="0"/>
+          </a:p>
+        </p:txBody>
+      </p:sp>
+      <p:sp>
+        <p:nvSpPr>
+          <p:cNvPr id="13" name="직사각형 12"/>
+          <p:cNvSpPr/>
+          <p:nvPr/>
+        </p:nvSpPr>
+        <p:spPr>
+          <a:xfrm>
+            <a:off x="2191066" y="2999989"/>
+            <a:ext cx="6143625" cy="619782"/>
+          </a:xfrm>
+          <a:prstGeom prst="rect">
+            <a:avLst/>
+          </a:prstGeom>
+          <a:noFill/>
+          <a:ln>
+            <a:solidFill>
+              <a:srgbClr val="FF0000"/>
+            </a:solidFill>
+          </a:ln>
+        </p:spPr>
+        <p:style>
+          <a:lnRef idx="2">
+            <a:schemeClr val="accent1">
+              <a:shade val="50000"/>
+            </a:schemeClr>
+          </a:lnRef>
+          <a:fillRef idx="1">
+            <a:schemeClr val="accent1"/>
+          </a:fillRef>
+          <a:effectRef idx="0">
+            <a:schemeClr val="accent1"/>
+          </a:effectRef>
+          <a:fontRef idx="minor">
+            <a:schemeClr val="lt1"/>
+          </a:fontRef>
+        </p:style>
+        <p:txBody>
+          <a:bodyPr rtlCol="0" anchor="ctr"/>
+          <a:lstStyle/>
+          <a:p>
+            <a:pPr algn="ctr"/>
+            <a:endParaRPr lang="ko-KR" altLang="en-US" b="1" dirty="0"/>
+          </a:p>
+        </p:txBody>
+      </p:sp>
+      <p:sp>
+        <p:nvSpPr>
+          <p:cNvPr id="15" name="직사각형 14"/>
+          <p:cNvSpPr/>
+          <p:nvPr/>
+        </p:nvSpPr>
+        <p:spPr>
+          <a:xfrm>
+            <a:off x="2186966" y="4050414"/>
+            <a:ext cx="6017234" cy="610358"/>
+          </a:xfrm>
+          <a:prstGeom prst="rect">
+            <a:avLst/>
+          </a:prstGeom>
+          <a:noFill/>
+          <a:ln>
+            <a:solidFill>
+              <a:srgbClr val="FF0000"/>
+            </a:solidFill>
+          </a:ln>
+        </p:spPr>
+        <p:style>
+          <a:lnRef idx="2">
+            <a:schemeClr val="accent1">
+              <a:shade val="50000"/>
+            </a:schemeClr>
+          </a:lnRef>
+          <a:fillRef idx="1">
+            <a:schemeClr val="accent1"/>
+          </a:fillRef>
+          <a:effectRef idx="0">
+            <a:schemeClr val="accent1"/>
+          </a:effectRef>
+          <a:fontRef idx="minor">
+            <a:schemeClr val="lt1"/>
+          </a:fontRef>
+        </p:style>
+        <p:txBody>
+          <a:bodyPr rtlCol="0" anchor="ctr"/>
+          <a:lstStyle/>
+          <a:p>
+            <a:pPr algn="ctr"/>
+            <a:endParaRPr lang="ko-KR" altLang="en-US" b="1" dirty="0"/>
+          </a:p>
+        </p:txBody>
+      </p:sp>
+      <p:sp>
+        <p:nvSpPr>
+          <p:cNvPr id="16" name="TextBox 15"/>
+          <p:cNvSpPr txBox="1"/>
+          <p:nvPr/>
+        </p:nvSpPr>
+        <p:spPr>
+          <a:xfrm>
+            <a:off x="1951351" y="1900583"/>
+            <a:ext cx="7553671" cy="923330"/>
+          </a:xfrm>
+          <a:prstGeom prst="rect">
+            <a:avLst/>
+          </a:prstGeom>
+          <a:noFill/>
+        </p:spPr>
+        <p:txBody>
+          <a:bodyPr wrap="none" rtlCol="0">
+            <a:spAutoFit/>
+          </a:bodyPr>
+          <a:lstStyle/>
+          <a:p>
+            <a:r>
+              <a:rPr lang="en-US" altLang="ko-KR" dirty="0" smtClean="0"/>
+              <a:t>Route</a:t>
+            </a:r>
+            <a:r>
+              <a:rPr lang="ko-KR" altLang="en-US" dirty="0" smtClean="0"/>
+              <a:t>명령어를 통해서 </a:t>
+            </a:r>
+            <a:r>
+              <a:rPr lang="en-US" altLang="ko-KR" dirty="0" err="1" smtClean="0"/>
+              <a:t>ip</a:t>
+            </a:r>
+            <a:r>
+              <a:rPr lang="ko-KR" altLang="en-US" dirty="0" smtClean="0"/>
+              <a:t>가 </a:t>
+            </a:r>
+            <a:r>
+              <a:rPr lang="en-US" altLang="ko-KR" dirty="0" smtClean="0"/>
+              <a:t>192.168.1.1</a:t>
+            </a:r>
+            <a:r>
+              <a:rPr lang="ko-KR" altLang="en-US" dirty="0" smtClean="0"/>
+              <a:t>인</a:t>
+            </a:r>
+            <a:r>
+              <a:rPr lang="en-US" altLang="ko-KR" dirty="0" smtClean="0"/>
+              <a:t> </a:t>
+            </a:r>
+            <a:r>
+              <a:rPr lang="ko-KR" altLang="en-US" dirty="0" err="1" smtClean="0"/>
+              <a:t>게이트웨이를</a:t>
+            </a:r>
+            <a:r>
+              <a:rPr lang="ko-KR" altLang="en-US" dirty="0" smtClean="0"/>
+              <a:t> 추가</a:t>
+            </a:r>
+            <a:endParaRPr lang="en-US" altLang="ko-KR" dirty="0" smtClean="0"/>
+          </a:p>
+          <a:p>
+            <a:r>
+              <a:rPr lang="ko-KR" altLang="en-US" dirty="0" smtClean="0"/>
+              <a:t>기본 </a:t>
+            </a:r>
+            <a:r>
+              <a:rPr lang="ko-KR" altLang="en-US" dirty="0" err="1" smtClean="0"/>
+              <a:t>게이트웨이</a:t>
+            </a:r>
+            <a:r>
+              <a:rPr lang="ko-KR" altLang="en-US" dirty="0" smtClean="0"/>
+              <a:t> 이므로 </a:t>
+            </a:r>
+            <a:r>
+              <a:rPr lang="en-US" altLang="ko-KR" dirty="0" err="1" smtClean="0"/>
+              <a:t>GenMask</a:t>
+            </a:r>
+            <a:r>
+              <a:rPr lang="en-US" altLang="ko-KR" dirty="0" smtClean="0"/>
+              <a:t>(</a:t>
+            </a:r>
+            <a:r>
+              <a:rPr lang="ko-KR" altLang="en-US" dirty="0" smtClean="0"/>
+              <a:t>목적지 네트워크의 </a:t>
+            </a:r>
+            <a:r>
+              <a:rPr lang="ko-KR" altLang="en-US" dirty="0" err="1" smtClean="0"/>
+              <a:t>넷마스크</a:t>
+            </a:r>
+            <a:r>
+              <a:rPr lang="ko-KR" altLang="en-US" dirty="0" smtClean="0"/>
+              <a:t> 주소</a:t>
+            </a:r>
+            <a:r>
+              <a:rPr lang="en-US" altLang="ko-KR" dirty="0" smtClean="0"/>
+              <a:t>)</a:t>
+            </a:r>
+            <a:r>
+              <a:rPr lang="ko-KR" altLang="en-US" dirty="0" smtClean="0"/>
+              <a:t>가</a:t>
+            </a:r>
+            <a:endParaRPr lang="en-US" altLang="ko-KR" dirty="0" smtClean="0"/>
+          </a:p>
+          <a:p>
+            <a:r>
+              <a:rPr lang="en-US" altLang="ko-KR" dirty="0" smtClean="0"/>
+              <a:t>0.0.0.0</a:t>
+            </a:r>
+            <a:endParaRPr lang="ko-KR" altLang="en-US" dirty="0"/>
+          </a:p>
+        </p:txBody>
+      </p:sp>
+    </p:spTree>
+    <p:extLst>
+      <p:ext uri="{BB962C8B-B14F-4D97-AF65-F5344CB8AC3E}">
+        <p14:creationId xmlns:p14="http://schemas.microsoft.com/office/powerpoint/2010/main" val="645569731"/>
+      </p:ext>
+    </p:extLst>
+  </p:cSld>
+  <p:clrMapOvr>
+    <a:masterClrMapping/>
+  </p:clrMapOvr>
+</p:sld>
+</file>
+
+<file path=ppt/slides/slide18.xml><?xml version="1.0" encoding="utf-8"?>
+<p:sld xmlns:a="http://schemas.openxmlformats.org/drawingml/2006/main" xmlns:r="http://schemas.openxmlformats.org/officeDocument/2006/relationships" xmlns:p="http://schemas.openxmlformats.org/presentationml/2006/main">
+  <p:cSld>
+    <p:spTree>
+      <p:nvGrpSpPr>
+        <p:cNvPr id="1" name=""/>
+        <p:cNvGrpSpPr/>
+        <p:nvPr/>
+      </p:nvGrpSpPr>
+      <p:grpSpPr>
+        <a:xfrm>
+          <a:off x="0" y="0"/>
+          <a:ext cx="0" cy="0"/>
+          <a:chOff x="0" y="0"/>
+          <a:chExt cx="0" cy="0"/>
+        </a:xfrm>
+      </p:grpSpPr>
+      <p:sp>
+        <p:nvSpPr>
+          <p:cNvPr id="4" name="직사각형 3"/>
+          <p:cNvSpPr/>
+          <p:nvPr/>
+        </p:nvSpPr>
+        <p:spPr>
+          <a:xfrm>
+            <a:off x="177800" y="165438"/>
+            <a:ext cx="6096000" cy="646331"/>
+          </a:xfrm>
+          <a:prstGeom prst="rect">
+            <a:avLst/>
+          </a:prstGeom>
+        </p:spPr>
+        <p:txBody>
+          <a:bodyPr>
+            <a:spAutoFit/>
+          </a:bodyPr>
+          <a:lstStyle/>
+          <a:p>
+            <a:r>
+              <a:rPr lang="en-US" altLang="ko-KR" dirty="0"/>
+              <a:t>4) ping </a:t>
+            </a:r>
+            <a:r>
+              <a:rPr lang="ko-KR" altLang="en-US" dirty="0"/>
+              <a:t>명령어 실습</a:t>
+            </a:r>
+          </a:p>
+          <a:p>
+            <a:r>
+              <a:rPr lang="ko-KR" altLang="en-US" dirty="0"/>
+              <a:t>① </a:t>
+            </a:r>
+            <a:r>
+              <a:rPr lang="en-US" altLang="ko-KR" dirty="0"/>
+              <a:t>ping -t </a:t>
+            </a:r>
+            <a:r>
+              <a:rPr lang="en-US" altLang="ko-KR" dirty="0" smtClean="0"/>
+              <a:t>172.17.245.1</a:t>
+            </a:r>
+            <a:endParaRPr lang="en-US" altLang="ko-KR" dirty="0"/>
+          </a:p>
+        </p:txBody>
+      </p:sp>
+      <p:pic>
+        <p:nvPicPr>
+          <p:cNvPr id="5" name="그림 4"/>
+          <p:cNvPicPr>
+            <a:picLocks noChangeAspect="1"/>
+          </p:cNvPicPr>
+          <p:nvPr/>
+        </p:nvPicPr>
+        <p:blipFill>
+          <a:blip r:embed="rId2"/>
+          <a:stretch>
+            <a:fillRect/>
+          </a:stretch>
+        </p:blipFill>
+        <p:spPr>
+          <a:xfrm>
+            <a:off x="990600" y="2604749"/>
+            <a:ext cx="3505200" cy="504825"/>
+          </a:xfrm>
+          <a:prstGeom prst="rect">
+            <a:avLst/>
+          </a:prstGeom>
+        </p:spPr>
+      </p:pic>
+      <p:pic>
+        <p:nvPicPr>
+          <p:cNvPr id="6" name="그림 5"/>
+          <p:cNvPicPr>
+            <a:picLocks noChangeAspect="1"/>
+          </p:cNvPicPr>
+          <p:nvPr/>
+        </p:nvPicPr>
+        <p:blipFill>
+          <a:blip r:embed="rId3"/>
+          <a:stretch>
+            <a:fillRect/>
+          </a:stretch>
+        </p:blipFill>
+        <p:spPr>
+          <a:xfrm>
+            <a:off x="901700" y="4455040"/>
+            <a:ext cx="6591300" cy="1943100"/>
+          </a:xfrm>
+          <a:prstGeom prst="rect">
+            <a:avLst/>
+          </a:prstGeom>
+        </p:spPr>
+      </p:pic>
+      <p:sp>
+        <p:nvSpPr>
+          <p:cNvPr id="7" name="TextBox 6"/>
+          <p:cNvSpPr txBox="1"/>
+          <p:nvPr/>
+        </p:nvSpPr>
+        <p:spPr>
+          <a:xfrm>
+            <a:off x="901700" y="1756628"/>
+            <a:ext cx="8594019" cy="646331"/>
+          </a:xfrm>
+          <a:prstGeom prst="rect">
+            <a:avLst/>
+          </a:prstGeom>
+          <a:noFill/>
+        </p:spPr>
+        <p:txBody>
+          <a:bodyPr wrap="none" rtlCol="0">
+            <a:spAutoFit/>
+          </a:bodyPr>
+          <a:lstStyle/>
+          <a:p>
+            <a:r>
+              <a:rPr lang="en-US" altLang="ko-KR" dirty="0" smtClean="0"/>
+              <a:t>Ping</a:t>
+            </a:r>
+            <a:r>
+              <a:rPr lang="ko-KR" altLang="en-US" dirty="0" smtClean="0"/>
+              <a:t>명령을 통해 </a:t>
+            </a:r>
+            <a:r>
+              <a:rPr lang="en-US" altLang="ko-KR" dirty="0" smtClean="0"/>
+              <a:t>172.17.245.1</a:t>
+            </a:r>
+            <a:r>
+              <a:rPr lang="ko-KR" altLang="en-US" dirty="0" smtClean="0"/>
+              <a:t>로 중단명령이 있을 때까지 네트워크 연결 테스트를</a:t>
+            </a:r>
+            <a:endParaRPr lang="en-US" altLang="ko-KR" dirty="0" smtClean="0"/>
+          </a:p>
+          <a:p>
+            <a:r>
+              <a:rPr lang="ko-KR" altLang="en-US" dirty="0" smtClean="0"/>
+              <a:t>계속하도록 명령했지만 해당 </a:t>
+            </a:r>
+            <a:r>
+              <a:rPr lang="en-US" altLang="ko-KR" dirty="0" err="1" smtClean="0"/>
+              <a:t>ip</a:t>
+            </a:r>
+            <a:r>
+              <a:rPr lang="ko-KR" altLang="en-US" dirty="0" smtClean="0"/>
+              <a:t>주소로 </a:t>
+            </a:r>
+            <a:r>
+              <a:rPr lang="en-US" altLang="ko-KR" dirty="0" smtClean="0"/>
+              <a:t>ping</a:t>
+            </a:r>
+            <a:r>
+              <a:rPr lang="ko-KR" altLang="en-US" dirty="0" smtClean="0"/>
+              <a:t>테스트 불가</a:t>
+            </a:r>
+            <a:r>
+              <a:rPr lang="en-US" altLang="ko-KR" dirty="0" smtClean="0"/>
+              <a:t>.</a:t>
+            </a:r>
+            <a:endParaRPr lang="ko-KR" altLang="en-US" dirty="0"/>
+          </a:p>
+        </p:txBody>
+      </p:sp>
+      <p:sp>
+        <p:nvSpPr>
+          <p:cNvPr id="8" name="TextBox 7"/>
+          <p:cNvSpPr txBox="1"/>
+          <p:nvPr/>
+        </p:nvSpPr>
+        <p:spPr>
+          <a:xfrm>
+            <a:off x="812800" y="3835400"/>
+            <a:ext cx="9756197" cy="646331"/>
+          </a:xfrm>
+          <a:prstGeom prst="rect">
+            <a:avLst/>
+          </a:prstGeom>
+          <a:noFill/>
+        </p:spPr>
+        <p:txBody>
+          <a:bodyPr wrap="none" rtlCol="0">
+            <a:spAutoFit/>
+          </a:bodyPr>
+          <a:lstStyle/>
+          <a:p>
+            <a:r>
+              <a:rPr lang="ko-KR" altLang="en-US" dirty="0" smtClean="0"/>
+              <a:t>존재하는 서버의 </a:t>
+            </a:r>
+            <a:r>
+              <a:rPr lang="en-US" altLang="ko-KR" dirty="0" err="1" smtClean="0"/>
+              <a:t>ip</a:t>
+            </a:r>
+            <a:r>
+              <a:rPr lang="ko-KR" altLang="en-US" dirty="0" smtClean="0"/>
+              <a:t>인지 확인해보기 위해서 </a:t>
+            </a:r>
+            <a:r>
+              <a:rPr lang="en-US" altLang="ko-KR" dirty="0" smtClean="0"/>
+              <a:t>Window</a:t>
+            </a:r>
+            <a:r>
+              <a:rPr lang="ko-KR" altLang="en-US" dirty="0" smtClean="0"/>
+              <a:t>의 </a:t>
+            </a:r>
+            <a:r>
+              <a:rPr lang="en-US" altLang="ko-KR" dirty="0" err="1" smtClean="0"/>
+              <a:t>cmd</a:t>
+            </a:r>
+            <a:r>
+              <a:rPr lang="ko-KR" altLang="en-US" dirty="0" smtClean="0"/>
+              <a:t>에서 </a:t>
+            </a:r>
+            <a:r>
+              <a:rPr lang="en-US" altLang="ko-KR" dirty="0" err="1" smtClean="0"/>
+              <a:t>nslookup</a:t>
+            </a:r>
+            <a:r>
+              <a:rPr lang="ko-KR" altLang="en-US" dirty="0" smtClean="0"/>
+              <a:t>명령을 해보았으나</a:t>
+            </a:r>
+            <a:endParaRPr lang="en-US" altLang="ko-KR" dirty="0" smtClean="0"/>
+          </a:p>
+          <a:p>
+            <a:r>
+              <a:rPr lang="en-US" altLang="ko-KR" dirty="0" smtClean="0"/>
+              <a:t>Kns.kornet.net</a:t>
+            </a:r>
+            <a:r>
+              <a:rPr lang="ko-KR" altLang="en-US" dirty="0" smtClean="0"/>
+              <a:t>이라는 </a:t>
+            </a:r>
+            <a:r>
+              <a:rPr lang="en-US" altLang="ko-KR" dirty="0" err="1" smtClean="0"/>
+              <a:t>dns</a:t>
+            </a:r>
+            <a:r>
+              <a:rPr lang="ko-KR" altLang="en-US" dirty="0" smtClean="0"/>
+              <a:t>서버에서는 찾을 수 없다고 한다</a:t>
+            </a:r>
+            <a:r>
+              <a:rPr lang="en-US" altLang="ko-KR" dirty="0" smtClean="0"/>
+              <a:t>.</a:t>
+            </a:r>
+            <a:endParaRPr lang="ko-KR" altLang="en-US" dirty="0"/>
+          </a:p>
+        </p:txBody>
+      </p:sp>
+      <p:sp>
+        <p:nvSpPr>
+          <p:cNvPr id="17" name="직사각형 16"/>
+          <p:cNvSpPr/>
+          <p:nvPr/>
+        </p:nvSpPr>
+        <p:spPr>
+          <a:xfrm>
+            <a:off x="2743200" y="2604749"/>
+            <a:ext cx="1668780" cy="176551"/>
+          </a:xfrm>
+          <a:prstGeom prst="rect">
+            <a:avLst/>
+          </a:prstGeom>
+          <a:noFill/>
+          <a:ln>
+            <a:solidFill>
+              <a:srgbClr val="FF0000"/>
+            </a:solidFill>
+          </a:ln>
+        </p:spPr>
+        <p:style>
+          <a:lnRef idx="2">
+            <a:schemeClr val="accent1">
+              <a:shade val="50000"/>
+            </a:schemeClr>
+          </a:lnRef>
+          <a:fillRef idx="1">
+            <a:schemeClr val="accent1"/>
+          </a:fillRef>
+          <a:effectRef idx="0">
+            <a:schemeClr val="accent1"/>
+          </a:effectRef>
+          <a:fontRef idx="minor">
+            <a:schemeClr val="lt1"/>
+          </a:fontRef>
+        </p:style>
+        <p:txBody>
+          <a:bodyPr rtlCol="0" anchor="ctr"/>
+          <a:lstStyle/>
+          <a:p>
+            <a:pPr algn="ctr"/>
+            <a:endParaRPr lang="ko-KR" altLang="en-US" b="1" dirty="0"/>
+          </a:p>
+        </p:txBody>
+      </p:sp>
+      <p:sp>
+        <p:nvSpPr>
+          <p:cNvPr id="18" name="직사각형 17"/>
+          <p:cNvSpPr/>
+          <p:nvPr/>
+        </p:nvSpPr>
+        <p:spPr>
+          <a:xfrm>
+            <a:off x="1935321" y="5145708"/>
+            <a:ext cx="1676559" cy="203532"/>
+          </a:xfrm>
+          <a:prstGeom prst="rect">
+            <a:avLst/>
+          </a:prstGeom>
+          <a:noFill/>
+          <a:ln>
+            <a:solidFill>
+              <a:srgbClr val="FF0000"/>
+            </a:solidFill>
+          </a:ln>
+        </p:spPr>
+        <p:style>
+          <a:lnRef idx="2">
+            <a:schemeClr val="accent1">
+              <a:shade val="50000"/>
+            </a:schemeClr>
+          </a:lnRef>
+          <a:fillRef idx="1">
+            <a:schemeClr val="accent1"/>
+          </a:fillRef>
+          <a:effectRef idx="0">
+            <a:schemeClr val="accent1"/>
+          </a:effectRef>
+          <a:fontRef idx="minor">
+            <a:schemeClr val="lt1"/>
+          </a:fontRef>
+        </p:style>
+        <p:txBody>
+          <a:bodyPr rtlCol="0" anchor="ctr"/>
+          <a:lstStyle/>
+          <a:p>
+            <a:pPr algn="ctr"/>
+            <a:endParaRPr lang="ko-KR" altLang="en-US" b="1" dirty="0"/>
+          </a:p>
+        </p:txBody>
+      </p:sp>
+    </p:spTree>
+    <p:extLst>
+      <p:ext uri="{BB962C8B-B14F-4D97-AF65-F5344CB8AC3E}">
+        <p14:creationId xmlns:p14="http://schemas.microsoft.com/office/powerpoint/2010/main" val="1392135181"/>
+      </p:ext>
+    </p:extLst>
+  </p:cSld>
+  <p:clrMapOvr>
+    <a:masterClrMapping/>
+  </p:clrMapOvr>
+</p:sld>
+</file>
+
+<file path=ppt/slides/slide19.xml><?xml version="1.0" encoding="utf-8"?>
+<p:sld xmlns:a="http://schemas.openxmlformats.org/drawingml/2006/main" xmlns:r="http://schemas.openxmlformats.org/officeDocument/2006/relationships" xmlns:p="http://schemas.openxmlformats.org/presentationml/2006/main">
+  <p:cSld>
+    <p:spTree>
+      <p:nvGrpSpPr>
+        <p:cNvPr id="1" name=""/>
+        <p:cNvGrpSpPr/>
+        <p:nvPr/>
+      </p:nvGrpSpPr>
+      <p:grpSpPr>
+        <a:xfrm>
+          <a:off x="0" y="0"/>
+          <a:ext cx="0" cy="0"/>
+          <a:chOff x="0" y="0"/>
+          <a:chExt cx="0" cy="0"/>
+        </a:xfrm>
+      </p:grpSpPr>
+      <p:sp>
+        <p:nvSpPr>
+          <p:cNvPr id="4" name="직사각형 3"/>
+          <p:cNvSpPr/>
+          <p:nvPr/>
+        </p:nvSpPr>
+        <p:spPr>
+          <a:xfrm>
+            <a:off x="177800" y="165438"/>
+            <a:ext cx="6096000" cy="646331"/>
+          </a:xfrm>
+          <a:prstGeom prst="rect">
+            <a:avLst/>
+          </a:prstGeom>
+        </p:spPr>
+        <p:txBody>
+          <a:bodyPr>
+            <a:spAutoFit/>
+          </a:bodyPr>
+          <a:lstStyle/>
+          <a:p>
+            <a:r>
+              <a:rPr lang="en-US" altLang="ko-KR" dirty="0"/>
+              <a:t>4) ping </a:t>
+            </a:r>
+            <a:r>
+              <a:rPr lang="ko-KR" altLang="en-US" dirty="0"/>
+              <a:t>명령어 실습</a:t>
+            </a:r>
+          </a:p>
+          <a:p>
+            <a:r>
+              <a:rPr lang="en-US" altLang="ko-KR" dirty="0" smtClean="0"/>
+              <a:t>② </a:t>
+            </a:r>
+            <a:r>
+              <a:rPr lang="en-US" altLang="ko-KR" dirty="0"/>
+              <a:t>ping –a </a:t>
+            </a:r>
+            <a:r>
+              <a:rPr lang="en-US" altLang="ko-KR" dirty="0" smtClean="0"/>
+              <a:t>www.kopo.ac.kr</a:t>
+            </a:r>
+            <a:endParaRPr lang="en-US" altLang="ko-KR" dirty="0"/>
+          </a:p>
+        </p:txBody>
+      </p:sp>
+      <p:pic>
+        <p:nvPicPr>
+          <p:cNvPr id="3" name="그림 2"/>
+          <p:cNvPicPr>
+            <a:picLocks noChangeAspect="1"/>
+          </p:cNvPicPr>
+          <p:nvPr/>
+        </p:nvPicPr>
+        <p:blipFill>
+          <a:blip r:embed="rId2"/>
+          <a:stretch>
+            <a:fillRect/>
+          </a:stretch>
+        </p:blipFill>
+        <p:spPr>
+          <a:xfrm>
+            <a:off x="1581150" y="2860675"/>
+            <a:ext cx="7658100" cy="552450"/>
+          </a:xfrm>
+          <a:prstGeom prst="rect">
+            <a:avLst/>
+          </a:prstGeom>
+        </p:spPr>
+      </p:pic>
+      <p:pic>
+        <p:nvPicPr>
+          <p:cNvPr id="2" name="그림 1"/>
+          <p:cNvPicPr>
+            <a:picLocks noChangeAspect="1"/>
+          </p:cNvPicPr>
+          <p:nvPr/>
+        </p:nvPicPr>
+        <p:blipFill>
+          <a:blip r:embed="rId3"/>
+          <a:stretch>
+            <a:fillRect/>
+          </a:stretch>
+        </p:blipFill>
+        <p:spPr>
+          <a:xfrm>
+            <a:off x="1793875" y="4019550"/>
+            <a:ext cx="6953250" cy="1181100"/>
+          </a:xfrm>
+          <a:prstGeom prst="rect">
+            <a:avLst/>
+          </a:prstGeom>
+        </p:spPr>
+      </p:pic>
+      <p:sp>
+        <p:nvSpPr>
+          <p:cNvPr id="5" name="TextBox 4"/>
+          <p:cNvSpPr txBox="1"/>
+          <p:nvPr/>
+        </p:nvSpPr>
+        <p:spPr>
+          <a:xfrm>
+            <a:off x="1638736" y="2266950"/>
+            <a:ext cx="7263527" cy="369332"/>
+          </a:xfrm>
+          <a:prstGeom prst="rect">
+            <a:avLst/>
+          </a:prstGeom>
+          <a:noFill/>
+        </p:spPr>
+        <p:txBody>
+          <a:bodyPr wrap="none" rtlCol="0">
+            <a:spAutoFit/>
+          </a:bodyPr>
+          <a:lstStyle/>
+          <a:p>
+            <a:r>
+              <a:rPr lang="en-US" altLang="ko-KR" dirty="0" smtClean="0"/>
+              <a:t>Ping </a:t>
+            </a:r>
+            <a:r>
+              <a:rPr lang="ko-KR" altLang="en-US" dirty="0" smtClean="0"/>
+              <a:t>명령을 통해 </a:t>
+            </a:r>
+            <a:r>
+              <a:rPr lang="en-US" altLang="ko-KR" dirty="0" err="1" smtClean="0"/>
+              <a:t>ip</a:t>
+            </a:r>
+            <a:r>
+              <a:rPr lang="ko-KR" altLang="en-US" dirty="0" smtClean="0"/>
+              <a:t>주소를 확인해보려고 했으나 응답이 오지 않았다</a:t>
+            </a:r>
+            <a:r>
+              <a:rPr lang="en-US" altLang="ko-KR" dirty="0" smtClean="0"/>
+              <a:t>.</a:t>
+            </a:r>
+            <a:endParaRPr lang="ko-KR" altLang="en-US" dirty="0"/>
+          </a:p>
+        </p:txBody>
+      </p:sp>
+      <p:sp>
+        <p:nvSpPr>
+          <p:cNvPr id="6" name="직사각형 5"/>
+          <p:cNvSpPr/>
+          <p:nvPr/>
+        </p:nvSpPr>
+        <p:spPr>
+          <a:xfrm>
+            <a:off x="3299301" y="2827706"/>
+            <a:ext cx="1737519" cy="227913"/>
+          </a:xfrm>
+          <a:prstGeom prst="rect">
+            <a:avLst/>
+          </a:prstGeom>
+          <a:noFill/>
+          <a:ln>
+            <a:solidFill>
+              <a:srgbClr val="FF0000"/>
+            </a:solidFill>
+          </a:ln>
+        </p:spPr>
+        <p:style>
+          <a:lnRef idx="2">
+            <a:schemeClr val="accent1">
+              <a:shade val="50000"/>
+            </a:schemeClr>
+          </a:lnRef>
+          <a:fillRef idx="1">
+            <a:schemeClr val="accent1"/>
+          </a:fillRef>
+          <a:effectRef idx="0">
+            <a:schemeClr val="accent1"/>
+          </a:effectRef>
+          <a:fontRef idx="minor">
+            <a:schemeClr val="lt1"/>
+          </a:fontRef>
+        </p:style>
+        <p:txBody>
+          <a:bodyPr rtlCol="0" anchor="ctr"/>
+          <a:lstStyle/>
+          <a:p>
+            <a:pPr algn="ctr"/>
+            <a:endParaRPr lang="ko-KR" altLang="en-US" b="1" dirty="0"/>
+          </a:p>
+        </p:txBody>
+      </p:sp>
+      <p:sp>
+        <p:nvSpPr>
+          <p:cNvPr id="7" name="직사각형 6"/>
+          <p:cNvSpPr/>
+          <p:nvPr/>
+        </p:nvSpPr>
+        <p:spPr>
+          <a:xfrm>
+            <a:off x="3634581" y="4610100"/>
+            <a:ext cx="891699" cy="205740"/>
+          </a:xfrm>
+          <a:prstGeom prst="rect">
+            <a:avLst/>
+          </a:prstGeom>
+          <a:noFill/>
+          <a:ln>
+            <a:solidFill>
+              <a:srgbClr val="FF0000"/>
+            </a:solidFill>
+          </a:ln>
+        </p:spPr>
+        <p:style>
+          <a:lnRef idx="2">
+            <a:schemeClr val="accent1">
+              <a:shade val="50000"/>
+            </a:schemeClr>
+          </a:lnRef>
+          <a:fillRef idx="1">
+            <a:schemeClr val="accent1"/>
+          </a:fillRef>
+          <a:effectRef idx="0">
+            <a:schemeClr val="accent1"/>
+          </a:effectRef>
+          <a:fontRef idx="minor">
+            <a:schemeClr val="lt1"/>
+          </a:fontRef>
+        </p:style>
+        <p:txBody>
+          <a:bodyPr rtlCol="0" anchor="ctr"/>
+          <a:lstStyle/>
+          <a:p>
+            <a:pPr algn="ctr"/>
+            <a:endParaRPr lang="ko-KR" altLang="en-US" b="1" dirty="0"/>
+          </a:p>
+        </p:txBody>
+      </p:sp>
+      <p:sp>
+        <p:nvSpPr>
+          <p:cNvPr id="8" name="직사각형 7"/>
+          <p:cNvSpPr/>
+          <p:nvPr/>
+        </p:nvSpPr>
+        <p:spPr>
+          <a:xfrm>
+            <a:off x="5921136" y="4648200"/>
+            <a:ext cx="1104504" cy="167640"/>
+          </a:xfrm>
+          <a:prstGeom prst="rect">
+            <a:avLst/>
+          </a:prstGeom>
+          <a:noFill/>
+          <a:ln>
+            <a:solidFill>
+              <a:srgbClr val="FF0000"/>
+            </a:solidFill>
+          </a:ln>
+        </p:spPr>
+        <p:style>
+          <a:lnRef idx="2">
+            <a:schemeClr val="accent1">
+              <a:shade val="50000"/>
+            </a:schemeClr>
+          </a:lnRef>
+          <a:fillRef idx="1">
+            <a:schemeClr val="accent1"/>
+          </a:fillRef>
+          <a:effectRef idx="0">
+            <a:schemeClr val="accent1"/>
+          </a:effectRef>
+          <a:fontRef idx="minor">
+            <a:schemeClr val="lt1"/>
+          </a:fontRef>
+        </p:style>
+        <p:txBody>
+          <a:bodyPr rtlCol="0" anchor="ctr"/>
+          <a:lstStyle/>
+          <a:p>
+            <a:pPr algn="ctr"/>
+            <a:endParaRPr lang="ko-KR" altLang="en-US" b="1" dirty="0"/>
+          </a:p>
+        </p:txBody>
+      </p:sp>
+    </p:spTree>
+    <p:extLst>
+      <p:ext uri="{BB962C8B-B14F-4D97-AF65-F5344CB8AC3E}">
+        <p14:creationId xmlns:p14="http://schemas.microsoft.com/office/powerpoint/2010/main" val="2342576523"/>
       </p:ext>
     </p:extLst>
   </p:cSld>
@@ -6258,6 +8203,2044 @@
 </p:sld>
 </file>
 
+<file path=ppt/slides/slide20.xml><?xml version="1.0" encoding="utf-8"?>
+<p:sld xmlns:a="http://schemas.openxmlformats.org/drawingml/2006/main" xmlns:r="http://schemas.openxmlformats.org/officeDocument/2006/relationships" xmlns:p="http://schemas.openxmlformats.org/presentationml/2006/main">
+  <p:cSld>
+    <p:spTree>
+      <p:nvGrpSpPr>
+        <p:cNvPr id="1" name=""/>
+        <p:cNvGrpSpPr/>
+        <p:nvPr/>
+      </p:nvGrpSpPr>
+      <p:grpSpPr>
+        <a:xfrm>
+          <a:off x="0" y="0"/>
+          <a:ext cx="0" cy="0"/>
+          <a:chOff x="0" y="0"/>
+          <a:chExt cx="0" cy="0"/>
+        </a:xfrm>
+      </p:grpSpPr>
+      <p:sp>
+        <p:nvSpPr>
+          <p:cNvPr id="4" name="직사각형 3"/>
+          <p:cNvSpPr/>
+          <p:nvPr/>
+        </p:nvSpPr>
+        <p:spPr>
+          <a:xfrm>
+            <a:off x="177800" y="165438"/>
+            <a:ext cx="6096000" cy="646331"/>
+          </a:xfrm>
+          <a:prstGeom prst="rect">
+            <a:avLst/>
+          </a:prstGeom>
+        </p:spPr>
+        <p:txBody>
+          <a:bodyPr>
+            <a:spAutoFit/>
+          </a:bodyPr>
+          <a:lstStyle/>
+          <a:p>
+            <a:r>
+              <a:rPr lang="en-US" altLang="ko-KR" dirty="0"/>
+              <a:t>4) ping </a:t>
+            </a:r>
+            <a:r>
+              <a:rPr lang="ko-KR" altLang="en-US" dirty="0"/>
+              <a:t>명령어 실습</a:t>
+            </a:r>
+          </a:p>
+          <a:p>
+            <a:r>
+              <a:rPr lang="en-US" altLang="ko-KR" dirty="0" smtClean="0"/>
+              <a:t>③ </a:t>
+            </a:r>
+            <a:r>
+              <a:rPr lang="en-US" altLang="ko-KR" dirty="0"/>
+              <a:t>ping -n 8 </a:t>
+            </a:r>
+            <a:r>
+              <a:rPr lang="en-US" altLang="ko-KR" dirty="0" smtClean="0"/>
+              <a:t>172.17.245.1</a:t>
+            </a:r>
+            <a:endParaRPr lang="en-US" altLang="ko-KR" dirty="0"/>
+          </a:p>
+        </p:txBody>
+      </p:sp>
+      <p:pic>
+        <p:nvPicPr>
+          <p:cNvPr id="3" name="그림 2"/>
+          <p:cNvPicPr>
+            <a:picLocks noChangeAspect="1"/>
+          </p:cNvPicPr>
+          <p:nvPr/>
+        </p:nvPicPr>
+        <p:blipFill>
+          <a:blip r:embed="rId2"/>
+          <a:stretch>
+            <a:fillRect/>
+          </a:stretch>
+        </p:blipFill>
+        <p:spPr>
+          <a:xfrm>
+            <a:off x="1873250" y="2733992"/>
+            <a:ext cx="7277100" cy="561975"/>
+          </a:xfrm>
+          <a:prstGeom prst="rect">
+            <a:avLst/>
+          </a:prstGeom>
+        </p:spPr>
+      </p:pic>
+      <p:pic>
+        <p:nvPicPr>
+          <p:cNvPr id="6" name="그림 5"/>
+          <p:cNvPicPr>
+            <a:picLocks noChangeAspect="1"/>
+          </p:cNvPicPr>
+          <p:nvPr/>
+        </p:nvPicPr>
+        <p:blipFill>
+          <a:blip r:embed="rId3"/>
+          <a:stretch>
+            <a:fillRect/>
+          </a:stretch>
+        </p:blipFill>
+        <p:spPr>
+          <a:xfrm>
+            <a:off x="1692275" y="3873817"/>
+            <a:ext cx="7639050" cy="1152525"/>
+          </a:xfrm>
+          <a:prstGeom prst="rect">
+            <a:avLst/>
+          </a:prstGeom>
+        </p:spPr>
+      </p:pic>
+      <p:sp>
+        <p:nvSpPr>
+          <p:cNvPr id="7" name="직사각형 6"/>
+          <p:cNvSpPr/>
+          <p:nvPr/>
+        </p:nvSpPr>
+        <p:spPr>
+          <a:xfrm>
+            <a:off x="3611721" y="2733992"/>
+            <a:ext cx="1775619" cy="214948"/>
+          </a:xfrm>
+          <a:prstGeom prst="rect">
+            <a:avLst/>
+          </a:prstGeom>
+          <a:noFill/>
+          <a:ln>
+            <a:solidFill>
+              <a:srgbClr val="FF0000"/>
+            </a:solidFill>
+          </a:ln>
+        </p:spPr>
+        <p:style>
+          <a:lnRef idx="2">
+            <a:schemeClr val="accent1">
+              <a:shade val="50000"/>
+            </a:schemeClr>
+          </a:lnRef>
+          <a:fillRef idx="1">
+            <a:schemeClr val="accent1"/>
+          </a:fillRef>
+          <a:effectRef idx="0">
+            <a:schemeClr val="accent1"/>
+          </a:effectRef>
+          <a:fontRef idx="minor">
+            <a:schemeClr val="lt1"/>
+          </a:fontRef>
+        </p:style>
+        <p:txBody>
+          <a:bodyPr rtlCol="0" anchor="ctr"/>
+          <a:lstStyle/>
+          <a:p>
+            <a:pPr algn="ctr"/>
+            <a:endParaRPr lang="ko-KR" altLang="en-US" b="1" dirty="0"/>
+          </a:p>
+        </p:txBody>
+      </p:sp>
+      <p:sp>
+        <p:nvSpPr>
+          <p:cNvPr id="8" name="직사각형 7"/>
+          <p:cNvSpPr/>
+          <p:nvPr/>
+        </p:nvSpPr>
+        <p:spPr>
+          <a:xfrm>
+            <a:off x="3466941" y="4450078"/>
+            <a:ext cx="1005999" cy="259081"/>
+          </a:xfrm>
+          <a:prstGeom prst="rect">
+            <a:avLst/>
+          </a:prstGeom>
+          <a:noFill/>
+          <a:ln>
+            <a:solidFill>
+              <a:srgbClr val="FF0000"/>
+            </a:solidFill>
+          </a:ln>
+        </p:spPr>
+        <p:style>
+          <a:lnRef idx="2">
+            <a:schemeClr val="accent1">
+              <a:shade val="50000"/>
+            </a:schemeClr>
+          </a:lnRef>
+          <a:fillRef idx="1">
+            <a:schemeClr val="accent1"/>
+          </a:fillRef>
+          <a:effectRef idx="0">
+            <a:schemeClr val="accent1"/>
+          </a:effectRef>
+          <a:fontRef idx="minor">
+            <a:schemeClr val="lt1"/>
+          </a:fontRef>
+        </p:style>
+        <p:txBody>
+          <a:bodyPr rtlCol="0" anchor="ctr"/>
+          <a:lstStyle/>
+          <a:p>
+            <a:pPr algn="ctr"/>
+            <a:endParaRPr lang="ko-KR" altLang="en-US" b="1" dirty="0"/>
+          </a:p>
+        </p:txBody>
+      </p:sp>
+      <p:sp>
+        <p:nvSpPr>
+          <p:cNvPr id="9" name="직사각형 8"/>
+          <p:cNvSpPr/>
+          <p:nvPr/>
+        </p:nvSpPr>
+        <p:spPr>
+          <a:xfrm>
+            <a:off x="5808900" y="4450078"/>
+            <a:ext cx="1117680" cy="259081"/>
+          </a:xfrm>
+          <a:prstGeom prst="rect">
+            <a:avLst/>
+          </a:prstGeom>
+          <a:noFill/>
+          <a:ln>
+            <a:solidFill>
+              <a:srgbClr val="FF0000"/>
+            </a:solidFill>
+          </a:ln>
+        </p:spPr>
+        <p:style>
+          <a:lnRef idx="2">
+            <a:schemeClr val="accent1">
+              <a:shade val="50000"/>
+            </a:schemeClr>
+          </a:lnRef>
+          <a:fillRef idx="1">
+            <a:schemeClr val="accent1"/>
+          </a:fillRef>
+          <a:effectRef idx="0">
+            <a:schemeClr val="accent1"/>
+          </a:effectRef>
+          <a:fontRef idx="minor">
+            <a:schemeClr val="lt1"/>
+          </a:fontRef>
+        </p:style>
+        <p:txBody>
+          <a:bodyPr rtlCol="0" anchor="ctr"/>
+          <a:lstStyle/>
+          <a:p>
+            <a:pPr algn="ctr"/>
+            <a:endParaRPr lang="ko-KR" altLang="en-US" b="1" dirty="0"/>
+          </a:p>
+        </p:txBody>
+      </p:sp>
+      <p:sp>
+        <p:nvSpPr>
+          <p:cNvPr id="10" name="TextBox 9"/>
+          <p:cNvSpPr txBox="1"/>
+          <p:nvPr/>
+        </p:nvSpPr>
+        <p:spPr>
+          <a:xfrm>
+            <a:off x="1760385" y="1951592"/>
+            <a:ext cx="7253909" cy="646331"/>
+          </a:xfrm>
+          <a:prstGeom prst="rect">
+            <a:avLst/>
+          </a:prstGeom>
+          <a:noFill/>
+        </p:spPr>
+        <p:txBody>
+          <a:bodyPr wrap="none" rtlCol="0">
+            <a:spAutoFit/>
+          </a:bodyPr>
+          <a:lstStyle/>
+          <a:p>
+            <a:r>
+              <a:rPr lang="en-US" altLang="ko-KR" dirty="0" smtClean="0"/>
+              <a:t>Ping </a:t>
+            </a:r>
+            <a:r>
+              <a:rPr lang="ko-KR" altLang="en-US" dirty="0" smtClean="0"/>
+              <a:t>명령을 통해 </a:t>
+            </a:r>
+            <a:r>
+              <a:rPr lang="en-US" altLang="ko-KR" dirty="0" smtClean="0"/>
+              <a:t>172.17.245.1</a:t>
+            </a:r>
+            <a:r>
+              <a:rPr lang="ko-KR" altLang="en-US" dirty="0" smtClean="0"/>
+              <a:t>로 </a:t>
+            </a:r>
+            <a:r>
+              <a:rPr lang="en-US" altLang="ko-KR" dirty="0" smtClean="0"/>
+              <a:t>8</a:t>
+            </a:r>
+            <a:r>
+              <a:rPr lang="ko-KR" altLang="en-US" dirty="0" smtClean="0"/>
+              <a:t>번의 테스트 수행을 명령하였으나</a:t>
+            </a:r>
+            <a:endParaRPr lang="en-US" altLang="ko-KR" dirty="0" smtClean="0"/>
+          </a:p>
+          <a:p>
+            <a:r>
+              <a:rPr lang="ko-KR" altLang="en-US" dirty="0" smtClean="0"/>
+              <a:t>해당 </a:t>
+            </a:r>
+            <a:r>
+              <a:rPr lang="en-US" altLang="ko-KR" dirty="0" err="1" smtClean="0"/>
+              <a:t>ip</a:t>
+            </a:r>
+            <a:r>
+              <a:rPr lang="ko-KR" altLang="en-US" dirty="0" smtClean="0"/>
+              <a:t>에 응답이 없었다</a:t>
+            </a:r>
+            <a:r>
+              <a:rPr lang="en-US" altLang="ko-KR" dirty="0" smtClean="0"/>
+              <a:t>.</a:t>
+            </a:r>
+            <a:endParaRPr lang="en-US" altLang="ko-KR" dirty="0"/>
+          </a:p>
+        </p:txBody>
+      </p:sp>
+    </p:spTree>
+    <p:extLst>
+      <p:ext uri="{BB962C8B-B14F-4D97-AF65-F5344CB8AC3E}">
+        <p14:creationId xmlns:p14="http://schemas.microsoft.com/office/powerpoint/2010/main" val="130654530"/>
+      </p:ext>
+    </p:extLst>
+  </p:cSld>
+  <p:clrMapOvr>
+    <a:masterClrMapping/>
+  </p:clrMapOvr>
+</p:sld>
+</file>
+
+<file path=ppt/slides/slide21.xml><?xml version="1.0" encoding="utf-8"?>
+<p:sld xmlns:a="http://schemas.openxmlformats.org/drawingml/2006/main" xmlns:r="http://schemas.openxmlformats.org/officeDocument/2006/relationships" xmlns:p="http://schemas.openxmlformats.org/presentationml/2006/main">
+  <p:cSld>
+    <p:spTree>
+      <p:nvGrpSpPr>
+        <p:cNvPr id="1" name=""/>
+        <p:cNvGrpSpPr/>
+        <p:nvPr/>
+      </p:nvGrpSpPr>
+      <p:grpSpPr>
+        <a:xfrm>
+          <a:off x="0" y="0"/>
+          <a:ext cx="0" cy="0"/>
+          <a:chOff x="0" y="0"/>
+          <a:chExt cx="0" cy="0"/>
+        </a:xfrm>
+      </p:grpSpPr>
+      <p:sp>
+        <p:nvSpPr>
+          <p:cNvPr id="4" name="직사각형 3"/>
+          <p:cNvSpPr/>
+          <p:nvPr/>
+        </p:nvSpPr>
+        <p:spPr>
+          <a:xfrm>
+            <a:off x="177800" y="165438"/>
+            <a:ext cx="6096000" cy="646331"/>
+          </a:xfrm>
+          <a:prstGeom prst="rect">
+            <a:avLst/>
+          </a:prstGeom>
+        </p:spPr>
+        <p:txBody>
+          <a:bodyPr>
+            <a:spAutoFit/>
+          </a:bodyPr>
+          <a:lstStyle/>
+          <a:p>
+            <a:r>
+              <a:rPr lang="en-US" altLang="ko-KR" dirty="0"/>
+              <a:t>4) ping </a:t>
+            </a:r>
+            <a:r>
+              <a:rPr lang="ko-KR" altLang="en-US" dirty="0"/>
+              <a:t>명령어 실습</a:t>
+            </a:r>
+          </a:p>
+          <a:p>
+            <a:r>
+              <a:rPr lang="en-US" altLang="ko-KR" dirty="0" smtClean="0"/>
+              <a:t>④ </a:t>
+            </a:r>
+            <a:r>
+              <a:rPr lang="en-US" altLang="ko-KR" dirty="0"/>
+              <a:t>ping -l 64000 </a:t>
+            </a:r>
+            <a:r>
+              <a:rPr lang="en-US" altLang="ko-KR" dirty="0" smtClean="0"/>
+              <a:t>172.17.245.1</a:t>
+            </a:r>
+            <a:endParaRPr lang="en-US" altLang="ko-KR" dirty="0"/>
+          </a:p>
+        </p:txBody>
+      </p:sp>
+      <p:pic>
+        <p:nvPicPr>
+          <p:cNvPr id="3" name="그림 2"/>
+          <p:cNvPicPr>
+            <a:picLocks noChangeAspect="1"/>
+          </p:cNvPicPr>
+          <p:nvPr/>
+        </p:nvPicPr>
+        <p:blipFill>
+          <a:blip r:embed="rId2"/>
+          <a:stretch>
+            <a:fillRect/>
+          </a:stretch>
+        </p:blipFill>
+        <p:spPr>
+          <a:xfrm>
+            <a:off x="2836227" y="3204210"/>
+            <a:ext cx="5305425" cy="952500"/>
+          </a:xfrm>
+          <a:prstGeom prst="rect">
+            <a:avLst/>
+          </a:prstGeom>
+        </p:spPr>
+      </p:pic>
+      <p:sp>
+        <p:nvSpPr>
+          <p:cNvPr id="5" name="직사각형 4"/>
+          <p:cNvSpPr/>
+          <p:nvPr/>
+        </p:nvSpPr>
+        <p:spPr>
+          <a:xfrm>
+            <a:off x="4566839" y="3204210"/>
+            <a:ext cx="1844199" cy="232410"/>
+          </a:xfrm>
+          <a:prstGeom prst="rect">
+            <a:avLst/>
+          </a:prstGeom>
+          <a:noFill/>
+          <a:ln>
+            <a:solidFill>
+              <a:srgbClr val="FF0000"/>
+            </a:solidFill>
+          </a:ln>
+        </p:spPr>
+        <p:style>
+          <a:lnRef idx="2">
+            <a:schemeClr val="accent1">
+              <a:shade val="50000"/>
+            </a:schemeClr>
+          </a:lnRef>
+          <a:fillRef idx="1">
+            <a:schemeClr val="accent1"/>
+          </a:fillRef>
+          <a:effectRef idx="0">
+            <a:schemeClr val="accent1"/>
+          </a:effectRef>
+          <a:fontRef idx="minor">
+            <a:schemeClr val="lt1"/>
+          </a:fontRef>
+        </p:style>
+        <p:txBody>
+          <a:bodyPr rtlCol="0" anchor="ctr"/>
+          <a:lstStyle/>
+          <a:p>
+            <a:pPr algn="ctr"/>
+            <a:endParaRPr lang="ko-KR" altLang="en-US" b="1" dirty="0"/>
+          </a:p>
+        </p:txBody>
+      </p:sp>
+      <p:sp>
+        <p:nvSpPr>
+          <p:cNvPr id="6" name="직사각형 5"/>
+          <p:cNvSpPr/>
+          <p:nvPr/>
+        </p:nvSpPr>
+        <p:spPr>
+          <a:xfrm>
+            <a:off x="7017861" y="3808096"/>
+            <a:ext cx="1123791" cy="230504"/>
+          </a:xfrm>
+          <a:prstGeom prst="rect">
+            <a:avLst/>
+          </a:prstGeom>
+          <a:noFill/>
+          <a:ln>
+            <a:solidFill>
+              <a:srgbClr val="FF0000"/>
+            </a:solidFill>
+          </a:ln>
+        </p:spPr>
+        <p:style>
+          <a:lnRef idx="2">
+            <a:schemeClr val="accent1">
+              <a:shade val="50000"/>
+            </a:schemeClr>
+          </a:lnRef>
+          <a:fillRef idx="1">
+            <a:schemeClr val="accent1"/>
+          </a:fillRef>
+          <a:effectRef idx="0">
+            <a:schemeClr val="accent1"/>
+          </a:effectRef>
+          <a:fontRef idx="minor">
+            <a:schemeClr val="lt1"/>
+          </a:fontRef>
+        </p:style>
+        <p:txBody>
+          <a:bodyPr rtlCol="0" anchor="ctr"/>
+          <a:lstStyle/>
+          <a:p>
+            <a:pPr algn="ctr"/>
+            <a:endParaRPr lang="ko-KR" altLang="en-US" b="1" dirty="0"/>
+          </a:p>
+        </p:txBody>
+      </p:sp>
+      <p:sp>
+        <p:nvSpPr>
+          <p:cNvPr id="7" name="직사각형 6"/>
+          <p:cNvSpPr/>
+          <p:nvPr/>
+        </p:nvSpPr>
+        <p:spPr>
+          <a:xfrm>
+            <a:off x="4678680" y="3808096"/>
+            <a:ext cx="982344" cy="230504"/>
+          </a:xfrm>
+          <a:prstGeom prst="rect">
+            <a:avLst/>
+          </a:prstGeom>
+          <a:noFill/>
+          <a:ln>
+            <a:solidFill>
+              <a:srgbClr val="FF0000"/>
+            </a:solidFill>
+          </a:ln>
+        </p:spPr>
+        <p:style>
+          <a:lnRef idx="2">
+            <a:schemeClr val="accent1">
+              <a:shade val="50000"/>
+            </a:schemeClr>
+          </a:lnRef>
+          <a:fillRef idx="1">
+            <a:schemeClr val="accent1"/>
+          </a:fillRef>
+          <a:effectRef idx="0">
+            <a:schemeClr val="accent1"/>
+          </a:effectRef>
+          <a:fontRef idx="minor">
+            <a:schemeClr val="lt1"/>
+          </a:fontRef>
+        </p:style>
+        <p:txBody>
+          <a:bodyPr rtlCol="0" anchor="ctr"/>
+          <a:lstStyle/>
+          <a:p>
+            <a:pPr algn="ctr"/>
+            <a:endParaRPr lang="ko-KR" altLang="en-US" b="1" dirty="0"/>
+          </a:p>
+        </p:txBody>
+      </p:sp>
+      <p:sp>
+        <p:nvSpPr>
+          <p:cNvPr id="8" name="TextBox 7"/>
+          <p:cNvSpPr txBox="1"/>
+          <p:nvPr/>
+        </p:nvSpPr>
+        <p:spPr>
+          <a:xfrm>
+            <a:off x="1676565" y="2234981"/>
+            <a:ext cx="8194872" cy="646331"/>
+          </a:xfrm>
+          <a:prstGeom prst="rect">
+            <a:avLst/>
+          </a:prstGeom>
+          <a:noFill/>
+        </p:spPr>
+        <p:txBody>
+          <a:bodyPr wrap="none" rtlCol="0">
+            <a:spAutoFit/>
+          </a:bodyPr>
+          <a:lstStyle/>
+          <a:p>
+            <a:r>
+              <a:rPr lang="en-US" altLang="ko-KR" dirty="0" smtClean="0"/>
+              <a:t>Ping </a:t>
+            </a:r>
+            <a:r>
+              <a:rPr lang="ko-KR" altLang="en-US" dirty="0" smtClean="0"/>
+              <a:t>명령을 통해 </a:t>
+            </a:r>
+            <a:r>
+              <a:rPr lang="en-US" altLang="ko-KR" dirty="0" smtClean="0"/>
+              <a:t>172.17.245.1</a:t>
+            </a:r>
+            <a:r>
+              <a:rPr lang="ko-KR" altLang="en-US" dirty="0" smtClean="0"/>
+              <a:t>로 크기가 </a:t>
+            </a:r>
+            <a:r>
+              <a:rPr lang="en-US" altLang="ko-KR" dirty="0" smtClean="0"/>
+              <a:t>64KB</a:t>
+            </a:r>
+            <a:r>
+              <a:rPr lang="ko-KR" altLang="en-US" dirty="0" smtClean="0"/>
+              <a:t>인 테스트 </a:t>
+            </a:r>
+            <a:r>
+              <a:rPr lang="ko-KR" altLang="en-US" dirty="0" err="1" smtClean="0"/>
+              <a:t>패킷을</a:t>
+            </a:r>
+            <a:r>
+              <a:rPr lang="ko-KR" altLang="en-US" dirty="0" smtClean="0"/>
+              <a:t> 전송하였으나</a:t>
+            </a:r>
+            <a:endParaRPr lang="en-US" altLang="ko-KR" dirty="0" smtClean="0"/>
+          </a:p>
+          <a:p>
+            <a:r>
+              <a:rPr lang="ko-KR" altLang="en-US" dirty="0" smtClean="0"/>
+              <a:t>응답이 없다</a:t>
+            </a:r>
+            <a:r>
+              <a:rPr lang="en-US" altLang="ko-KR" dirty="0" smtClean="0"/>
+              <a:t>.</a:t>
+            </a:r>
+            <a:endParaRPr lang="en-US" altLang="ko-KR" dirty="0"/>
+          </a:p>
+        </p:txBody>
+      </p:sp>
+    </p:spTree>
+    <p:extLst>
+      <p:ext uri="{BB962C8B-B14F-4D97-AF65-F5344CB8AC3E}">
+        <p14:creationId xmlns:p14="http://schemas.microsoft.com/office/powerpoint/2010/main" val="1293766570"/>
+      </p:ext>
+    </p:extLst>
+  </p:cSld>
+  <p:clrMapOvr>
+    <a:masterClrMapping/>
+  </p:clrMapOvr>
+</p:sld>
+</file>
+
+<file path=ppt/slides/slide22.xml><?xml version="1.0" encoding="utf-8"?>
+<p:sld xmlns:a="http://schemas.openxmlformats.org/drawingml/2006/main" xmlns:r="http://schemas.openxmlformats.org/officeDocument/2006/relationships" xmlns:p="http://schemas.openxmlformats.org/presentationml/2006/main">
+  <p:cSld>
+    <p:spTree>
+      <p:nvGrpSpPr>
+        <p:cNvPr id="1" name=""/>
+        <p:cNvGrpSpPr/>
+        <p:nvPr/>
+      </p:nvGrpSpPr>
+      <p:grpSpPr>
+        <a:xfrm>
+          <a:off x="0" y="0"/>
+          <a:ext cx="0" cy="0"/>
+          <a:chOff x="0" y="0"/>
+          <a:chExt cx="0" cy="0"/>
+        </a:xfrm>
+      </p:grpSpPr>
+      <p:sp>
+        <p:nvSpPr>
+          <p:cNvPr id="4" name="직사각형 3"/>
+          <p:cNvSpPr/>
+          <p:nvPr/>
+        </p:nvSpPr>
+        <p:spPr>
+          <a:xfrm>
+            <a:off x="177800" y="165438"/>
+            <a:ext cx="6096000" cy="646331"/>
+          </a:xfrm>
+          <a:prstGeom prst="rect">
+            <a:avLst/>
+          </a:prstGeom>
+        </p:spPr>
+        <p:txBody>
+          <a:bodyPr>
+            <a:spAutoFit/>
+          </a:bodyPr>
+          <a:lstStyle/>
+          <a:p>
+            <a:r>
+              <a:rPr lang="en-US" altLang="ko-KR" dirty="0"/>
+              <a:t>4) ping </a:t>
+            </a:r>
+            <a:r>
+              <a:rPr lang="ko-KR" altLang="en-US" dirty="0"/>
+              <a:t>명령어 실습</a:t>
+            </a:r>
+          </a:p>
+          <a:p>
+            <a:r>
+              <a:rPr lang="en-US" altLang="ko-KR" dirty="0" smtClean="0"/>
+              <a:t>⑤ </a:t>
+            </a:r>
+            <a:r>
+              <a:rPr lang="en-US" altLang="ko-KR" dirty="0"/>
+              <a:t>ping -r 10 </a:t>
+            </a:r>
+            <a:r>
+              <a:rPr lang="en-US" altLang="ko-KR" dirty="0" smtClean="0"/>
+              <a:t>www.naver.com</a:t>
+            </a:r>
+            <a:endParaRPr lang="en-US" altLang="ko-KR" dirty="0"/>
+          </a:p>
+        </p:txBody>
+      </p:sp>
+      <p:pic>
+        <p:nvPicPr>
+          <p:cNvPr id="2" name="그림 1"/>
+          <p:cNvPicPr>
+            <a:picLocks noChangeAspect="1"/>
+          </p:cNvPicPr>
+          <p:nvPr/>
+        </p:nvPicPr>
+        <p:blipFill>
+          <a:blip r:embed="rId2"/>
+          <a:stretch>
+            <a:fillRect/>
+          </a:stretch>
+        </p:blipFill>
+        <p:spPr>
+          <a:xfrm>
+            <a:off x="2066925" y="3204210"/>
+            <a:ext cx="5772150" cy="1885950"/>
+          </a:xfrm>
+          <a:prstGeom prst="rect">
+            <a:avLst/>
+          </a:prstGeom>
+        </p:spPr>
+      </p:pic>
+      <p:sp>
+        <p:nvSpPr>
+          <p:cNvPr id="5" name="직사각형 4"/>
+          <p:cNvSpPr/>
+          <p:nvPr/>
+        </p:nvSpPr>
+        <p:spPr>
+          <a:xfrm>
+            <a:off x="4566839" y="3204210"/>
+            <a:ext cx="1844199" cy="232410"/>
+          </a:xfrm>
+          <a:prstGeom prst="rect">
+            <a:avLst/>
+          </a:prstGeom>
+          <a:noFill/>
+          <a:ln>
+            <a:solidFill>
+              <a:srgbClr val="FF0000"/>
+            </a:solidFill>
+          </a:ln>
+        </p:spPr>
+        <p:style>
+          <a:lnRef idx="2">
+            <a:schemeClr val="accent1">
+              <a:shade val="50000"/>
+            </a:schemeClr>
+          </a:lnRef>
+          <a:fillRef idx="1">
+            <a:schemeClr val="accent1"/>
+          </a:fillRef>
+          <a:effectRef idx="0">
+            <a:schemeClr val="accent1"/>
+          </a:effectRef>
+          <a:fontRef idx="minor">
+            <a:schemeClr val="lt1"/>
+          </a:fontRef>
+        </p:style>
+        <p:txBody>
+          <a:bodyPr rtlCol="0" anchor="ctr"/>
+          <a:lstStyle/>
+          <a:p>
+            <a:pPr algn="ctr"/>
+            <a:endParaRPr lang="ko-KR" altLang="en-US" b="1" dirty="0"/>
+          </a:p>
+        </p:txBody>
+      </p:sp>
+      <p:sp>
+        <p:nvSpPr>
+          <p:cNvPr id="6" name="TextBox 5"/>
+          <p:cNvSpPr txBox="1"/>
+          <p:nvPr/>
+        </p:nvSpPr>
+        <p:spPr>
+          <a:xfrm>
+            <a:off x="1676565" y="2234981"/>
+            <a:ext cx="7404591" cy="923330"/>
+          </a:xfrm>
+          <a:prstGeom prst="rect">
+            <a:avLst/>
+          </a:prstGeom>
+          <a:noFill/>
+        </p:spPr>
+        <p:txBody>
+          <a:bodyPr wrap="none" rtlCol="0">
+            <a:spAutoFit/>
+          </a:bodyPr>
+          <a:lstStyle/>
+          <a:p>
+            <a:r>
+              <a:rPr lang="en-US" altLang="ko-KR" dirty="0" smtClean="0"/>
+              <a:t>Ping </a:t>
+            </a:r>
+            <a:r>
+              <a:rPr lang="ko-KR" altLang="en-US" dirty="0" smtClean="0"/>
+              <a:t>명령을 통해 지정한 횟수 </a:t>
+            </a:r>
+            <a:r>
+              <a:rPr lang="en-US" altLang="ko-KR" dirty="0" smtClean="0"/>
+              <a:t>10</a:t>
+            </a:r>
+            <a:r>
+              <a:rPr lang="ko-KR" altLang="en-US" dirty="0" smtClean="0"/>
+              <a:t>만큼 홉의 경로를 기록하려고 했으나</a:t>
+            </a:r>
+            <a:endParaRPr lang="en-US" altLang="ko-KR" dirty="0" smtClean="0"/>
+          </a:p>
+          <a:p>
+            <a:r>
+              <a:rPr lang="ko-KR" altLang="en-US" dirty="0" smtClean="0"/>
+              <a:t>연결 불가</a:t>
+            </a:r>
+            <a:endParaRPr lang="en-US" altLang="ko-KR" dirty="0" smtClean="0"/>
+          </a:p>
+          <a:p>
+            <a:endParaRPr lang="en-US" altLang="ko-KR" dirty="0"/>
+          </a:p>
+        </p:txBody>
+      </p:sp>
+    </p:spTree>
+    <p:extLst>
+      <p:ext uri="{BB962C8B-B14F-4D97-AF65-F5344CB8AC3E}">
+        <p14:creationId xmlns:p14="http://schemas.microsoft.com/office/powerpoint/2010/main" val="1037505619"/>
+      </p:ext>
+    </p:extLst>
+  </p:cSld>
+  <p:clrMapOvr>
+    <a:masterClrMapping/>
+  </p:clrMapOvr>
+</p:sld>
+</file>
+
+<file path=ppt/slides/slide23.xml><?xml version="1.0" encoding="utf-8"?>
+<p:sld xmlns:a="http://schemas.openxmlformats.org/drawingml/2006/main" xmlns:r="http://schemas.openxmlformats.org/officeDocument/2006/relationships" xmlns:p="http://schemas.openxmlformats.org/presentationml/2006/main">
+  <p:cSld>
+    <p:spTree>
+      <p:nvGrpSpPr>
+        <p:cNvPr id="1" name=""/>
+        <p:cNvGrpSpPr/>
+        <p:nvPr/>
+      </p:nvGrpSpPr>
+      <p:grpSpPr>
+        <a:xfrm>
+          <a:off x="0" y="0"/>
+          <a:ext cx="0" cy="0"/>
+          <a:chOff x="0" y="0"/>
+          <a:chExt cx="0" cy="0"/>
+        </a:xfrm>
+      </p:grpSpPr>
+      <p:sp>
+        <p:nvSpPr>
+          <p:cNvPr id="4" name="직사각형 3"/>
+          <p:cNvSpPr/>
+          <p:nvPr/>
+        </p:nvSpPr>
+        <p:spPr>
+          <a:xfrm>
+            <a:off x="177800" y="165438"/>
+            <a:ext cx="6096000" cy="646331"/>
+          </a:xfrm>
+          <a:prstGeom prst="rect">
+            <a:avLst/>
+          </a:prstGeom>
+        </p:spPr>
+        <p:txBody>
+          <a:bodyPr>
+            <a:spAutoFit/>
+          </a:bodyPr>
+          <a:lstStyle/>
+          <a:p>
+            <a:r>
+              <a:rPr lang="en-US" altLang="ko-KR" dirty="0"/>
+              <a:t>4) ping </a:t>
+            </a:r>
+            <a:r>
+              <a:rPr lang="ko-KR" altLang="en-US" dirty="0"/>
+              <a:t>명령어 실습</a:t>
+            </a:r>
+          </a:p>
+          <a:p>
+            <a:r>
+              <a:rPr lang="en-US" altLang="ko-KR" dirty="0" smtClean="0"/>
+              <a:t>⑥ </a:t>
+            </a:r>
+            <a:r>
+              <a:rPr lang="en-US" altLang="ko-KR" dirty="0"/>
+              <a:t>ping –s 10 www.naver.com</a:t>
+            </a:r>
+            <a:endParaRPr lang="en-US" altLang="ko-KR" dirty="0"/>
+          </a:p>
+        </p:txBody>
+      </p:sp>
+      <p:pic>
+        <p:nvPicPr>
+          <p:cNvPr id="2" name="그림 1"/>
+          <p:cNvPicPr>
+            <a:picLocks noChangeAspect="1"/>
+          </p:cNvPicPr>
+          <p:nvPr/>
+        </p:nvPicPr>
+        <p:blipFill>
+          <a:blip r:embed="rId2"/>
+          <a:stretch>
+            <a:fillRect/>
+          </a:stretch>
+        </p:blipFill>
+        <p:spPr>
+          <a:xfrm>
+            <a:off x="2153602" y="3258502"/>
+            <a:ext cx="5400675" cy="1057275"/>
+          </a:xfrm>
+          <a:prstGeom prst="rect">
+            <a:avLst/>
+          </a:prstGeom>
+        </p:spPr>
+      </p:pic>
+      <p:sp>
+        <p:nvSpPr>
+          <p:cNvPr id="5" name="직사각형 4"/>
+          <p:cNvSpPr/>
+          <p:nvPr/>
+        </p:nvSpPr>
+        <p:spPr>
+          <a:xfrm>
+            <a:off x="4566839" y="3204210"/>
+            <a:ext cx="1963501" cy="232410"/>
+          </a:xfrm>
+          <a:prstGeom prst="rect">
+            <a:avLst/>
+          </a:prstGeom>
+          <a:noFill/>
+          <a:ln>
+            <a:solidFill>
+              <a:srgbClr val="FF0000"/>
+            </a:solidFill>
+          </a:ln>
+        </p:spPr>
+        <p:style>
+          <a:lnRef idx="2">
+            <a:schemeClr val="accent1">
+              <a:shade val="50000"/>
+            </a:schemeClr>
+          </a:lnRef>
+          <a:fillRef idx="1">
+            <a:schemeClr val="accent1"/>
+          </a:fillRef>
+          <a:effectRef idx="0">
+            <a:schemeClr val="accent1"/>
+          </a:effectRef>
+          <a:fontRef idx="minor">
+            <a:schemeClr val="lt1"/>
+          </a:fontRef>
+        </p:style>
+        <p:txBody>
+          <a:bodyPr rtlCol="0" anchor="ctr"/>
+          <a:lstStyle/>
+          <a:p>
+            <a:pPr algn="ctr"/>
+            <a:endParaRPr lang="ko-KR" altLang="en-US" b="1" dirty="0"/>
+          </a:p>
+        </p:txBody>
+      </p:sp>
+      <p:sp>
+        <p:nvSpPr>
+          <p:cNvPr id="6" name="TextBox 5"/>
+          <p:cNvSpPr txBox="1"/>
+          <p:nvPr/>
+        </p:nvSpPr>
+        <p:spPr>
+          <a:xfrm>
+            <a:off x="1676565" y="2234981"/>
+            <a:ext cx="8871339" cy="646331"/>
+          </a:xfrm>
+          <a:prstGeom prst="rect">
+            <a:avLst/>
+          </a:prstGeom>
+          <a:noFill/>
+        </p:spPr>
+        <p:txBody>
+          <a:bodyPr wrap="none" rtlCol="0">
+            <a:spAutoFit/>
+          </a:bodyPr>
+          <a:lstStyle/>
+          <a:p>
+            <a:r>
+              <a:rPr lang="en-US" altLang="ko-KR" dirty="0" smtClean="0"/>
+              <a:t>Ping </a:t>
+            </a:r>
+            <a:r>
+              <a:rPr lang="ko-KR" altLang="en-US" dirty="0" smtClean="0"/>
+              <a:t>명령을 통해 지정한 횟수 </a:t>
+            </a:r>
+            <a:r>
+              <a:rPr lang="en-US" altLang="ko-KR" dirty="0" smtClean="0"/>
+              <a:t>10</a:t>
+            </a:r>
+            <a:r>
+              <a:rPr lang="ko-KR" altLang="en-US" dirty="0" smtClean="0"/>
+              <a:t>만큼 </a:t>
+            </a:r>
+            <a:r>
+              <a:rPr lang="ko-KR" altLang="en-US" dirty="0" err="1" smtClean="0"/>
+              <a:t>라우팅</a:t>
+            </a:r>
+            <a:r>
+              <a:rPr lang="ko-KR" altLang="en-US" dirty="0" smtClean="0"/>
+              <a:t> </a:t>
+            </a:r>
+            <a:r>
+              <a:rPr lang="ko-KR" altLang="en-US" dirty="0" err="1" smtClean="0"/>
+              <a:t>홉수의</a:t>
+            </a:r>
+            <a:r>
+              <a:rPr lang="ko-KR" altLang="en-US" dirty="0" smtClean="0"/>
+              <a:t> 타임스탬프를 출력하려 했으나</a:t>
+            </a:r>
+            <a:endParaRPr lang="en-US" altLang="ko-KR" dirty="0" smtClean="0"/>
+          </a:p>
+          <a:p>
+            <a:r>
+              <a:rPr lang="ko-KR" altLang="en-US" dirty="0" smtClean="0"/>
+              <a:t>연결 불가</a:t>
+            </a:r>
+            <a:endParaRPr lang="en-US" altLang="ko-KR" dirty="0"/>
+          </a:p>
+        </p:txBody>
+      </p:sp>
+    </p:spTree>
+    <p:extLst>
+      <p:ext uri="{BB962C8B-B14F-4D97-AF65-F5344CB8AC3E}">
+        <p14:creationId xmlns:p14="http://schemas.microsoft.com/office/powerpoint/2010/main" val="1522237588"/>
+      </p:ext>
+    </p:extLst>
+  </p:cSld>
+  <p:clrMapOvr>
+    <a:masterClrMapping/>
+  </p:clrMapOvr>
+</p:sld>
+</file>
+
+<file path=ppt/slides/slide24.xml><?xml version="1.0" encoding="utf-8"?>
+<p:sld xmlns:a="http://schemas.openxmlformats.org/drawingml/2006/main" xmlns:r="http://schemas.openxmlformats.org/officeDocument/2006/relationships" xmlns:p="http://schemas.openxmlformats.org/presentationml/2006/main">
+  <p:cSld>
+    <p:spTree>
+      <p:nvGrpSpPr>
+        <p:cNvPr id="1" name=""/>
+        <p:cNvGrpSpPr/>
+        <p:nvPr/>
+      </p:nvGrpSpPr>
+      <p:grpSpPr>
+        <a:xfrm>
+          <a:off x="0" y="0"/>
+          <a:ext cx="0" cy="0"/>
+          <a:chOff x="0" y="0"/>
+          <a:chExt cx="0" cy="0"/>
+        </a:xfrm>
+      </p:grpSpPr>
+      <p:sp>
+        <p:nvSpPr>
+          <p:cNvPr id="7" name="직사각형 6"/>
+          <p:cNvSpPr/>
+          <p:nvPr/>
+        </p:nvSpPr>
+        <p:spPr bwMode="auto">
+          <a:xfrm>
+            <a:off x="1696632" y="1077059"/>
+            <a:ext cx="9061444" cy="5076944"/>
+          </a:xfrm>
+          <a:prstGeom prst="rect">
+            <a:avLst/>
+          </a:prstGeom>
+          <a:solidFill>
+            <a:schemeClr val="bg1"/>
+          </a:solidFill>
+          <a:ln w="12700" cap="flat" cmpd="sng" algn="ctr">
+            <a:solidFill>
+              <a:schemeClr val="tx1"/>
+            </a:solidFill>
+            <a:prstDash val="solid"/>
+            <a:round/>
+            <a:headEnd type="none" w="med" len="med"/>
+            <a:tailEnd type="none" w="med" len="med"/>
+          </a:ln>
+          <a:effectLst>
+            <a:outerShdw blurRad="50800" dist="38100" algn="l" rotWithShape="0">
+              <a:prstClr val="black">
+                <a:alpha val="40000"/>
+              </a:prstClr>
+            </a:outerShdw>
+          </a:effectLst>
+        </p:spPr>
+        <p:txBody>
+          <a:bodyPr vert="horz" wrap="square" lIns="90000" tIns="46800" rIns="90000" bIns="46800" numCol="1" rtlCol="0" anchor="t" anchorCtr="0" compatLnSpc="1">
+            <a:prstTxWarp prst="textNoShape">
+              <a:avLst/>
+            </a:prstTxWarp>
+            <a:noAutofit/>
+          </a:bodyPr>
+          <a:lstStyle/>
+          <a:p>
+            <a:pPr latinLnBrk="1"/>
+            <a:endParaRPr lang="en-US" altLang="ko-KR" dirty="0"/>
+          </a:p>
+          <a:p>
+            <a:pPr latinLnBrk="1"/>
+            <a:r>
+              <a:rPr lang="en-US" altLang="ko-KR" dirty="0"/>
+              <a:t>5) </a:t>
+            </a:r>
+            <a:r>
+              <a:rPr lang="en-US" altLang="ko-KR" dirty="0" err="1"/>
+              <a:t>netstat</a:t>
+            </a:r>
+            <a:r>
+              <a:rPr lang="en-US" altLang="ko-KR" dirty="0"/>
+              <a:t> </a:t>
+            </a:r>
+            <a:r>
+              <a:rPr lang="ko-KR" altLang="en-US" dirty="0"/>
+              <a:t>명령어 실습</a:t>
+            </a:r>
+          </a:p>
+          <a:p>
+            <a:pPr latinLnBrk="1"/>
+            <a:r>
+              <a:rPr lang="ko-KR" altLang="en-US" dirty="0"/>
+              <a:t>① </a:t>
+            </a:r>
+            <a:r>
+              <a:rPr lang="en-US" altLang="ko-KR" dirty="0" err="1"/>
+              <a:t>netstat</a:t>
+            </a:r>
+            <a:endParaRPr lang="en-US" altLang="ko-KR" dirty="0"/>
+          </a:p>
+          <a:p>
+            <a:pPr latinLnBrk="1"/>
+            <a:r>
+              <a:rPr lang="en-US" altLang="ko-KR" dirty="0"/>
+              <a:t>② </a:t>
+            </a:r>
+            <a:r>
+              <a:rPr lang="en-US" altLang="ko-KR" dirty="0" err="1"/>
+              <a:t>netstat</a:t>
+            </a:r>
+            <a:r>
+              <a:rPr lang="en-US" altLang="ko-KR" dirty="0"/>
+              <a:t> -a</a:t>
+            </a:r>
+          </a:p>
+          <a:p>
+            <a:pPr latinLnBrk="1"/>
+            <a:r>
+              <a:rPr lang="en-US" altLang="ko-KR" dirty="0"/>
+              <a:t>③ </a:t>
+            </a:r>
+            <a:r>
+              <a:rPr lang="en-US" altLang="ko-KR" dirty="0" err="1"/>
+              <a:t>netstat</a:t>
+            </a:r>
+            <a:r>
+              <a:rPr lang="en-US" altLang="ko-KR" dirty="0"/>
+              <a:t> -n</a:t>
+            </a:r>
+          </a:p>
+          <a:p>
+            <a:pPr latinLnBrk="1"/>
+            <a:r>
+              <a:rPr lang="en-US" altLang="ko-KR" dirty="0"/>
+              <a:t>④ </a:t>
+            </a:r>
+            <a:r>
+              <a:rPr lang="en-US" altLang="ko-KR" dirty="0" err="1"/>
+              <a:t>netstat</a:t>
+            </a:r>
+            <a:r>
+              <a:rPr lang="en-US" altLang="ko-KR" dirty="0"/>
+              <a:t> -an or -</a:t>
+            </a:r>
+            <a:r>
+              <a:rPr lang="en-US" altLang="ko-KR" dirty="0" err="1"/>
+              <a:t>na</a:t>
+            </a:r>
+            <a:endParaRPr lang="en-US" altLang="ko-KR" dirty="0"/>
+          </a:p>
+        </p:txBody>
+      </p:sp>
+      <p:sp>
+        <p:nvSpPr>
+          <p:cNvPr id="6179" name="슬라이드 번호 개체 틀 13"/>
+          <p:cNvSpPr txBox="1">
+            <a:spLocks noGrp="1"/>
+          </p:cNvSpPr>
+          <p:nvPr/>
+        </p:nvSpPr>
+        <p:spPr bwMode="auto">
+          <a:xfrm>
+            <a:off x="5808663" y="6538913"/>
+            <a:ext cx="557212" cy="304800"/>
+          </a:xfrm>
+          <a:prstGeom prst="rect">
+            <a:avLst/>
+          </a:prstGeom>
+          <a:noFill/>
+          <a:ln>
+            <a:miter lim="800000"/>
+            <a:headEnd/>
+            <a:tailEnd/>
+          </a:ln>
+        </p:spPr>
+        <p:txBody>
+          <a:bodyPr anchor="ctr"/>
+          <a:lstStyle/>
+          <a:p>
+            <a:pPr algn="ctr" eaLnBrk="1" hangingPunct="1">
+              <a:spcBef>
+                <a:spcPct val="0"/>
+              </a:spcBef>
+              <a:buClrTx/>
+              <a:defRPr/>
+            </a:pPr>
+            <a:fld id="{69188C54-76CB-4412-96DE-3B5465248ED9}" type="slidenum">
+              <a:rPr lang="en-US" altLang="ko-KR" sz="1100"/>
+              <a:pPr algn="ctr" eaLnBrk="1" hangingPunct="1">
+                <a:spcBef>
+                  <a:spcPct val="0"/>
+                </a:spcBef>
+                <a:buClrTx/>
+                <a:defRPr/>
+              </a:pPr>
+              <a:t>24</a:t>
+            </a:fld>
+            <a:endParaRPr lang="en-US" altLang="ko-KR" sz="1100"/>
+          </a:p>
+        </p:txBody>
+      </p:sp>
+      <p:sp>
+        <p:nvSpPr>
+          <p:cNvPr id="8" name="Rectangle 3"/>
+          <p:cNvSpPr txBox="1">
+            <a:spLocks noChangeArrowheads="1"/>
+          </p:cNvSpPr>
+          <p:nvPr/>
+        </p:nvSpPr>
+        <p:spPr bwMode="auto">
+          <a:xfrm>
+            <a:off x="1811433" y="126768"/>
+            <a:ext cx="5078162" cy="438615"/>
+          </a:xfrm>
+          <a:prstGeom prst="rect">
+            <a:avLst/>
+          </a:prstGeom>
+          <a:noFill/>
+          <a:ln w="9525">
+            <a:noFill/>
+            <a:miter lim="800000"/>
+            <a:headEnd/>
+            <a:tailEnd/>
+          </a:ln>
+        </p:spPr>
+        <p:txBody>
+          <a:bodyPr/>
+          <a:lstStyle/>
+          <a:p>
+            <a:pPr>
+              <a:spcBef>
+                <a:spcPct val="0"/>
+              </a:spcBef>
+            </a:pPr>
+            <a:r>
+              <a:rPr lang="en-US" altLang="ko-KR" dirty="0"/>
+              <a:t>4. </a:t>
+            </a:r>
+            <a:r>
+              <a:rPr lang="ko-KR" altLang="en-US" dirty="0"/>
+              <a:t>실습하기</a:t>
+            </a:r>
+            <a:r>
+              <a:rPr lang="en-US" altLang="ko-KR" dirty="0"/>
+              <a:t>(3)</a:t>
+            </a:r>
+            <a:r>
+              <a:rPr lang="ko-KR" altLang="en-US" dirty="0"/>
+              <a:t> </a:t>
+            </a:r>
+            <a:endParaRPr lang="en-US" altLang="ko-KR" dirty="0"/>
+          </a:p>
+        </p:txBody>
+      </p:sp>
+    </p:spTree>
+    <p:extLst>
+      <p:ext uri="{BB962C8B-B14F-4D97-AF65-F5344CB8AC3E}">
+        <p14:creationId xmlns:p14="http://schemas.microsoft.com/office/powerpoint/2010/main" val="2032723453"/>
+      </p:ext>
+    </p:extLst>
+  </p:cSld>
+  <p:clrMapOvr>
+    <a:masterClrMapping/>
+  </p:clrMapOvr>
+</p:sld>
+</file>
+
+<file path=ppt/slides/slide25.xml><?xml version="1.0" encoding="utf-8"?>
+<p:sld xmlns:a="http://schemas.openxmlformats.org/drawingml/2006/main" xmlns:r="http://schemas.openxmlformats.org/officeDocument/2006/relationships" xmlns:p="http://schemas.openxmlformats.org/presentationml/2006/main">
+  <p:cSld>
+    <p:spTree>
+      <p:nvGrpSpPr>
+        <p:cNvPr id="1" name=""/>
+        <p:cNvGrpSpPr/>
+        <p:nvPr/>
+      </p:nvGrpSpPr>
+      <p:grpSpPr>
+        <a:xfrm>
+          <a:off x="0" y="0"/>
+          <a:ext cx="0" cy="0"/>
+          <a:chOff x="0" y="0"/>
+          <a:chExt cx="0" cy="0"/>
+        </a:xfrm>
+      </p:grpSpPr>
+      <p:sp>
+        <p:nvSpPr>
+          <p:cNvPr id="3" name="직사각형 2"/>
+          <p:cNvSpPr/>
+          <p:nvPr/>
+        </p:nvSpPr>
+        <p:spPr>
+          <a:xfrm>
+            <a:off x="190500" y="226536"/>
+            <a:ext cx="6096000" cy="646331"/>
+          </a:xfrm>
+          <a:prstGeom prst="rect">
+            <a:avLst/>
+          </a:prstGeom>
+        </p:spPr>
+        <p:txBody>
+          <a:bodyPr>
+            <a:spAutoFit/>
+          </a:bodyPr>
+          <a:lstStyle/>
+          <a:p>
+            <a:r>
+              <a:rPr lang="en-US" altLang="ko-KR" dirty="0"/>
+              <a:t>5) </a:t>
+            </a:r>
+            <a:r>
+              <a:rPr lang="en-US" altLang="ko-KR" dirty="0" err="1"/>
+              <a:t>netstat</a:t>
+            </a:r>
+            <a:r>
+              <a:rPr lang="en-US" altLang="ko-KR" dirty="0"/>
+              <a:t> </a:t>
+            </a:r>
+            <a:r>
+              <a:rPr lang="ko-KR" altLang="en-US" dirty="0"/>
+              <a:t>명령어 실습</a:t>
+            </a:r>
+          </a:p>
+          <a:p>
+            <a:r>
+              <a:rPr lang="ko-KR" altLang="en-US" dirty="0"/>
+              <a:t>① </a:t>
+            </a:r>
+            <a:r>
+              <a:rPr lang="en-US" altLang="ko-KR" dirty="0" err="1" smtClean="0"/>
+              <a:t>netstat</a:t>
+            </a:r>
+            <a:endParaRPr lang="en-US" altLang="ko-KR" dirty="0"/>
+          </a:p>
+        </p:txBody>
+      </p:sp>
+      <p:pic>
+        <p:nvPicPr>
+          <p:cNvPr id="4" name="그림 3"/>
+          <p:cNvPicPr>
+            <a:picLocks noChangeAspect="1"/>
+          </p:cNvPicPr>
+          <p:nvPr/>
+        </p:nvPicPr>
+        <p:blipFill>
+          <a:blip r:embed="rId2"/>
+          <a:stretch>
+            <a:fillRect/>
+          </a:stretch>
+        </p:blipFill>
+        <p:spPr>
+          <a:xfrm>
+            <a:off x="5085949" y="0"/>
+            <a:ext cx="4077501" cy="6858000"/>
+          </a:xfrm>
+          <a:prstGeom prst="rect">
+            <a:avLst/>
+          </a:prstGeom>
+        </p:spPr>
+      </p:pic>
+      <p:sp>
+        <p:nvSpPr>
+          <p:cNvPr id="5" name="TextBox 4"/>
+          <p:cNvSpPr txBox="1"/>
+          <p:nvPr/>
+        </p:nvSpPr>
+        <p:spPr>
+          <a:xfrm>
+            <a:off x="461186" y="3213100"/>
+            <a:ext cx="4041491" cy="923330"/>
+          </a:xfrm>
+          <a:prstGeom prst="rect">
+            <a:avLst/>
+          </a:prstGeom>
+          <a:noFill/>
+        </p:spPr>
+        <p:txBody>
+          <a:bodyPr wrap="none" rtlCol="0">
+            <a:spAutoFit/>
+          </a:bodyPr>
+          <a:lstStyle/>
+          <a:p>
+            <a:r>
+              <a:rPr lang="en-US" altLang="ko-KR" dirty="0" err="1" smtClean="0"/>
+              <a:t>Netstat</a:t>
+            </a:r>
+            <a:r>
+              <a:rPr lang="ko-KR" altLang="en-US" dirty="0" smtClean="0"/>
+              <a:t>명령을 통해서 현재 컴퓨터에 </a:t>
+            </a:r>
+            <a:endParaRPr lang="en-US" altLang="ko-KR" dirty="0" smtClean="0"/>
+          </a:p>
+          <a:p>
+            <a:r>
+              <a:rPr lang="ko-KR" altLang="en-US" dirty="0" smtClean="0"/>
+              <a:t>연결된 네트워크</a:t>
+            </a:r>
+            <a:r>
+              <a:rPr lang="en-US" altLang="ko-KR" dirty="0" smtClean="0"/>
+              <a:t>, </a:t>
+            </a:r>
+            <a:r>
+              <a:rPr lang="ko-KR" altLang="en-US" dirty="0" err="1" smtClean="0"/>
+              <a:t>라우터</a:t>
+            </a:r>
+            <a:r>
+              <a:rPr lang="ko-KR" altLang="en-US" dirty="0" smtClean="0"/>
+              <a:t> 테이블</a:t>
+            </a:r>
+            <a:r>
+              <a:rPr lang="en-US" altLang="ko-KR" dirty="0"/>
+              <a:t> </a:t>
+            </a:r>
+            <a:r>
+              <a:rPr lang="ko-KR" altLang="en-US" dirty="0" smtClean="0"/>
+              <a:t>등을</a:t>
+            </a:r>
+            <a:endParaRPr lang="en-US" altLang="ko-KR" dirty="0" smtClean="0"/>
+          </a:p>
+          <a:p>
+            <a:r>
+              <a:rPr lang="ko-KR" altLang="en-US" dirty="0" smtClean="0"/>
+              <a:t>프로토콜과 함께 출력</a:t>
+            </a:r>
+            <a:endParaRPr lang="ko-KR" altLang="en-US" dirty="0"/>
+          </a:p>
+        </p:txBody>
+      </p:sp>
+    </p:spTree>
+    <p:extLst>
+      <p:ext uri="{BB962C8B-B14F-4D97-AF65-F5344CB8AC3E}">
+        <p14:creationId xmlns:p14="http://schemas.microsoft.com/office/powerpoint/2010/main" val="18476827"/>
+      </p:ext>
+    </p:extLst>
+  </p:cSld>
+  <p:clrMapOvr>
+    <a:masterClrMapping/>
+  </p:clrMapOvr>
+</p:sld>
+</file>
+
+<file path=ppt/slides/slide26.xml><?xml version="1.0" encoding="utf-8"?>
+<p:sld xmlns:a="http://schemas.openxmlformats.org/drawingml/2006/main" xmlns:r="http://schemas.openxmlformats.org/officeDocument/2006/relationships" xmlns:p="http://schemas.openxmlformats.org/presentationml/2006/main">
+  <p:cSld>
+    <p:spTree>
+      <p:nvGrpSpPr>
+        <p:cNvPr id="1" name=""/>
+        <p:cNvGrpSpPr/>
+        <p:nvPr/>
+      </p:nvGrpSpPr>
+      <p:grpSpPr>
+        <a:xfrm>
+          <a:off x="0" y="0"/>
+          <a:ext cx="0" cy="0"/>
+          <a:chOff x="0" y="0"/>
+          <a:chExt cx="0" cy="0"/>
+        </a:xfrm>
+      </p:grpSpPr>
+      <p:sp>
+        <p:nvSpPr>
+          <p:cNvPr id="3" name="직사각형 2"/>
+          <p:cNvSpPr/>
+          <p:nvPr/>
+        </p:nvSpPr>
+        <p:spPr>
+          <a:xfrm>
+            <a:off x="190500" y="226536"/>
+            <a:ext cx="6096000" cy="646331"/>
+          </a:xfrm>
+          <a:prstGeom prst="rect">
+            <a:avLst/>
+          </a:prstGeom>
+        </p:spPr>
+        <p:txBody>
+          <a:bodyPr>
+            <a:spAutoFit/>
+          </a:bodyPr>
+          <a:lstStyle/>
+          <a:p>
+            <a:r>
+              <a:rPr lang="en-US" altLang="ko-KR" dirty="0"/>
+              <a:t>5) </a:t>
+            </a:r>
+            <a:r>
+              <a:rPr lang="en-US" altLang="ko-KR" dirty="0" err="1"/>
+              <a:t>netstat</a:t>
+            </a:r>
+            <a:r>
+              <a:rPr lang="en-US" altLang="ko-KR" dirty="0"/>
+              <a:t> </a:t>
+            </a:r>
+            <a:r>
+              <a:rPr lang="ko-KR" altLang="en-US" dirty="0"/>
+              <a:t>명령어 실습</a:t>
+            </a:r>
+          </a:p>
+          <a:p>
+            <a:r>
+              <a:rPr lang="en-US" altLang="ko-KR" dirty="0" smtClean="0"/>
+              <a:t>② </a:t>
+            </a:r>
+            <a:r>
+              <a:rPr lang="en-US" altLang="ko-KR" dirty="0" err="1"/>
+              <a:t>netstat</a:t>
+            </a:r>
+            <a:r>
+              <a:rPr lang="en-US" altLang="ko-KR" dirty="0"/>
+              <a:t> -</a:t>
+            </a:r>
+            <a:r>
+              <a:rPr lang="en-US" altLang="ko-KR" dirty="0" smtClean="0"/>
+              <a:t>a</a:t>
+            </a:r>
+            <a:endParaRPr lang="en-US" altLang="ko-KR" dirty="0"/>
+          </a:p>
+        </p:txBody>
+      </p:sp>
+      <p:pic>
+        <p:nvPicPr>
+          <p:cNvPr id="2" name="그림 1"/>
+          <p:cNvPicPr>
+            <a:picLocks noChangeAspect="1"/>
+          </p:cNvPicPr>
+          <p:nvPr/>
+        </p:nvPicPr>
+        <p:blipFill>
+          <a:blip r:embed="rId2"/>
+          <a:stretch>
+            <a:fillRect/>
+          </a:stretch>
+        </p:blipFill>
+        <p:spPr>
+          <a:xfrm>
+            <a:off x="5997511" y="-12700"/>
+            <a:ext cx="3168778" cy="6858000"/>
+          </a:xfrm>
+          <a:prstGeom prst="rect">
+            <a:avLst/>
+          </a:prstGeom>
+        </p:spPr>
+      </p:pic>
+      <p:sp>
+        <p:nvSpPr>
+          <p:cNvPr id="4" name="TextBox 3"/>
+          <p:cNvSpPr txBox="1"/>
+          <p:nvPr/>
+        </p:nvSpPr>
+        <p:spPr>
+          <a:xfrm>
+            <a:off x="347901" y="3162300"/>
+            <a:ext cx="5492209" cy="923330"/>
+          </a:xfrm>
+          <a:prstGeom prst="rect">
+            <a:avLst/>
+          </a:prstGeom>
+          <a:noFill/>
+        </p:spPr>
+        <p:txBody>
+          <a:bodyPr wrap="none" rtlCol="0">
+            <a:spAutoFit/>
+          </a:bodyPr>
+          <a:lstStyle/>
+          <a:p>
+            <a:r>
+              <a:rPr lang="en-US" altLang="ko-KR" dirty="0" err="1" smtClean="0"/>
+              <a:t>Netstat</a:t>
+            </a:r>
+            <a:r>
+              <a:rPr lang="ko-KR" altLang="en-US" dirty="0" smtClean="0"/>
+              <a:t>명령을 통해서 현재 컴퓨터에 </a:t>
+            </a:r>
+            <a:endParaRPr lang="en-US" altLang="ko-KR" dirty="0" smtClean="0"/>
+          </a:p>
+          <a:p>
+            <a:r>
+              <a:rPr lang="ko-KR" altLang="en-US" dirty="0" smtClean="0"/>
+              <a:t>연결되었거나 연결될 네트워크</a:t>
+            </a:r>
+            <a:r>
+              <a:rPr lang="en-US" altLang="ko-KR" dirty="0"/>
+              <a:t>, </a:t>
+            </a:r>
+            <a:r>
+              <a:rPr lang="ko-KR" altLang="en-US" dirty="0" err="1"/>
+              <a:t>라우터</a:t>
+            </a:r>
+            <a:r>
+              <a:rPr lang="ko-KR" altLang="en-US" dirty="0"/>
+              <a:t> 테이블</a:t>
+            </a:r>
+            <a:r>
+              <a:rPr lang="en-US" altLang="ko-KR" dirty="0"/>
+              <a:t> </a:t>
+            </a:r>
+            <a:r>
+              <a:rPr lang="ko-KR" altLang="en-US" dirty="0" smtClean="0"/>
+              <a:t>등을</a:t>
+            </a:r>
+            <a:endParaRPr lang="en-US" altLang="ko-KR" dirty="0" smtClean="0"/>
+          </a:p>
+          <a:p>
+            <a:r>
+              <a:rPr lang="ko-KR" altLang="en-US" dirty="0" smtClean="0"/>
+              <a:t>프로토콜과 함께 출력</a:t>
+            </a:r>
+            <a:endParaRPr lang="ko-KR" altLang="en-US" dirty="0"/>
+          </a:p>
+        </p:txBody>
+      </p:sp>
+    </p:spTree>
+    <p:extLst>
+      <p:ext uri="{BB962C8B-B14F-4D97-AF65-F5344CB8AC3E}">
+        <p14:creationId xmlns:p14="http://schemas.microsoft.com/office/powerpoint/2010/main" val="16469559"/>
+      </p:ext>
+    </p:extLst>
+  </p:cSld>
+  <p:clrMapOvr>
+    <a:masterClrMapping/>
+  </p:clrMapOvr>
+</p:sld>
+</file>
+
+<file path=ppt/slides/slide27.xml><?xml version="1.0" encoding="utf-8"?>
+<p:sld xmlns:a="http://schemas.openxmlformats.org/drawingml/2006/main" xmlns:r="http://schemas.openxmlformats.org/officeDocument/2006/relationships" xmlns:p="http://schemas.openxmlformats.org/presentationml/2006/main">
+  <p:cSld>
+    <p:spTree>
+      <p:nvGrpSpPr>
+        <p:cNvPr id="1" name=""/>
+        <p:cNvGrpSpPr/>
+        <p:nvPr/>
+      </p:nvGrpSpPr>
+      <p:grpSpPr>
+        <a:xfrm>
+          <a:off x="0" y="0"/>
+          <a:ext cx="0" cy="0"/>
+          <a:chOff x="0" y="0"/>
+          <a:chExt cx="0" cy="0"/>
+        </a:xfrm>
+      </p:grpSpPr>
+      <p:sp>
+        <p:nvSpPr>
+          <p:cNvPr id="3" name="직사각형 2"/>
+          <p:cNvSpPr/>
+          <p:nvPr/>
+        </p:nvSpPr>
+        <p:spPr>
+          <a:xfrm>
+            <a:off x="190500" y="226536"/>
+            <a:ext cx="6096000" cy="646331"/>
+          </a:xfrm>
+          <a:prstGeom prst="rect">
+            <a:avLst/>
+          </a:prstGeom>
+        </p:spPr>
+        <p:txBody>
+          <a:bodyPr>
+            <a:spAutoFit/>
+          </a:bodyPr>
+          <a:lstStyle/>
+          <a:p>
+            <a:r>
+              <a:rPr lang="en-US" altLang="ko-KR" dirty="0"/>
+              <a:t>5) </a:t>
+            </a:r>
+            <a:r>
+              <a:rPr lang="en-US" altLang="ko-KR" dirty="0" err="1"/>
+              <a:t>netstat</a:t>
+            </a:r>
+            <a:r>
+              <a:rPr lang="en-US" altLang="ko-KR" dirty="0"/>
+              <a:t> </a:t>
+            </a:r>
+            <a:r>
+              <a:rPr lang="ko-KR" altLang="en-US" dirty="0"/>
+              <a:t>명령어 실습</a:t>
+            </a:r>
+          </a:p>
+          <a:p>
+            <a:r>
+              <a:rPr lang="en-US" altLang="ko-KR" dirty="0" smtClean="0"/>
+              <a:t>③ </a:t>
+            </a:r>
+            <a:r>
+              <a:rPr lang="en-US" altLang="ko-KR" dirty="0" err="1"/>
+              <a:t>netstat</a:t>
+            </a:r>
+            <a:r>
+              <a:rPr lang="en-US" altLang="ko-KR" dirty="0"/>
+              <a:t> -</a:t>
+            </a:r>
+            <a:r>
+              <a:rPr lang="en-US" altLang="ko-KR" dirty="0" smtClean="0"/>
+              <a:t>n</a:t>
+            </a:r>
+            <a:endParaRPr lang="en-US" altLang="ko-KR" dirty="0"/>
+          </a:p>
+        </p:txBody>
+      </p:sp>
+      <p:pic>
+        <p:nvPicPr>
+          <p:cNvPr id="2" name="그림 1"/>
+          <p:cNvPicPr>
+            <a:picLocks noChangeAspect="1"/>
+          </p:cNvPicPr>
+          <p:nvPr/>
+        </p:nvPicPr>
+        <p:blipFill>
+          <a:blip r:embed="rId2"/>
+          <a:stretch>
+            <a:fillRect/>
+          </a:stretch>
+        </p:blipFill>
+        <p:spPr>
+          <a:xfrm>
+            <a:off x="5141787" y="0"/>
+            <a:ext cx="4118225" cy="6858000"/>
+          </a:xfrm>
+          <a:prstGeom prst="rect">
+            <a:avLst/>
+          </a:prstGeom>
+        </p:spPr>
+      </p:pic>
+      <p:sp>
+        <p:nvSpPr>
+          <p:cNvPr id="4" name="TextBox 3"/>
+          <p:cNvSpPr txBox="1"/>
+          <p:nvPr/>
+        </p:nvSpPr>
+        <p:spPr>
+          <a:xfrm>
+            <a:off x="461186" y="3213100"/>
+            <a:ext cx="4748416" cy="1200329"/>
+          </a:xfrm>
+          <a:prstGeom prst="rect">
+            <a:avLst/>
+          </a:prstGeom>
+          <a:noFill/>
+        </p:spPr>
+        <p:txBody>
+          <a:bodyPr wrap="none" rtlCol="0">
+            <a:spAutoFit/>
+          </a:bodyPr>
+          <a:lstStyle/>
+          <a:p>
+            <a:r>
+              <a:rPr lang="en-US" altLang="ko-KR" dirty="0" err="1" smtClean="0"/>
+              <a:t>Netstat</a:t>
+            </a:r>
+            <a:r>
+              <a:rPr lang="ko-KR" altLang="en-US" dirty="0" smtClean="0"/>
+              <a:t>명령을 통해서 현재 컴퓨터에 </a:t>
+            </a:r>
+            <a:endParaRPr lang="en-US" altLang="ko-KR" dirty="0" smtClean="0"/>
+          </a:p>
+          <a:p>
+            <a:r>
+              <a:rPr lang="ko-KR" altLang="en-US" dirty="0" smtClean="0"/>
+              <a:t>연결된 네트워크</a:t>
+            </a:r>
+            <a:r>
+              <a:rPr lang="en-US" altLang="ko-KR" dirty="0" smtClean="0"/>
+              <a:t>, </a:t>
+            </a:r>
+            <a:r>
+              <a:rPr lang="ko-KR" altLang="en-US" dirty="0" err="1" smtClean="0"/>
+              <a:t>라우터</a:t>
+            </a:r>
+            <a:r>
+              <a:rPr lang="ko-KR" altLang="en-US" dirty="0" smtClean="0"/>
+              <a:t> 테이블</a:t>
+            </a:r>
+            <a:r>
+              <a:rPr lang="en-US" altLang="ko-KR" dirty="0"/>
+              <a:t> </a:t>
+            </a:r>
+            <a:r>
+              <a:rPr lang="ko-KR" altLang="en-US" dirty="0" smtClean="0"/>
+              <a:t>등을</a:t>
+            </a:r>
+            <a:endParaRPr lang="en-US" altLang="ko-KR" dirty="0" smtClean="0"/>
+          </a:p>
+          <a:p>
+            <a:r>
+              <a:rPr lang="ko-KR" altLang="en-US" dirty="0" smtClean="0"/>
+              <a:t>프로토콜과 함께 출력하는데 서버 이름 대신</a:t>
+            </a:r>
+            <a:endParaRPr lang="en-US" altLang="ko-KR" dirty="0" smtClean="0"/>
+          </a:p>
+          <a:p>
+            <a:r>
+              <a:rPr lang="ko-KR" altLang="en-US" dirty="0" smtClean="0"/>
+              <a:t>서버 </a:t>
+            </a:r>
+            <a:r>
+              <a:rPr lang="en-US" altLang="ko-KR" dirty="0" err="1" smtClean="0"/>
+              <a:t>ip</a:t>
+            </a:r>
+            <a:r>
+              <a:rPr lang="ko-KR" altLang="en-US" dirty="0" smtClean="0"/>
+              <a:t>주소로 출력</a:t>
+            </a:r>
+            <a:endParaRPr lang="ko-KR" altLang="en-US" dirty="0"/>
+          </a:p>
+        </p:txBody>
+      </p:sp>
+    </p:spTree>
+    <p:extLst>
+      <p:ext uri="{BB962C8B-B14F-4D97-AF65-F5344CB8AC3E}">
+        <p14:creationId xmlns:p14="http://schemas.microsoft.com/office/powerpoint/2010/main" val="4208807786"/>
+      </p:ext>
+    </p:extLst>
+  </p:cSld>
+  <p:clrMapOvr>
+    <a:masterClrMapping/>
+  </p:clrMapOvr>
+</p:sld>
+</file>
+
+<file path=ppt/slides/slide28.xml><?xml version="1.0" encoding="utf-8"?>
+<p:sld xmlns:a="http://schemas.openxmlformats.org/drawingml/2006/main" xmlns:r="http://schemas.openxmlformats.org/officeDocument/2006/relationships" xmlns:p="http://schemas.openxmlformats.org/presentationml/2006/main">
+  <p:cSld>
+    <p:spTree>
+      <p:nvGrpSpPr>
+        <p:cNvPr id="1" name=""/>
+        <p:cNvGrpSpPr/>
+        <p:nvPr/>
+      </p:nvGrpSpPr>
+      <p:grpSpPr>
+        <a:xfrm>
+          <a:off x="0" y="0"/>
+          <a:ext cx="0" cy="0"/>
+          <a:chOff x="0" y="0"/>
+          <a:chExt cx="0" cy="0"/>
+        </a:xfrm>
+      </p:grpSpPr>
+      <p:sp>
+        <p:nvSpPr>
+          <p:cNvPr id="3" name="직사각형 2"/>
+          <p:cNvSpPr/>
+          <p:nvPr/>
+        </p:nvSpPr>
+        <p:spPr>
+          <a:xfrm>
+            <a:off x="190500" y="226536"/>
+            <a:ext cx="6096000" cy="646331"/>
+          </a:xfrm>
+          <a:prstGeom prst="rect">
+            <a:avLst/>
+          </a:prstGeom>
+        </p:spPr>
+        <p:txBody>
+          <a:bodyPr>
+            <a:spAutoFit/>
+          </a:bodyPr>
+          <a:lstStyle/>
+          <a:p>
+            <a:r>
+              <a:rPr lang="en-US" altLang="ko-KR" dirty="0"/>
+              <a:t>5) </a:t>
+            </a:r>
+            <a:r>
+              <a:rPr lang="en-US" altLang="ko-KR" dirty="0" err="1"/>
+              <a:t>netstat</a:t>
+            </a:r>
+            <a:r>
+              <a:rPr lang="en-US" altLang="ko-KR" dirty="0"/>
+              <a:t> </a:t>
+            </a:r>
+            <a:r>
+              <a:rPr lang="ko-KR" altLang="en-US" dirty="0"/>
+              <a:t>명령어 실습</a:t>
+            </a:r>
+          </a:p>
+          <a:p>
+            <a:r>
+              <a:rPr lang="en-US" altLang="ko-KR" dirty="0" smtClean="0"/>
+              <a:t>④ </a:t>
+            </a:r>
+            <a:r>
+              <a:rPr lang="en-US" altLang="ko-KR" dirty="0" err="1"/>
+              <a:t>netstat</a:t>
+            </a:r>
+            <a:r>
+              <a:rPr lang="en-US" altLang="ko-KR" dirty="0"/>
+              <a:t> -an or -</a:t>
+            </a:r>
+            <a:r>
+              <a:rPr lang="en-US" altLang="ko-KR" dirty="0" err="1"/>
+              <a:t>na</a:t>
+            </a:r>
+            <a:endParaRPr lang="en-US" altLang="ko-KR" dirty="0"/>
+          </a:p>
+        </p:txBody>
+      </p:sp>
+      <p:pic>
+        <p:nvPicPr>
+          <p:cNvPr id="2" name="그림 1"/>
+          <p:cNvPicPr>
+            <a:picLocks noChangeAspect="1"/>
+          </p:cNvPicPr>
+          <p:nvPr/>
+        </p:nvPicPr>
+        <p:blipFill>
+          <a:blip r:embed="rId2"/>
+          <a:stretch>
+            <a:fillRect/>
+          </a:stretch>
+        </p:blipFill>
+        <p:spPr>
+          <a:xfrm>
+            <a:off x="5362511" y="0"/>
+            <a:ext cx="3168778" cy="6858000"/>
+          </a:xfrm>
+          <a:prstGeom prst="rect">
+            <a:avLst/>
+          </a:prstGeom>
+        </p:spPr>
+      </p:pic>
+      <p:sp>
+        <p:nvSpPr>
+          <p:cNvPr id="4" name="TextBox 3"/>
+          <p:cNvSpPr txBox="1"/>
+          <p:nvPr/>
+        </p:nvSpPr>
+        <p:spPr>
+          <a:xfrm>
+            <a:off x="461186" y="3213100"/>
+            <a:ext cx="4568879" cy="923330"/>
+          </a:xfrm>
+          <a:prstGeom prst="rect">
+            <a:avLst/>
+          </a:prstGeom>
+          <a:noFill/>
+        </p:spPr>
+        <p:txBody>
+          <a:bodyPr wrap="none" rtlCol="0">
+            <a:spAutoFit/>
+          </a:bodyPr>
+          <a:lstStyle/>
+          <a:p>
+            <a:r>
+              <a:rPr lang="en-US" altLang="ko-KR" dirty="0" err="1" smtClean="0"/>
+              <a:t>Netstat</a:t>
+            </a:r>
+            <a:r>
+              <a:rPr lang="ko-KR" altLang="en-US" dirty="0" smtClean="0"/>
+              <a:t>명령을 통해서 현재 컴퓨터에 </a:t>
+            </a:r>
+            <a:endParaRPr lang="en-US" altLang="ko-KR" dirty="0" smtClean="0"/>
+          </a:p>
+          <a:p>
+            <a:r>
+              <a:rPr lang="ko-KR" altLang="en-US" dirty="0" err="1" smtClean="0"/>
+              <a:t>연결었던</a:t>
+            </a:r>
+            <a:r>
+              <a:rPr lang="ko-KR" altLang="en-US" dirty="0" smtClean="0"/>
+              <a:t> 혹은 연결을 기다리는 네트워크</a:t>
+            </a:r>
+            <a:r>
+              <a:rPr lang="en-US" altLang="ko-KR" dirty="0" smtClean="0"/>
+              <a:t>, </a:t>
+            </a:r>
+          </a:p>
+          <a:p>
+            <a:r>
+              <a:rPr lang="ko-KR" altLang="en-US" dirty="0" err="1" smtClean="0"/>
+              <a:t>라우터</a:t>
+            </a:r>
+            <a:r>
+              <a:rPr lang="ko-KR" altLang="en-US" dirty="0" smtClean="0"/>
+              <a:t> 테이블</a:t>
+            </a:r>
+            <a:r>
+              <a:rPr lang="en-US" altLang="ko-KR" dirty="0"/>
+              <a:t> </a:t>
+            </a:r>
+            <a:r>
+              <a:rPr lang="ko-KR" altLang="en-US" dirty="0" smtClean="0"/>
+              <a:t>등을 프로토콜과 함께 출력</a:t>
+            </a:r>
+            <a:endParaRPr lang="en-US" altLang="ko-KR" dirty="0" smtClean="0"/>
+          </a:p>
+        </p:txBody>
+      </p:sp>
+    </p:spTree>
+    <p:extLst>
+      <p:ext uri="{BB962C8B-B14F-4D97-AF65-F5344CB8AC3E}">
+        <p14:creationId xmlns:p14="http://schemas.microsoft.com/office/powerpoint/2010/main" val="1415634463"/>
+      </p:ext>
+    </p:extLst>
+  </p:cSld>
+  <p:clrMapOvr>
+    <a:masterClrMapping/>
+  </p:clrMapOvr>
+</p:sld>
+</file>
+
 <file path=ppt/slides/slide3.xml><?xml version="1.0" encoding="utf-8"?>
 <p:sld xmlns:a="http://schemas.openxmlformats.org/drawingml/2006/main" xmlns:r="http://schemas.openxmlformats.org/officeDocument/2006/relationships" xmlns:p="http://schemas.openxmlformats.org/presentationml/2006/main">
   <p:cSld>
@@ -6842,12 +10825,6 @@
               </a:rPr>
               <a:t>에서 네트워크 설정 실습</a:t>
             </a:r>
-            <a:endParaRPr lang="ko-KR" altLang="en-US" b="1" dirty="0">
-              <a:solidFill>
-                <a:srgbClr val="221F1F"/>
-              </a:solidFill>
-              <a:latin typeface="맑은 고딕" pitchFamily="50" charset="-127"/>
-            </a:endParaRPr>
           </a:p>
         </p:txBody>
       </p:sp>
@@ -7168,12 +11145,6 @@
               </a:rPr>
               <a:t>에서 네트워크 설정 실습</a:t>
             </a:r>
-            <a:endParaRPr lang="ko-KR" altLang="en-US" b="1" dirty="0">
-              <a:solidFill>
-                <a:srgbClr val="221F1F"/>
-              </a:solidFill>
-              <a:latin typeface="맑은 고딕" pitchFamily="50" charset="-127"/>
-            </a:endParaRPr>
           </a:p>
         </p:txBody>
       </p:sp>
@@ -7688,12 +11659,6 @@
               </a:rPr>
               <a:t>에서 네트워크 설정 실습</a:t>
             </a:r>
-            <a:endParaRPr lang="ko-KR" altLang="en-US" b="1" dirty="0">
-              <a:solidFill>
-                <a:srgbClr val="221F1F"/>
-              </a:solidFill>
-              <a:latin typeface="맑은 고딕" pitchFamily="50" charset="-127"/>
-            </a:endParaRPr>
           </a:p>
         </p:txBody>
       </p:sp>
@@ -7868,12 +11833,6 @@
               </a:rPr>
               <a:t>주소 설정</a:t>
             </a:r>
-            <a:endParaRPr lang="ko-KR" altLang="en-US" b="1" dirty="0">
-              <a:solidFill>
-                <a:srgbClr val="221F1F"/>
-              </a:solidFill>
-              <a:latin typeface="맑은 고딕" pitchFamily="50" charset="-127"/>
-            </a:endParaRPr>
           </a:p>
         </p:txBody>
       </p:sp>
@@ -8417,12 +12376,6 @@
               </a:rPr>
               <a:t>주소 설정</a:t>
             </a:r>
-            <a:endParaRPr lang="ko-KR" altLang="en-US" b="1" dirty="0">
-              <a:solidFill>
-                <a:srgbClr val="221F1F"/>
-              </a:solidFill>
-              <a:latin typeface="맑은 고딕" pitchFamily="50" charset="-127"/>
-            </a:endParaRPr>
           </a:p>
         </p:txBody>
       </p:sp>
@@ -9583,12 +13536,6 @@
               </a:rPr>
               <a:t>주소 설정</a:t>
             </a:r>
-            <a:endParaRPr lang="ko-KR" altLang="en-US" b="1" dirty="0">
-              <a:solidFill>
-                <a:srgbClr val="221F1F"/>
-              </a:solidFill>
-              <a:latin typeface="맑은 고딕" pitchFamily="50" charset="-127"/>
-            </a:endParaRPr>
           </a:p>
         </p:txBody>
       </p:sp>
@@ -9763,12 +13710,6 @@
               </a:rPr>
               <a:t>주소 설정</a:t>
             </a:r>
-            <a:endParaRPr lang="ko-KR" altLang="en-US" b="1" dirty="0">
-              <a:solidFill>
-                <a:srgbClr val="221F1F"/>
-              </a:solidFill>
-              <a:latin typeface="맑은 고딕" pitchFamily="50" charset="-127"/>
-            </a:endParaRPr>
           </a:p>
         </p:txBody>
       </p:sp>
